--- a/Apresentação Wordin'On.pptx
+++ b/Apresentação Wordin'On.pptx
@@ -5,11 +5,17 @@
     <p:sldMasterId id="2147483846" r:id="rId1"/>
   </p:sldMasterIdLst>
   <p:notesMasterIdLst>
-    <p:notesMasterId r:id="rId4"/>
+    <p:notesMasterId r:id="rId10"/>
   </p:notesMasterIdLst>
   <p:sldIdLst>
     <p:sldId id="256" r:id="rId2"/>
-    <p:sldId id="257" r:id="rId3"/>
+    <p:sldId id="263" r:id="rId3"/>
+    <p:sldId id="257" r:id="rId4"/>
+    <p:sldId id="258" r:id="rId5"/>
+    <p:sldId id="259" r:id="rId6"/>
+    <p:sldId id="260" r:id="rId7"/>
+    <p:sldId id="262" r:id="rId8"/>
+    <p:sldId id="261" r:id="rId9"/>
   </p:sldIdLst>
   <p:sldSz cx="12192000" cy="6858000"/>
   <p:notesSz cx="6858000" cy="9144000"/>
@@ -627,7 +633,427 @@
     </p:spTree>
     <p:extLst>
       <p:ext uri="{BB962C8B-B14F-4D97-AF65-F5344CB8AC3E}">
+        <p14:creationId xmlns:p14="http://schemas.microsoft.com/office/powerpoint/2010/main" val="1591394053"/>
+      </p:ext>
+    </p:extLst>
+  </p:cSld>
+  <p:clrMapOvr>
+    <a:masterClrMapping/>
+  </p:clrMapOvr>
+</p:notes>
+</file>
+
+<file path=ppt/notesSlides/notesSlide3.xml><?xml version="1.0" encoding="utf-8"?>
+<p:notes xmlns:a="http://schemas.openxmlformats.org/drawingml/2006/main" xmlns:r="http://schemas.openxmlformats.org/officeDocument/2006/relationships" xmlns:p="http://schemas.openxmlformats.org/presentationml/2006/main">
+  <p:cSld>
+    <p:spTree>
+      <p:nvGrpSpPr>
+        <p:cNvPr id="1" name=""/>
+        <p:cNvGrpSpPr/>
+        <p:nvPr/>
+      </p:nvGrpSpPr>
+      <p:grpSpPr>
+        <a:xfrm>
+          <a:off x="0" y="0"/>
+          <a:ext cx="0" cy="0"/>
+          <a:chOff x="0" y="0"/>
+          <a:chExt cx="0" cy="0"/>
+        </a:xfrm>
+      </p:grpSpPr>
+      <p:sp>
+        <p:nvSpPr>
+          <p:cNvPr id="2" name="Espaço Reservado para Imagem de Slide 1"/>
+          <p:cNvSpPr>
+            <a:spLocks noGrp="1" noRot="1" noChangeAspect="1"/>
+          </p:cNvSpPr>
+          <p:nvPr>
+            <p:ph type="sldImg"/>
+          </p:nvPr>
+        </p:nvSpPr>
+        <p:spPr/>
+      </p:sp>
+      <p:sp>
+        <p:nvSpPr>
+          <p:cNvPr id="3" name="Espaço Reservado para Anotações 2"/>
+          <p:cNvSpPr>
+            <a:spLocks noGrp="1"/>
+          </p:cNvSpPr>
+          <p:nvPr>
+            <p:ph type="body" idx="1"/>
+          </p:nvPr>
+        </p:nvSpPr>
+        <p:spPr/>
+        <p:txBody>
+          <a:bodyPr/>
+          <a:lstStyle/>
+          <a:p>
+            <a:endParaRPr lang="pt-BR"/>
+          </a:p>
+        </p:txBody>
+      </p:sp>
+      <p:sp>
+        <p:nvSpPr>
+          <p:cNvPr id="4" name="Espaço Reservado para Número de Slide 3"/>
+          <p:cNvSpPr>
+            <a:spLocks noGrp="1"/>
+          </p:cNvSpPr>
+          <p:nvPr>
+            <p:ph type="sldNum" sz="quarter" idx="10"/>
+          </p:nvPr>
+        </p:nvSpPr>
+        <p:spPr/>
+        <p:txBody>
+          <a:bodyPr/>
+          <a:lstStyle/>
+          <a:p>
+            <a:fld id="{74FDDB7F-9A62-4234-80C9-785C06507C73}" type="slidenum">
+              <a:rPr lang="pt-BR" smtClean="0"/>
+              <a:t>3</a:t>
+            </a:fld>
+            <a:endParaRPr lang="pt-BR"/>
+          </a:p>
+        </p:txBody>
+      </p:sp>
+    </p:spTree>
+    <p:extLst>
+      <p:ext uri="{BB962C8B-B14F-4D97-AF65-F5344CB8AC3E}">
         <p14:creationId xmlns:p14="http://schemas.microsoft.com/office/powerpoint/2010/main" val="2289572935"/>
+      </p:ext>
+    </p:extLst>
+  </p:cSld>
+  <p:clrMapOvr>
+    <a:masterClrMapping/>
+  </p:clrMapOvr>
+</p:notes>
+</file>
+
+<file path=ppt/notesSlides/notesSlide4.xml><?xml version="1.0" encoding="utf-8"?>
+<p:notes xmlns:a="http://schemas.openxmlformats.org/drawingml/2006/main" xmlns:r="http://schemas.openxmlformats.org/officeDocument/2006/relationships" xmlns:p="http://schemas.openxmlformats.org/presentationml/2006/main">
+  <p:cSld>
+    <p:spTree>
+      <p:nvGrpSpPr>
+        <p:cNvPr id="1" name=""/>
+        <p:cNvGrpSpPr/>
+        <p:nvPr/>
+      </p:nvGrpSpPr>
+      <p:grpSpPr>
+        <a:xfrm>
+          <a:off x="0" y="0"/>
+          <a:ext cx="0" cy="0"/>
+          <a:chOff x="0" y="0"/>
+          <a:chExt cx="0" cy="0"/>
+        </a:xfrm>
+      </p:grpSpPr>
+      <p:sp>
+        <p:nvSpPr>
+          <p:cNvPr id="2" name="Espaço Reservado para Imagem de Slide 1"/>
+          <p:cNvSpPr>
+            <a:spLocks noGrp="1" noRot="1" noChangeAspect="1"/>
+          </p:cNvSpPr>
+          <p:nvPr>
+            <p:ph type="sldImg"/>
+          </p:nvPr>
+        </p:nvSpPr>
+        <p:spPr/>
+      </p:sp>
+      <p:sp>
+        <p:nvSpPr>
+          <p:cNvPr id="3" name="Espaço Reservado para Anotações 2"/>
+          <p:cNvSpPr>
+            <a:spLocks noGrp="1"/>
+          </p:cNvSpPr>
+          <p:nvPr>
+            <p:ph type="body" idx="1"/>
+          </p:nvPr>
+        </p:nvSpPr>
+        <p:spPr/>
+        <p:txBody>
+          <a:bodyPr/>
+          <a:lstStyle/>
+          <a:p>
+            <a:endParaRPr lang="pt-BR"/>
+          </a:p>
+        </p:txBody>
+      </p:sp>
+      <p:sp>
+        <p:nvSpPr>
+          <p:cNvPr id="4" name="Espaço Reservado para Número de Slide 3"/>
+          <p:cNvSpPr>
+            <a:spLocks noGrp="1"/>
+          </p:cNvSpPr>
+          <p:nvPr>
+            <p:ph type="sldNum" sz="quarter" idx="10"/>
+          </p:nvPr>
+        </p:nvSpPr>
+        <p:spPr/>
+        <p:txBody>
+          <a:bodyPr/>
+          <a:lstStyle/>
+          <a:p>
+            <a:fld id="{74FDDB7F-9A62-4234-80C9-785C06507C73}" type="slidenum">
+              <a:rPr lang="pt-BR" smtClean="0"/>
+              <a:t>5</a:t>
+            </a:fld>
+            <a:endParaRPr lang="pt-BR"/>
+          </a:p>
+        </p:txBody>
+      </p:sp>
+    </p:spTree>
+    <p:extLst>
+      <p:ext uri="{BB962C8B-B14F-4D97-AF65-F5344CB8AC3E}">
+        <p14:creationId xmlns:p14="http://schemas.microsoft.com/office/powerpoint/2010/main" val="1522891149"/>
+      </p:ext>
+    </p:extLst>
+  </p:cSld>
+  <p:clrMapOvr>
+    <a:masterClrMapping/>
+  </p:clrMapOvr>
+</p:notes>
+</file>
+
+<file path=ppt/notesSlides/notesSlide5.xml><?xml version="1.0" encoding="utf-8"?>
+<p:notes xmlns:a="http://schemas.openxmlformats.org/drawingml/2006/main" xmlns:r="http://schemas.openxmlformats.org/officeDocument/2006/relationships" xmlns:p="http://schemas.openxmlformats.org/presentationml/2006/main">
+  <p:cSld>
+    <p:spTree>
+      <p:nvGrpSpPr>
+        <p:cNvPr id="1" name=""/>
+        <p:cNvGrpSpPr/>
+        <p:nvPr/>
+      </p:nvGrpSpPr>
+      <p:grpSpPr>
+        <a:xfrm>
+          <a:off x="0" y="0"/>
+          <a:ext cx="0" cy="0"/>
+          <a:chOff x="0" y="0"/>
+          <a:chExt cx="0" cy="0"/>
+        </a:xfrm>
+      </p:grpSpPr>
+      <p:sp>
+        <p:nvSpPr>
+          <p:cNvPr id="2" name="Espaço Reservado para Imagem de Slide 1"/>
+          <p:cNvSpPr>
+            <a:spLocks noGrp="1" noRot="1" noChangeAspect="1"/>
+          </p:cNvSpPr>
+          <p:nvPr>
+            <p:ph type="sldImg"/>
+          </p:nvPr>
+        </p:nvSpPr>
+        <p:spPr/>
+      </p:sp>
+      <p:sp>
+        <p:nvSpPr>
+          <p:cNvPr id="3" name="Espaço Reservado para Anotações 2"/>
+          <p:cNvSpPr>
+            <a:spLocks noGrp="1"/>
+          </p:cNvSpPr>
+          <p:nvPr>
+            <p:ph type="body" idx="1"/>
+          </p:nvPr>
+        </p:nvSpPr>
+        <p:spPr/>
+        <p:txBody>
+          <a:bodyPr/>
+          <a:lstStyle/>
+          <a:p>
+            <a:endParaRPr lang="pt-BR"/>
+          </a:p>
+        </p:txBody>
+      </p:sp>
+      <p:sp>
+        <p:nvSpPr>
+          <p:cNvPr id="4" name="Espaço Reservado para Número de Slide 3"/>
+          <p:cNvSpPr>
+            <a:spLocks noGrp="1"/>
+          </p:cNvSpPr>
+          <p:nvPr>
+            <p:ph type="sldNum" sz="quarter" idx="10"/>
+          </p:nvPr>
+        </p:nvSpPr>
+        <p:spPr/>
+        <p:txBody>
+          <a:bodyPr/>
+          <a:lstStyle/>
+          <a:p>
+            <a:fld id="{74FDDB7F-9A62-4234-80C9-785C06507C73}" type="slidenum">
+              <a:rPr lang="pt-BR" smtClean="0"/>
+              <a:t>6</a:t>
+            </a:fld>
+            <a:endParaRPr lang="pt-BR"/>
+          </a:p>
+        </p:txBody>
+      </p:sp>
+    </p:spTree>
+    <p:extLst>
+      <p:ext uri="{BB962C8B-B14F-4D97-AF65-F5344CB8AC3E}">
+        <p14:creationId xmlns:p14="http://schemas.microsoft.com/office/powerpoint/2010/main" val="3292790688"/>
+      </p:ext>
+    </p:extLst>
+  </p:cSld>
+  <p:clrMapOvr>
+    <a:masterClrMapping/>
+  </p:clrMapOvr>
+</p:notes>
+</file>
+
+<file path=ppt/notesSlides/notesSlide6.xml><?xml version="1.0" encoding="utf-8"?>
+<p:notes xmlns:a="http://schemas.openxmlformats.org/drawingml/2006/main" xmlns:r="http://schemas.openxmlformats.org/officeDocument/2006/relationships" xmlns:p="http://schemas.openxmlformats.org/presentationml/2006/main">
+  <p:cSld>
+    <p:spTree>
+      <p:nvGrpSpPr>
+        <p:cNvPr id="1" name=""/>
+        <p:cNvGrpSpPr/>
+        <p:nvPr/>
+      </p:nvGrpSpPr>
+      <p:grpSpPr>
+        <a:xfrm>
+          <a:off x="0" y="0"/>
+          <a:ext cx="0" cy="0"/>
+          <a:chOff x="0" y="0"/>
+          <a:chExt cx="0" cy="0"/>
+        </a:xfrm>
+      </p:grpSpPr>
+      <p:sp>
+        <p:nvSpPr>
+          <p:cNvPr id="2" name="Espaço Reservado para Imagem de Slide 1"/>
+          <p:cNvSpPr>
+            <a:spLocks noGrp="1" noRot="1" noChangeAspect="1"/>
+          </p:cNvSpPr>
+          <p:nvPr>
+            <p:ph type="sldImg"/>
+          </p:nvPr>
+        </p:nvSpPr>
+        <p:spPr/>
+      </p:sp>
+      <p:sp>
+        <p:nvSpPr>
+          <p:cNvPr id="3" name="Espaço Reservado para Anotações 2"/>
+          <p:cNvSpPr>
+            <a:spLocks noGrp="1"/>
+          </p:cNvSpPr>
+          <p:nvPr>
+            <p:ph type="body" idx="1"/>
+          </p:nvPr>
+        </p:nvSpPr>
+        <p:spPr/>
+        <p:txBody>
+          <a:bodyPr/>
+          <a:lstStyle/>
+          <a:p>
+            <a:endParaRPr lang="pt-BR"/>
+          </a:p>
+        </p:txBody>
+      </p:sp>
+      <p:sp>
+        <p:nvSpPr>
+          <p:cNvPr id="4" name="Espaço Reservado para Número de Slide 3"/>
+          <p:cNvSpPr>
+            <a:spLocks noGrp="1"/>
+          </p:cNvSpPr>
+          <p:nvPr>
+            <p:ph type="sldNum" sz="quarter" idx="10"/>
+          </p:nvPr>
+        </p:nvSpPr>
+        <p:spPr/>
+        <p:txBody>
+          <a:bodyPr/>
+          <a:lstStyle/>
+          <a:p>
+            <a:fld id="{74FDDB7F-9A62-4234-80C9-785C06507C73}" type="slidenum">
+              <a:rPr lang="pt-BR" smtClean="0"/>
+              <a:t>7</a:t>
+            </a:fld>
+            <a:endParaRPr lang="pt-BR"/>
+          </a:p>
+        </p:txBody>
+      </p:sp>
+    </p:spTree>
+    <p:extLst>
+      <p:ext uri="{BB962C8B-B14F-4D97-AF65-F5344CB8AC3E}">
+        <p14:creationId xmlns:p14="http://schemas.microsoft.com/office/powerpoint/2010/main" val="885363636"/>
+      </p:ext>
+    </p:extLst>
+  </p:cSld>
+  <p:clrMapOvr>
+    <a:masterClrMapping/>
+  </p:clrMapOvr>
+</p:notes>
+</file>
+
+<file path=ppt/notesSlides/notesSlide7.xml><?xml version="1.0" encoding="utf-8"?>
+<p:notes xmlns:a="http://schemas.openxmlformats.org/drawingml/2006/main" xmlns:r="http://schemas.openxmlformats.org/officeDocument/2006/relationships" xmlns:p="http://schemas.openxmlformats.org/presentationml/2006/main">
+  <p:cSld>
+    <p:spTree>
+      <p:nvGrpSpPr>
+        <p:cNvPr id="1" name=""/>
+        <p:cNvGrpSpPr/>
+        <p:nvPr/>
+      </p:nvGrpSpPr>
+      <p:grpSpPr>
+        <a:xfrm>
+          <a:off x="0" y="0"/>
+          <a:ext cx="0" cy="0"/>
+          <a:chOff x="0" y="0"/>
+          <a:chExt cx="0" cy="0"/>
+        </a:xfrm>
+      </p:grpSpPr>
+      <p:sp>
+        <p:nvSpPr>
+          <p:cNvPr id="2" name="Espaço Reservado para Imagem de Slide 1"/>
+          <p:cNvSpPr>
+            <a:spLocks noGrp="1" noRot="1" noChangeAspect="1"/>
+          </p:cNvSpPr>
+          <p:nvPr>
+            <p:ph type="sldImg"/>
+          </p:nvPr>
+        </p:nvSpPr>
+        <p:spPr/>
+      </p:sp>
+      <p:sp>
+        <p:nvSpPr>
+          <p:cNvPr id="3" name="Espaço Reservado para Anotações 2"/>
+          <p:cNvSpPr>
+            <a:spLocks noGrp="1"/>
+          </p:cNvSpPr>
+          <p:nvPr>
+            <p:ph type="body" idx="1"/>
+          </p:nvPr>
+        </p:nvSpPr>
+        <p:spPr/>
+        <p:txBody>
+          <a:bodyPr/>
+          <a:lstStyle/>
+          <a:p>
+            <a:endParaRPr lang="pt-BR"/>
+          </a:p>
+        </p:txBody>
+      </p:sp>
+      <p:sp>
+        <p:nvSpPr>
+          <p:cNvPr id="4" name="Espaço Reservado para Número de Slide 3"/>
+          <p:cNvSpPr>
+            <a:spLocks noGrp="1"/>
+          </p:cNvSpPr>
+          <p:nvPr>
+            <p:ph type="sldNum" sz="quarter" idx="10"/>
+          </p:nvPr>
+        </p:nvSpPr>
+        <p:spPr/>
+        <p:txBody>
+          <a:bodyPr/>
+          <a:lstStyle/>
+          <a:p>
+            <a:fld id="{74FDDB7F-9A62-4234-80C9-785C06507C73}" type="slidenum">
+              <a:rPr lang="pt-BR" smtClean="0"/>
+              <a:t>8</a:t>
+            </a:fld>
+            <a:endParaRPr lang="pt-BR"/>
+          </a:p>
+        </p:txBody>
+      </p:sp>
+    </p:spTree>
+    <p:extLst>
+      <p:ext uri="{BB962C8B-B14F-4D97-AF65-F5344CB8AC3E}">
+        <p14:creationId xmlns:p14="http://schemas.microsoft.com/office/powerpoint/2010/main" val="2252834286"/>
       </p:ext>
     </p:extLst>
   </p:cSld>
@@ -3242,8 +3668,8 @@
 <p:sldMaster xmlns:a="http://schemas.openxmlformats.org/drawingml/2006/main" xmlns:r="http://schemas.openxmlformats.org/officeDocument/2006/relationships" xmlns:p="http://schemas.openxmlformats.org/presentationml/2006/main">
   <p:cSld>
     <p:bg>
-      <p:bgRef idx="1001">
-        <a:schemeClr val="bg1"/>
+      <p:bgRef idx="1002">
+        <a:schemeClr val="bg2"/>
       </p:bgRef>
     </p:bg>
     <p:spTree>
@@ -3894,19 +4320,70 @@
       </p:grpSpPr>
       <p:sp>
         <p:nvSpPr>
-          <p:cNvPr id="2" name="Título 1"/>
-          <p:cNvSpPr>
-            <a:spLocks noGrp="1"/>
-          </p:cNvSpPr>
-          <p:nvPr>
-            <p:ph type="ctrTitle"/>
-          </p:nvPr>
+          <p:cNvPr id="7" name="Retângulo de cantos arredondados 6"/>
+          <p:cNvSpPr/>
+          <p:nvPr/>
         </p:nvSpPr>
         <p:spPr>
           <a:xfrm>
-            <a:off x="1109980" y="467590"/>
-            <a:ext cx="9966960" cy="2701637"/>
+            <a:off x="1109980" y="1136822"/>
+            <a:ext cx="9966960" cy="2032405"/>
           </a:xfrm>
+          <a:prstGeom prst="roundRect">
+            <a:avLst/>
+          </a:prstGeom>
+          <a:solidFill>
+            <a:schemeClr val="bg2"/>
+          </a:solidFill>
+          <a:ln w="28575">
+            <a:solidFill>
+              <a:schemeClr val="tx1"/>
+            </a:solidFill>
+          </a:ln>
+        </p:spPr>
+        <p:style>
+          <a:lnRef idx="2">
+            <a:schemeClr val="accent1">
+              <a:shade val="50000"/>
+            </a:schemeClr>
+          </a:lnRef>
+          <a:fillRef idx="1">
+            <a:schemeClr val="accent1"/>
+          </a:fillRef>
+          <a:effectRef idx="0">
+            <a:schemeClr val="accent1"/>
+          </a:effectRef>
+          <a:fontRef idx="minor">
+            <a:schemeClr val="lt1"/>
+          </a:fontRef>
+        </p:style>
+        <p:txBody>
+          <a:bodyPr rtlCol="0" anchor="ctr"/>
+          <a:lstStyle/>
+          <a:p>
+            <a:pPr algn="ctr"/>
+            <a:endParaRPr lang="pt-BR"/>
+          </a:p>
+        </p:txBody>
+      </p:sp>
+      <p:sp>
+        <p:nvSpPr>
+          <p:cNvPr id="2" name="Título 1"/>
+          <p:cNvSpPr>
+            <a:spLocks noGrp="1"/>
+          </p:cNvSpPr>
+          <p:nvPr>
+            <p:ph type="ctrTitle"/>
+          </p:nvPr>
+        </p:nvSpPr>
+        <p:spPr>
+          <a:xfrm>
+            <a:off x="1109980" y="1136822"/>
+            <a:ext cx="9966960" cy="2032405"/>
+          </a:xfrm>
+          <a:ln>
+            <a:noFill/>
+          </a:ln>
         </p:spPr>
         <p:txBody>
           <a:bodyPr>
@@ -4345,6 +4822,54 @@
       </p:grpSpPr>
       <p:sp>
         <p:nvSpPr>
+          <p:cNvPr id="6" name="Retângulo de cantos arredondados 5"/>
+          <p:cNvSpPr/>
+          <p:nvPr/>
+        </p:nvSpPr>
+        <p:spPr>
+          <a:xfrm>
+            <a:off x="1143000" y="609601"/>
+            <a:ext cx="9892747" cy="1356360"/>
+          </a:xfrm>
+          <a:prstGeom prst="roundRect">
+            <a:avLst/>
+          </a:prstGeom>
+          <a:solidFill>
+            <a:schemeClr val="bg2"/>
+          </a:solidFill>
+          <a:ln w="28575">
+            <a:solidFill>
+              <a:schemeClr val="tx1"/>
+            </a:solidFill>
+          </a:ln>
+        </p:spPr>
+        <p:style>
+          <a:lnRef idx="2">
+            <a:schemeClr val="accent1">
+              <a:shade val="50000"/>
+            </a:schemeClr>
+          </a:lnRef>
+          <a:fillRef idx="1">
+            <a:schemeClr val="accent1"/>
+          </a:fillRef>
+          <a:effectRef idx="0">
+            <a:schemeClr val="accent1"/>
+          </a:effectRef>
+          <a:fontRef idx="minor">
+            <a:schemeClr val="lt1"/>
+          </a:fontRef>
+        </p:style>
+        <p:txBody>
+          <a:bodyPr rtlCol="0" anchor="ctr"/>
+          <a:lstStyle/>
+          <a:p>
+            <a:pPr algn="ctr"/>
+            <a:endParaRPr lang="pt-BR"/>
+          </a:p>
+        </p:txBody>
+      </p:sp>
+      <p:sp>
+        <p:nvSpPr>
           <p:cNvPr id="2" name="Título 1"/>
           <p:cNvSpPr>
             <a:spLocks noGrp="1"/>
@@ -4355,31 +4880,214 @@
         </p:nvSpPr>
         <p:spPr/>
         <p:txBody>
+          <a:bodyPr>
+            <a:noAutofit/>
+          </a:bodyPr>
+          <a:lstStyle/>
+          <a:p>
+            <a:r>
+              <a:rPr lang="pt-BR" sz="5400" dirty="0" smtClean="0">
+                <a:latin typeface="Arial" panose="020B0604020202020204" pitchFamily="34" charset="0"/>
+                <a:cs typeface="Arial" panose="020B0604020202020204" pitchFamily="34" charset="0"/>
+              </a:rPr>
+              <a:t>Problematização e justificativa</a:t>
+            </a:r>
+            <a:endParaRPr lang="pt-BR" sz="5400" dirty="0">
+              <a:latin typeface="Arial" panose="020B0604020202020204" pitchFamily="34" charset="0"/>
+              <a:cs typeface="Arial" panose="020B0604020202020204" pitchFamily="34" charset="0"/>
+            </a:endParaRPr>
+          </a:p>
+        </p:txBody>
+      </p:sp>
+      <p:sp>
+        <p:nvSpPr>
+          <p:cNvPr id="3" name="Espaço Reservado para Conteúdo 2"/>
+          <p:cNvSpPr>
+            <a:spLocks noGrp="1"/>
+          </p:cNvSpPr>
+          <p:nvPr>
+            <p:ph idx="1"/>
+          </p:nvPr>
+        </p:nvSpPr>
+        <p:spPr>
+          <a:xfrm>
+            <a:off x="1143000" y="3105664"/>
+            <a:ext cx="9872871" cy="2990335"/>
+          </a:xfrm>
+        </p:spPr>
+        <p:txBody>
+          <a:bodyPr>
+            <a:normAutofit/>
+          </a:bodyPr>
+          <a:lstStyle/>
+          <a:p>
+            <a:r>
+              <a:rPr lang="pt-BR" sz="3200" dirty="0" smtClean="0">
+                <a:latin typeface="Arial" panose="020B0604020202020204" pitchFamily="34" charset="0"/>
+                <a:cs typeface="Arial" panose="020B0604020202020204" pitchFamily="34" charset="0"/>
+                <a:sym typeface="Wingdings" panose="05000000000000000000" pitchFamily="2" charset="2"/>
+              </a:rPr>
+              <a:t>Problema  Estudantes têm dificuldade na realização de redações no estilo ENEM.</a:t>
+            </a:r>
+          </a:p>
+          <a:p>
+            <a:r>
+              <a:rPr lang="pt-BR" sz="3200" dirty="0" smtClean="0">
+                <a:latin typeface="Arial" panose="020B0604020202020204" pitchFamily="34" charset="0"/>
+                <a:cs typeface="Arial" panose="020B0604020202020204" pitchFamily="34" charset="0"/>
+                <a:sym typeface="Wingdings" panose="05000000000000000000" pitchFamily="2" charset="2"/>
+              </a:rPr>
+              <a:t>Justificativa  Com mais prática dos Estudantes na realização das redações, as dificuldades diminuem.</a:t>
+            </a:r>
+          </a:p>
+        </p:txBody>
+      </p:sp>
+      <p:sp>
+        <p:nvSpPr>
+          <p:cNvPr id="4" name="Espaço Reservado para Número de Slide 3"/>
+          <p:cNvSpPr>
+            <a:spLocks noGrp="1"/>
+          </p:cNvSpPr>
+          <p:nvPr>
+            <p:ph type="sldNum" sz="quarter" idx="12"/>
+          </p:nvPr>
+        </p:nvSpPr>
+        <p:spPr/>
+        <p:txBody>
           <a:bodyPr/>
           <a:lstStyle/>
           <a:p>
-            <a:r>
-              <a:rPr lang="pt-BR" dirty="0" smtClean="0">
+            <a:fld id="{1BD48EA3-C02C-492B-BD6A-60F12EB1471E}" type="slidenum">
+              <a:rPr lang="pt-BR" sz="2800" smtClean="0">
+                <a:latin typeface="Arial" panose="020B0604020202020204" pitchFamily="34" charset="0"/>
+                <a:cs typeface="Arial" panose="020B0604020202020204" pitchFamily="34" charset="0"/>
+              </a:rPr>
+              <a:t>2</a:t>
+            </a:fld>
+            <a:endParaRPr lang="pt-BR" sz="2800" dirty="0">
+              <a:latin typeface="Arial" panose="020B0604020202020204" pitchFamily="34" charset="0"/>
+              <a:cs typeface="Arial" panose="020B0604020202020204" pitchFamily="34" charset="0"/>
+            </a:endParaRPr>
+          </a:p>
+        </p:txBody>
+      </p:sp>
+    </p:spTree>
+    <p:extLst>
+      <p:ext uri="{BB962C8B-B14F-4D97-AF65-F5344CB8AC3E}">
+        <p14:creationId xmlns:p14="http://schemas.microsoft.com/office/powerpoint/2010/main" val="1654649249"/>
+      </p:ext>
+    </p:extLst>
+  </p:cSld>
+  <p:clrMapOvr>
+    <a:masterClrMapping/>
+  </p:clrMapOvr>
+</p:sld>
+</file>
+
+<file path=ppt/slides/slide3.xml><?xml version="1.0" encoding="utf-8"?>
+<p:sld xmlns:a="http://schemas.openxmlformats.org/drawingml/2006/main" xmlns:r="http://schemas.openxmlformats.org/officeDocument/2006/relationships" xmlns:p="http://schemas.openxmlformats.org/presentationml/2006/main">
+  <p:cSld>
+    <p:spTree>
+      <p:nvGrpSpPr>
+        <p:cNvPr id="1" name=""/>
+        <p:cNvGrpSpPr/>
+        <p:nvPr/>
+      </p:nvGrpSpPr>
+      <p:grpSpPr>
+        <a:xfrm>
+          <a:off x="0" y="0"/>
+          <a:ext cx="0" cy="0"/>
+          <a:chOff x="0" y="0"/>
+          <a:chExt cx="0" cy="0"/>
+        </a:xfrm>
+      </p:grpSpPr>
+      <p:sp>
+        <p:nvSpPr>
+          <p:cNvPr id="6" name="Retângulo de cantos arredondados 5"/>
+          <p:cNvSpPr/>
+          <p:nvPr/>
+        </p:nvSpPr>
+        <p:spPr>
+          <a:xfrm>
+            <a:off x="1143000" y="609601"/>
+            <a:ext cx="9892747" cy="1356360"/>
+          </a:xfrm>
+          <a:prstGeom prst="roundRect">
+            <a:avLst/>
+          </a:prstGeom>
+          <a:solidFill>
+            <a:schemeClr val="bg2"/>
+          </a:solidFill>
+          <a:ln w="28575">
+            <a:solidFill>
+              <a:schemeClr val="tx1"/>
+            </a:solidFill>
+          </a:ln>
+        </p:spPr>
+        <p:style>
+          <a:lnRef idx="2">
+            <a:schemeClr val="accent1">
+              <a:shade val="50000"/>
+            </a:schemeClr>
+          </a:lnRef>
+          <a:fillRef idx="1">
+            <a:schemeClr val="accent1"/>
+          </a:fillRef>
+          <a:effectRef idx="0">
+            <a:schemeClr val="accent1"/>
+          </a:effectRef>
+          <a:fontRef idx="minor">
+            <a:schemeClr val="lt1"/>
+          </a:fontRef>
+        </p:style>
+        <p:txBody>
+          <a:bodyPr rtlCol="0" anchor="ctr"/>
+          <a:lstStyle/>
+          <a:p>
+            <a:pPr algn="ctr"/>
+            <a:endParaRPr lang="pt-BR"/>
+          </a:p>
+        </p:txBody>
+      </p:sp>
+      <p:sp>
+        <p:nvSpPr>
+          <p:cNvPr id="2" name="Título 1"/>
+          <p:cNvSpPr>
+            <a:spLocks noGrp="1"/>
+          </p:cNvSpPr>
+          <p:nvPr>
+            <p:ph type="title"/>
+          </p:nvPr>
+        </p:nvSpPr>
+        <p:spPr/>
+        <p:txBody>
+          <a:bodyPr>
+            <a:noAutofit/>
+          </a:bodyPr>
+          <a:lstStyle/>
+          <a:p>
+            <a:r>
+              <a:rPr lang="pt-BR" sz="5400" dirty="0" smtClean="0">
                 <a:latin typeface="Arial" panose="020B0604020202020204" pitchFamily="34" charset="0"/>
                 <a:cs typeface="Arial" panose="020B0604020202020204" pitchFamily="34" charset="0"/>
               </a:rPr>
               <a:t>Por que o nome </a:t>
             </a:r>
             <a:r>
-              <a:rPr lang="pt-BR" dirty="0" err="1" smtClean="0">
+              <a:rPr lang="pt-BR" sz="5400" dirty="0" err="1" smtClean="0">
                 <a:latin typeface="Arial" panose="020B0604020202020204" pitchFamily="34" charset="0"/>
                 <a:cs typeface="Arial" panose="020B0604020202020204" pitchFamily="34" charset="0"/>
               </a:rPr>
               <a:t>Wordin’On</a:t>
             </a:r>
             <a:r>
-              <a:rPr lang="pt-BR" dirty="0" smtClean="0">
+              <a:rPr lang="pt-BR" sz="5400" dirty="0" smtClean="0">
                 <a:latin typeface="Arial" panose="020B0604020202020204" pitchFamily="34" charset="0"/>
                 <a:cs typeface="Arial" panose="020B0604020202020204" pitchFamily="34" charset="0"/>
               </a:rPr>
               <a:t>?</a:t>
             </a:r>
-            <a:endParaRPr lang="pt-BR" dirty="0">
+            <a:endParaRPr lang="pt-BR" sz="5400" dirty="0">
               <a:latin typeface="Arial" panose="020B0604020202020204" pitchFamily="34" charset="0"/>
               <a:cs typeface="Arial" panose="020B0604020202020204" pitchFamily="34" charset="0"/>
             </a:endParaRPr>
@@ -4396,7 +5104,12 @@
             <p:ph idx="1"/>
           </p:nvPr>
         </p:nvSpPr>
-        <p:spPr/>
+        <p:spPr>
+          <a:xfrm>
+            <a:off x="1143000" y="2413686"/>
+            <a:ext cx="9872871" cy="3682314"/>
+          </a:xfrm>
+        </p:spPr>
         <p:txBody>
           <a:bodyPr>
             <a:normAutofit/>
@@ -4423,12 +5136,54 @@
                 <a:cs typeface="Arial" panose="020B0604020202020204" pitchFamily="34" charset="0"/>
                 <a:sym typeface="Wingdings" panose="05000000000000000000" pitchFamily="2" charset="2"/>
               </a:rPr>
-              <a:t> Redação</a:t>
-            </a:r>
-            <a:endParaRPr lang="pt-BR" sz="3200" dirty="0">
-              <a:latin typeface="Arial" panose="020B0604020202020204" pitchFamily="34" charset="0"/>
-              <a:cs typeface="Arial" panose="020B0604020202020204" pitchFamily="34" charset="0"/>
-            </a:endParaRPr>
+              <a:t> </a:t>
+            </a:r>
+            <a:r>
+              <a:rPr lang="pt-BR" sz="3200" dirty="0" smtClean="0">
+                <a:latin typeface="Arial" panose="020B0604020202020204" pitchFamily="34" charset="0"/>
+                <a:cs typeface="Arial" panose="020B0604020202020204" pitchFamily="34" charset="0"/>
+                <a:sym typeface="Wingdings" panose="05000000000000000000" pitchFamily="2" charset="2"/>
+              </a:rPr>
+              <a:t>Redação.</a:t>
+            </a:r>
+          </a:p>
+          <a:p>
+            <a:r>
+              <a:rPr lang="pt-BR" sz="3200" dirty="0" err="1" smtClean="0">
+                <a:latin typeface="Arial" panose="020B0604020202020204" pitchFamily="34" charset="0"/>
+                <a:cs typeface="Arial" panose="020B0604020202020204" pitchFamily="34" charset="0"/>
+                <a:sym typeface="Wingdings" panose="05000000000000000000" pitchFamily="2" charset="2"/>
+              </a:rPr>
+              <a:t>On</a:t>
+            </a:r>
+            <a:r>
+              <a:rPr lang="pt-BR" sz="3200" dirty="0" smtClean="0">
+                <a:latin typeface="Arial" panose="020B0604020202020204" pitchFamily="34" charset="0"/>
+                <a:cs typeface="Arial" panose="020B0604020202020204" pitchFamily="34" charset="0"/>
+                <a:sym typeface="Wingdings" panose="05000000000000000000" pitchFamily="2" charset="2"/>
+              </a:rPr>
+              <a:t>  Online.</a:t>
+            </a:r>
+          </a:p>
+          <a:p>
+            <a:r>
+              <a:rPr lang="pt-BR" sz="3200" dirty="0" smtClean="0">
+                <a:latin typeface="Arial" panose="020B0604020202020204" pitchFamily="34" charset="0"/>
+                <a:cs typeface="Arial" panose="020B0604020202020204" pitchFamily="34" charset="0"/>
+                <a:sym typeface="Wingdings" panose="05000000000000000000" pitchFamily="2" charset="2"/>
+              </a:rPr>
+              <a:t>Ou seja, o site tem a finalidade de possibilitar a realização da escrita de redações de forma online.</a:t>
+            </a:r>
+          </a:p>
+          <a:p>
+            <a:r>
+              <a:rPr lang="pt-BR" sz="3200" dirty="0" smtClean="0">
+                <a:latin typeface="Arial" panose="020B0604020202020204" pitchFamily="34" charset="0"/>
+                <a:cs typeface="Arial" panose="020B0604020202020204" pitchFamily="34" charset="0"/>
+                <a:sym typeface="Wingdings" panose="05000000000000000000" pitchFamily="2" charset="2"/>
+              </a:rPr>
+              <a:t>Essas redações serão no modelo do ENEM (dissertativas argumentativas).</a:t>
+            </a:r>
           </a:p>
         </p:txBody>
       </p:sp>
@@ -4448,13 +5203,13 @@
           <a:lstStyle/>
           <a:p>
             <a:fld id="{1BD48EA3-C02C-492B-BD6A-60F12EB1471E}" type="slidenum">
-              <a:rPr lang="pt-BR" sz="3200" smtClean="0">
+              <a:rPr lang="pt-BR" sz="2800" smtClean="0">
                 <a:latin typeface="Arial" panose="020B0604020202020204" pitchFamily="34" charset="0"/>
                 <a:cs typeface="Arial" panose="020B0604020202020204" pitchFamily="34" charset="0"/>
               </a:rPr>
-              <a:t>2</a:t>
+              <a:t>3</a:t>
             </a:fld>
-            <a:endParaRPr lang="pt-BR" sz="3200" dirty="0">
+            <a:endParaRPr lang="pt-BR" sz="2800" dirty="0">
               <a:latin typeface="Arial" panose="020B0604020202020204" pitchFamily="34" charset="0"/>
               <a:cs typeface="Arial" panose="020B0604020202020204" pitchFamily="34" charset="0"/>
             </a:endParaRPr>
@@ -4465,6 +5220,789 @@
     <p:extLst>
       <p:ext uri="{BB962C8B-B14F-4D97-AF65-F5344CB8AC3E}">
         <p14:creationId xmlns:p14="http://schemas.microsoft.com/office/powerpoint/2010/main" val="1547414760"/>
+      </p:ext>
+    </p:extLst>
+  </p:cSld>
+  <p:clrMapOvr>
+    <a:masterClrMapping/>
+  </p:clrMapOvr>
+</p:sld>
+</file>
+
+<file path=ppt/slides/slide4.xml><?xml version="1.0" encoding="utf-8"?>
+<p:sld xmlns:a="http://schemas.openxmlformats.org/drawingml/2006/main" xmlns:r="http://schemas.openxmlformats.org/officeDocument/2006/relationships" xmlns:p="http://schemas.openxmlformats.org/presentationml/2006/main">
+  <p:cSld>
+    <p:spTree>
+      <p:nvGrpSpPr>
+        <p:cNvPr id="1" name=""/>
+        <p:cNvGrpSpPr/>
+        <p:nvPr/>
+      </p:nvGrpSpPr>
+      <p:grpSpPr>
+        <a:xfrm>
+          <a:off x="0" y="0"/>
+          <a:ext cx="0" cy="0"/>
+          <a:chOff x="0" y="0"/>
+          <a:chExt cx="0" cy="0"/>
+        </a:xfrm>
+      </p:grpSpPr>
+      <p:sp>
+        <p:nvSpPr>
+          <p:cNvPr id="5" name="Retângulo de cantos arredondados 4"/>
+          <p:cNvSpPr/>
+          <p:nvPr/>
+        </p:nvSpPr>
+        <p:spPr>
+          <a:xfrm>
+            <a:off x="1143000" y="609600"/>
+            <a:ext cx="9892747" cy="1356360"/>
+          </a:xfrm>
+          <a:prstGeom prst="roundRect">
+            <a:avLst/>
+          </a:prstGeom>
+          <a:solidFill>
+            <a:schemeClr val="bg2"/>
+          </a:solidFill>
+          <a:ln w="28575">
+            <a:solidFill>
+              <a:schemeClr val="tx1"/>
+            </a:solidFill>
+          </a:ln>
+        </p:spPr>
+        <p:style>
+          <a:lnRef idx="2">
+            <a:schemeClr val="accent1">
+              <a:shade val="50000"/>
+            </a:schemeClr>
+          </a:lnRef>
+          <a:fillRef idx="1">
+            <a:schemeClr val="accent1"/>
+          </a:fillRef>
+          <a:effectRef idx="0">
+            <a:schemeClr val="accent1"/>
+          </a:effectRef>
+          <a:fontRef idx="minor">
+            <a:schemeClr val="lt1"/>
+          </a:fontRef>
+        </p:style>
+        <p:txBody>
+          <a:bodyPr rtlCol="0" anchor="ctr"/>
+          <a:lstStyle/>
+          <a:p>
+            <a:pPr algn="ctr"/>
+            <a:endParaRPr lang="pt-BR"/>
+          </a:p>
+        </p:txBody>
+      </p:sp>
+      <p:sp>
+        <p:nvSpPr>
+          <p:cNvPr id="2" name="Título 1"/>
+          <p:cNvSpPr>
+            <a:spLocks noGrp="1"/>
+          </p:cNvSpPr>
+          <p:nvPr>
+            <p:ph type="title"/>
+          </p:nvPr>
+        </p:nvSpPr>
+        <p:spPr/>
+        <p:txBody>
+          <a:bodyPr>
+            <a:normAutofit/>
+          </a:bodyPr>
+          <a:lstStyle/>
+          <a:p>
+            <a:r>
+              <a:rPr lang="pt-BR" sz="5400" dirty="0" smtClean="0">
+                <a:latin typeface="Arial" panose="020B0604020202020204" pitchFamily="34" charset="0"/>
+                <a:cs typeface="Arial" panose="020B0604020202020204" pitchFamily="34" charset="0"/>
+              </a:rPr>
+              <a:t>Funcionalidades do site</a:t>
+            </a:r>
+            <a:endParaRPr lang="pt-BR" sz="5400" dirty="0">
+              <a:latin typeface="Arial" panose="020B0604020202020204" pitchFamily="34" charset="0"/>
+              <a:cs typeface="Arial" panose="020B0604020202020204" pitchFamily="34" charset="0"/>
+            </a:endParaRPr>
+          </a:p>
+        </p:txBody>
+      </p:sp>
+      <p:sp>
+        <p:nvSpPr>
+          <p:cNvPr id="4" name="Espaço Reservado para Número de Slide 3"/>
+          <p:cNvSpPr>
+            <a:spLocks noGrp="1"/>
+          </p:cNvSpPr>
+          <p:nvPr>
+            <p:ph type="sldNum" sz="quarter" idx="12"/>
+          </p:nvPr>
+        </p:nvSpPr>
+        <p:spPr/>
+        <p:txBody>
+          <a:bodyPr/>
+          <a:lstStyle/>
+          <a:p>
+            <a:fld id="{1BD48EA3-C02C-492B-BD6A-60F12EB1471E}" type="slidenum">
+              <a:rPr lang="pt-BR" sz="2800" smtClean="0"/>
+              <a:t>4</a:t>
+            </a:fld>
+            <a:endParaRPr lang="pt-BR" sz="2800" dirty="0"/>
+          </a:p>
+        </p:txBody>
+      </p:sp>
+      <p:pic>
+        <p:nvPicPr>
+          <p:cNvPr id="7" name="Imagem 6"/>
+          <p:cNvPicPr/>
+          <p:nvPr/>
+        </p:nvPicPr>
+        <p:blipFill rotWithShape="1">
+          <a:blip r:embed="rId2"/>
+          <a:srcRect l="27615" t="24108" r="40470" b="32380"/>
+          <a:stretch/>
+        </p:blipFill>
+        <p:spPr bwMode="auto">
+          <a:xfrm>
+            <a:off x="3101463" y="2265797"/>
+            <a:ext cx="5958594" cy="4140593"/>
+          </a:xfrm>
+          <a:prstGeom prst="rect">
+            <a:avLst/>
+          </a:prstGeom>
+          <a:ln w="28575">
+            <a:solidFill>
+              <a:schemeClr val="tx1"/>
+            </a:solidFill>
+          </a:ln>
+          <a:effectLst/>
+          <a:extLst>
+            <a:ext uri="{53640926-AAD7-44D8-BBD7-CCE9431645EC}">
+              <a14:shadowObscured xmlns:a14="http://schemas.microsoft.com/office/drawing/2010/main"/>
+            </a:ext>
+          </a:extLst>
+        </p:spPr>
+      </p:pic>
+    </p:spTree>
+    <p:extLst>
+      <p:ext uri="{BB962C8B-B14F-4D97-AF65-F5344CB8AC3E}">
+        <p14:creationId xmlns:p14="http://schemas.microsoft.com/office/powerpoint/2010/main" val="3753599207"/>
+      </p:ext>
+    </p:extLst>
+  </p:cSld>
+  <p:clrMapOvr>
+    <a:masterClrMapping/>
+  </p:clrMapOvr>
+</p:sld>
+</file>
+
+<file path=ppt/slides/slide5.xml><?xml version="1.0" encoding="utf-8"?>
+<p:sld xmlns:a="http://schemas.openxmlformats.org/drawingml/2006/main" xmlns:r="http://schemas.openxmlformats.org/officeDocument/2006/relationships" xmlns:p="http://schemas.openxmlformats.org/presentationml/2006/main">
+  <p:cSld>
+    <p:spTree>
+      <p:nvGrpSpPr>
+        <p:cNvPr id="1" name=""/>
+        <p:cNvGrpSpPr/>
+        <p:nvPr/>
+      </p:nvGrpSpPr>
+      <p:grpSpPr>
+        <a:xfrm>
+          <a:off x="0" y="0"/>
+          <a:ext cx="0" cy="0"/>
+          <a:chOff x="0" y="0"/>
+          <a:chExt cx="0" cy="0"/>
+        </a:xfrm>
+      </p:grpSpPr>
+      <p:sp>
+        <p:nvSpPr>
+          <p:cNvPr id="6" name="Retângulo de cantos arredondados 5"/>
+          <p:cNvSpPr/>
+          <p:nvPr/>
+        </p:nvSpPr>
+        <p:spPr>
+          <a:xfrm>
+            <a:off x="1143000" y="609601"/>
+            <a:ext cx="9892747" cy="1356360"/>
+          </a:xfrm>
+          <a:prstGeom prst="roundRect">
+            <a:avLst/>
+          </a:prstGeom>
+          <a:solidFill>
+            <a:schemeClr val="bg2"/>
+          </a:solidFill>
+          <a:ln w="28575">
+            <a:solidFill>
+              <a:schemeClr val="tx1"/>
+            </a:solidFill>
+          </a:ln>
+        </p:spPr>
+        <p:style>
+          <a:lnRef idx="2">
+            <a:schemeClr val="accent1">
+              <a:shade val="50000"/>
+            </a:schemeClr>
+          </a:lnRef>
+          <a:fillRef idx="1">
+            <a:schemeClr val="accent1"/>
+          </a:fillRef>
+          <a:effectRef idx="0">
+            <a:schemeClr val="accent1"/>
+          </a:effectRef>
+          <a:fontRef idx="minor">
+            <a:schemeClr val="lt1"/>
+          </a:fontRef>
+        </p:style>
+        <p:txBody>
+          <a:bodyPr rtlCol="0" anchor="ctr"/>
+          <a:lstStyle/>
+          <a:p>
+            <a:pPr algn="ctr"/>
+            <a:endParaRPr lang="pt-BR"/>
+          </a:p>
+        </p:txBody>
+      </p:sp>
+      <p:sp>
+        <p:nvSpPr>
+          <p:cNvPr id="2" name="Título 1"/>
+          <p:cNvSpPr>
+            <a:spLocks noGrp="1"/>
+          </p:cNvSpPr>
+          <p:nvPr>
+            <p:ph type="title"/>
+          </p:nvPr>
+        </p:nvSpPr>
+        <p:spPr/>
+        <p:txBody>
+          <a:bodyPr>
+            <a:noAutofit/>
+          </a:bodyPr>
+          <a:lstStyle/>
+          <a:p>
+            <a:r>
+              <a:rPr lang="pt-BR" sz="5400" dirty="0" smtClean="0">
+                <a:latin typeface="Arial" panose="020B0604020202020204" pitchFamily="34" charset="0"/>
+                <a:cs typeface="Arial" panose="020B0604020202020204" pitchFamily="34" charset="0"/>
+              </a:rPr>
+              <a:t>Principais requisitos funcionais</a:t>
+            </a:r>
+            <a:endParaRPr lang="pt-BR" sz="5400" dirty="0">
+              <a:latin typeface="Arial" panose="020B0604020202020204" pitchFamily="34" charset="0"/>
+              <a:cs typeface="Arial" panose="020B0604020202020204" pitchFamily="34" charset="0"/>
+            </a:endParaRPr>
+          </a:p>
+        </p:txBody>
+      </p:sp>
+      <p:sp>
+        <p:nvSpPr>
+          <p:cNvPr id="4" name="Espaço Reservado para Número de Slide 3"/>
+          <p:cNvSpPr>
+            <a:spLocks noGrp="1"/>
+          </p:cNvSpPr>
+          <p:nvPr>
+            <p:ph type="sldNum" sz="quarter" idx="12"/>
+          </p:nvPr>
+        </p:nvSpPr>
+        <p:spPr/>
+        <p:txBody>
+          <a:bodyPr/>
+          <a:lstStyle/>
+          <a:p>
+            <a:fld id="{1BD48EA3-C02C-492B-BD6A-60F12EB1471E}" type="slidenum">
+              <a:rPr lang="pt-BR" sz="2800" smtClean="0">
+                <a:latin typeface="Arial" panose="020B0604020202020204" pitchFamily="34" charset="0"/>
+                <a:cs typeface="Arial" panose="020B0604020202020204" pitchFamily="34" charset="0"/>
+              </a:rPr>
+              <a:t>5</a:t>
+            </a:fld>
+            <a:endParaRPr lang="pt-BR" sz="2800" dirty="0">
+              <a:latin typeface="Arial" panose="020B0604020202020204" pitchFamily="34" charset="0"/>
+              <a:cs typeface="Arial" panose="020B0604020202020204" pitchFamily="34" charset="0"/>
+            </a:endParaRPr>
+          </a:p>
+        </p:txBody>
+      </p:sp>
+      <p:pic>
+        <p:nvPicPr>
+          <p:cNvPr id="8" name="Imagem 7"/>
+          <p:cNvPicPr>
+            <a:picLocks noChangeAspect="1"/>
+          </p:cNvPicPr>
+          <p:nvPr/>
+        </p:nvPicPr>
+        <p:blipFill rotWithShape="1">
+          <a:blip r:embed="rId3"/>
+          <a:srcRect l="41308" t="18407" r="27189" b="48430"/>
+          <a:stretch/>
+        </p:blipFill>
+        <p:spPr>
+          <a:xfrm>
+            <a:off x="2489373" y="2142861"/>
+            <a:ext cx="7200000" cy="4263529"/>
+          </a:xfrm>
+          <a:prstGeom prst="rect">
+            <a:avLst/>
+          </a:prstGeom>
+          <a:ln w="28575">
+            <a:solidFill>
+              <a:schemeClr val="tx1"/>
+            </a:solidFill>
+          </a:ln>
+        </p:spPr>
+      </p:pic>
+    </p:spTree>
+    <p:extLst>
+      <p:ext uri="{BB962C8B-B14F-4D97-AF65-F5344CB8AC3E}">
+        <p14:creationId xmlns:p14="http://schemas.microsoft.com/office/powerpoint/2010/main" val="3596411727"/>
+      </p:ext>
+    </p:extLst>
+  </p:cSld>
+  <p:clrMapOvr>
+    <a:masterClrMapping/>
+  </p:clrMapOvr>
+</p:sld>
+</file>
+
+<file path=ppt/slides/slide6.xml><?xml version="1.0" encoding="utf-8"?>
+<p:sld xmlns:a="http://schemas.openxmlformats.org/drawingml/2006/main" xmlns:r="http://schemas.openxmlformats.org/officeDocument/2006/relationships" xmlns:p="http://schemas.openxmlformats.org/presentationml/2006/main">
+  <p:cSld>
+    <p:spTree>
+      <p:nvGrpSpPr>
+        <p:cNvPr id="1" name=""/>
+        <p:cNvGrpSpPr/>
+        <p:nvPr/>
+      </p:nvGrpSpPr>
+      <p:grpSpPr>
+        <a:xfrm>
+          <a:off x="0" y="0"/>
+          <a:ext cx="0" cy="0"/>
+          <a:chOff x="0" y="0"/>
+          <a:chExt cx="0" cy="0"/>
+        </a:xfrm>
+      </p:grpSpPr>
+      <p:sp>
+        <p:nvSpPr>
+          <p:cNvPr id="6" name="Retângulo de cantos arredondados 5"/>
+          <p:cNvSpPr/>
+          <p:nvPr/>
+        </p:nvSpPr>
+        <p:spPr>
+          <a:xfrm>
+            <a:off x="1143000" y="609601"/>
+            <a:ext cx="9892747" cy="1356360"/>
+          </a:xfrm>
+          <a:prstGeom prst="roundRect">
+            <a:avLst/>
+          </a:prstGeom>
+          <a:solidFill>
+            <a:schemeClr val="bg2"/>
+          </a:solidFill>
+          <a:ln w="28575">
+            <a:solidFill>
+              <a:schemeClr val="tx1"/>
+            </a:solidFill>
+          </a:ln>
+        </p:spPr>
+        <p:style>
+          <a:lnRef idx="2">
+            <a:schemeClr val="accent1">
+              <a:shade val="50000"/>
+            </a:schemeClr>
+          </a:lnRef>
+          <a:fillRef idx="1">
+            <a:schemeClr val="accent1"/>
+          </a:fillRef>
+          <a:effectRef idx="0">
+            <a:schemeClr val="accent1"/>
+          </a:effectRef>
+          <a:fontRef idx="minor">
+            <a:schemeClr val="lt1"/>
+          </a:fontRef>
+        </p:style>
+        <p:txBody>
+          <a:bodyPr rtlCol="0" anchor="ctr"/>
+          <a:lstStyle/>
+          <a:p>
+            <a:pPr algn="ctr"/>
+            <a:endParaRPr lang="pt-BR"/>
+          </a:p>
+        </p:txBody>
+      </p:sp>
+      <p:sp>
+        <p:nvSpPr>
+          <p:cNvPr id="2" name="Título 1"/>
+          <p:cNvSpPr>
+            <a:spLocks noGrp="1"/>
+          </p:cNvSpPr>
+          <p:nvPr>
+            <p:ph type="title"/>
+          </p:nvPr>
+        </p:nvSpPr>
+        <p:spPr/>
+        <p:txBody>
+          <a:bodyPr>
+            <a:noAutofit/>
+          </a:bodyPr>
+          <a:lstStyle/>
+          <a:p>
+            <a:r>
+              <a:rPr lang="pt-BR" sz="5400" dirty="0" smtClean="0">
+                <a:latin typeface="Arial" panose="020B0604020202020204" pitchFamily="34" charset="0"/>
+                <a:cs typeface="Arial" panose="020B0604020202020204" pitchFamily="34" charset="0"/>
+              </a:rPr>
+              <a:t>Principais requisitos funcionais</a:t>
+            </a:r>
+            <a:endParaRPr lang="pt-BR" sz="5400" dirty="0">
+              <a:latin typeface="Arial" panose="020B0604020202020204" pitchFamily="34" charset="0"/>
+              <a:cs typeface="Arial" panose="020B0604020202020204" pitchFamily="34" charset="0"/>
+            </a:endParaRPr>
+          </a:p>
+        </p:txBody>
+      </p:sp>
+      <p:sp>
+        <p:nvSpPr>
+          <p:cNvPr id="4" name="Espaço Reservado para Número de Slide 3"/>
+          <p:cNvSpPr>
+            <a:spLocks noGrp="1"/>
+          </p:cNvSpPr>
+          <p:nvPr>
+            <p:ph type="sldNum" sz="quarter" idx="12"/>
+          </p:nvPr>
+        </p:nvSpPr>
+        <p:spPr/>
+        <p:txBody>
+          <a:bodyPr/>
+          <a:lstStyle/>
+          <a:p>
+            <a:fld id="{1BD48EA3-C02C-492B-BD6A-60F12EB1471E}" type="slidenum">
+              <a:rPr lang="pt-BR" sz="2800" smtClean="0">
+                <a:latin typeface="Arial" panose="020B0604020202020204" pitchFamily="34" charset="0"/>
+                <a:cs typeface="Arial" panose="020B0604020202020204" pitchFamily="34" charset="0"/>
+              </a:rPr>
+              <a:t>6</a:t>
+            </a:fld>
+            <a:endParaRPr lang="pt-BR" sz="2800" dirty="0">
+              <a:latin typeface="Arial" panose="020B0604020202020204" pitchFamily="34" charset="0"/>
+              <a:cs typeface="Arial" panose="020B0604020202020204" pitchFamily="34" charset="0"/>
+            </a:endParaRPr>
+          </a:p>
+        </p:txBody>
+      </p:sp>
+      <p:pic>
+        <p:nvPicPr>
+          <p:cNvPr id="3" name="Imagem 2"/>
+          <p:cNvPicPr>
+            <a:picLocks noChangeAspect="1"/>
+          </p:cNvPicPr>
+          <p:nvPr/>
+        </p:nvPicPr>
+        <p:blipFill>
+          <a:blip r:embed="rId3"/>
+          <a:stretch>
+            <a:fillRect/>
+          </a:stretch>
+        </p:blipFill>
+        <p:spPr>
+          <a:xfrm>
+            <a:off x="1711190" y="2152293"/>
+            <a:ext cx="8756365" cy="4320000"/>
+          </a:xfrm>
+          <a:prstGeom prst="rect">
+            <a:avLst/>
+          </a:prstGeom>
+          <a:ln w="28575">
+            <a:solidFill>
+              <a:schemeClr val="tx1"/>
+            </a:solidFill>
+          </a:ln>
+        </p:spPr>
+      </p:pic>
+    </p:spTree>
+    <p:extLst>
+      <p:ext uri="{BB962C8B-B14F-4D97-AF65-F5344CB8AC3E}">
+        <p14:creationId xmlns:p14="http://schemas.microsoft.com/office/powerpoint/2010/main" val="691192622"/>
+      </p:ext>
+    </p:extLst>
+  </p:cSld>
+  <p:clrMapOvr>
+    <a:masterClrMapping/>
+  </p:clrMapOvr>
+</p:sld>
+</file>
+
+<file path=ppt/slides/slide7.xml><?xml version="1.0" encoding="utf-8"?>
+<p:sld xmlns:a="http://schemas.openxmlformats.org/drawingml/2006/main" xmlns:r="http://schemas.openxmlformats.org/officeDocument/2006/relationships" xmlns:p="http://schemas.openxmlformats.org/presentationml/2006/main">
+  <p:cSld>
+    <p:spTree>
+      <p:nvGrpSpPr>
+        <p:cNvPr id="1" name=""/>
+        <p:cNvGrpSpPr/>
+        <p:nvPr/>
+      </p:nvGrpSpPr>
+      <p:grpSpPr>
+        <a:xfrm>
+          <a:off x="0" y="0"/>
+          <a:ext cx="0" cy="0"/>
+          <a:chOff x="0" y="0"/>
+          <a:chExt cx="0" cy="0"/>
+        </a:xfrm>
+      </p:grpSpPr>
+      <p:pic>
+        <p:nvPicPr>
+          <p:cNvPr id="5" name="Imagem 4"/>
+          <p:cNvPicPr>
+            <a:picLocks noChangeAspect="1"/>
+          </p:cNvPicPr>
+          <p:nvPr/>
+        </p:nvPicPr>
+        <p:blipFill>
+          <a:blip r:embed="rId3"/>
+          <a:stretch>
+            <a:fillRect/>
+          </a:stretch>
+        </p:blipFill>
+        <p:spPr>
+          <a:xfrm>
+            <a:off x="248733" y="261267"/>
+            <a:ext cx="11694455" cy="6327685"/>
+          </a:xfrm>
+          <a:prstGeom prst="rect">
+            <a:avLst/>
+          </a:prstGeom>
+        </p:spPr>
+      </p:pic>
+      <p:sp>
+        <p:nvSpPr>
+          <p:cNvPr id="4" name="Espaço Reservado para Número de Slide 3"/>
+          <p:cNvSpPr>
+            <a:spLocks noGrp="1"/>
+          </p:cNvSpPr>
+          <p:nvPr>
+            <p:ph type="sldNum" sz="quarter" idx="12"/>
+          </p:nvPr>
+        </p:nvSpPr>
+        <p:spPr/>
+        <p:txBody>
+          <a:bodyPr/>
+          <a:lstStyle/>
+          <a:p>
+            <a:fld id="{1BD48EA3-C02C-492B-BD6A-60F12EB1471E}" type="slidenum">
+              <a:rPr lang="pt-BR" sz="2800" smtClean="0">
+                <a:latin typeface="Arial" panose="020B0604020202020204" pitchFamily="34" charset="0"/>
+                <a:cs typeface="Arial" panose="020B0604020202020204" pitchFamily="34" charset="0"/>
+              </a:rPr>
+              <a:t>7</a:t>
+            </a:fld>
+            <a:endParaRPr lang="pt-BR" sz="2800" dirty="0">
+              <a:latin typeface="Arial" panose="020B0604020202020204" pitchFamily="34" charset="0"/>
+              <a:cs typeface="Arial" panose="020B0604020202020204" pitchFamily="34" charset="0"/>
+            </a:endParaRPr>
+          </a:p>
+        </p:txBody>
+      </p:sp>
+      <p:sp>
+        <p:nvSpPr>
+          <p:cNvPr id="9" name="Título 1"/>
+          <p:cNvSpPr>
+            <a:spLocks noGrp="1"/>
+          </p:cNvSpPr>
+          <p:nvPr>
+            <p:ph type="title"/>
+          </p:nvPr>
+        </p:nvSpPr>
+        <p:spPr>
+          <a:xfrm>
+            <a:off x="248733" y="2799549"/>
+            <a:ext cx="3656002" cy="1466333"/>
+          </a:xfrm>
+        </p:spPr>
+        <p:txBody>
+          <a:bodyPr>
+            <a:noAutofit/>
+          </a:bodyPr>
+          <a:lstStyle/>
+          <a:p>
+            <a:r>
+              <a:rPr lang="pt-BR" sz="5000" dirty="0" smtClean="0">
+                <a:latin typeface="Arial" panose="020B0604020202020204" pitchFamily="34" charset="0"/>
+                <a:cs typeface="Arial" panose="020B0604020202020204" pitchFamily="34" charset="0"/>
+              </a:rPr>
+              <a:t>Classes do projeto</a:t>
+            </a:r>
+            <a:endParaRPr lang="pt-BR" sz="5000" dirty="0">
+              <a:latin typeface="Arial" panose="020B0604020202020204" pitchFamily="34" charset="0"/>
+              <a:cs typeface="Arial" panose="020B0604020202020204" pitchFamily="34" charset="0"/>
+            </a:endParaRPr>
+          </a:p>
+        </p:txBody>
+      </p:sp>
+    </p:spTree>
+    <p:extLst>
+      <p:ext uri="{BB962C8B-B14F-4D97-AF65-F5344CB8AC3E}">
+        <p14:creationId xmlns:p14="http://schemas.microsoft.com/office/powerpoint/2010/main" val="3963416383"/>
+      </p:ext>
+    </p:extLst>
+  </p:cSld>
+  <p:clrMapOvr>
+    <a:masterClrMapping/>
+  </p:clrMapOvr>
+</p:sld>
+</file>
+
+<file path=ppt/slides/slide8.xml><?xml version="1.0" encoding="utf-8"?>
+<p:sld xmlns:a="http://schemas.openxmlformats.org/drawingml/2006/main" xmlns:r="http://schemas.openxmlformats.org/officeDocument/2006/relationships" xmlns:p="http://schemas.openxmlformats.org/presentationml/2006/main">
+  <p:cSld>
+    <p:spTree>
+      <p:nvGrpSpPr>
+        <p:cNvPr id="1" name=""/>
+        <p:cNvGrpSpPr/>
+        <p:nvPr/>
+      </p:nvGrpSpPr>
+      <p:grpSpPr>
+        <a:xfrm>
+          <a:off x="0" y="0"/>
+          <a:ext cx="0" cy="0"/>
+          <a:chOff x="0" y="0"/>
+          <a:chExt cx="0" cy="0"/>
+        </a:xfrm>
+      </p:grpSpPr>
+      <p:sp>
+        <p:nvSpPr>
+          <p:cNvPr id="6" name="Retângulo de cantos arredondados 5"/>
+          <p:cNvSpPr/>
+          <p:nvPr/>
+        </p:nvSpPr>
+        <p:spPr>
+          <a:xfrm>
+            <a:off x="1143000" y="609601"/>
+            <a:ext cx="9892747" cy="1356360"/>
+          </a:xfrm>
+          <a:prstGeom prst="roundRect">
+            <a:avLst/>
+          </a:prstGeom>
+          <a:solidFill>
+            <a:schemeClr val="bg2"/>
+          </a:solidFill>
+          <a:ln w="28575">
+            <a:solidFill>
+              <a:schemeClr val="tx1"/>
+            </a:solidFill>
+          </a:ln>
+        </p:spPr>
+        <p:style>
+          <a:lnRef idx="2">
+            <a:schemeClr val="accent1">
+              <a:shade val="50000"/>
+            </a:schemeClr>
+          </a:lnRef>
+          <a:fillRef idx="1">
+            <a:schemeClr val="accent1"/>
+          </a:fillRef>
+          <a:effectRef idx="0">
+            <a:schemeClr val="accent1"/>
+          </a:effectRef>
+          <a:fontRef idx="minor">
+            <a:schemeClr val="lt1"/>
+          </a:fontRef>
+        </p:style>
+        <p:txBody>
+          <a:bodyPr rtlCol="0" anchor="ctr"/>
+          <a:lstStyle/>
+          <a:p>
+            <a:pPr algn="ctr"/>
+            <a:endParaRPr lang="pt-BR"/>
+          </a:p>
+        </p:txBody>
+      </p:sp>
+      <p:sp>
+        <p:nvSpPr>
+          <p:cNvPr id="2" name="Título 1"/>
+          <p:cNvSpPr>
+            <a:spLocks noGrp="1"/>
+          </p:cNvSpPr>
+          <p:nvPr>
+            <p:ph type="title"/>
+          </p:nvPr>
+        </p:nvSpPr>
+        <p:spPr/>
+        <p:txBody>
+          <a:bodyPr>
+            <a:noAutofit/>
+          </a:bodyPr>
+          <a:lstStyle/>
+          <a:p>
+            <a:r>
+              <a:rPr lang="pt-BR" sz="5400" dirty="0" smtClean="0">
+                <a:latin typeface="Arial" panose="020B0604020202020204" pitchFamily="34" charset="0"/>
+                <a:cs typeface="Arial" panose="020B0604020202020204" pitchFamily="34" charset="0"/>
+              </a:rPr>
+              <a:t>Entidades e relacionamentos</a:t>
+            </a:r>
+            <a:endParaRPr lang="pt-BR" sz="5400" dirty="0">
+              <a:latin typeface="Arial" panose="020B0604020202020204" pitchFamily="34" charset="0"/>
+              <a:cs typeface="Arial" panose="020B0604020202020204" pitchFamily="34" charset="0"/>
+            </a:endParaRPr>
+          </a:p>
+        </p:txBody>
+      </p:sp>
+      <p:sp>
+        <p:nvSpPr>
+          <p:cNvPr id="4" name="Espaço Reservado para Número de Slide 3"/>
+          <p:cNvSpPr>
+            <a:spLocks noGrp="1"/>
+          </p:cNvSpPr>
+          <p:nvPr>
+            <p:ph type="sldNum" sz="quarter" idx="12"/>
+          </p:nvPr>
+        </p:nvSpPr>
+        <p:spPr/>
+        <p:txBody>
+          <a:bodyPr/>
+          <a:lstStyle/>
+          <a:p>
+            <a:fld id="{1BD48EA3-C02C-492B-BD6A-60F12EB1471E}" type="slidenum">
+              <a:rPr lang="pt-BR" sz="2800" smtClean="0">
+                <a:latin typeface="Arial" panose="020B0604020202020204" pitchFamily="34" charset="0"/>
+                <a:cs typeface="Arial" panose="020B0604020202020204" pitchFamily="34" charset="0"/>
+              </a:rPr>
+              <a:t>8</a:t>
+            </a:fld>
+            <a:endParaRPr lang="pt-BR" sz="2800" dirty="0">
+              <a:latin typeface="Arial" panose="020B0604020202020204" pitchFamily="34" charset="0"/>
+              <a:cs typeface="Arial" panose="020B0604020202020204" pitchFamily="34" charset="0"/>
+            </a:endParaRPr>
+          </a:p>
+        </p:txBody>
+      </p:sp>
+      <p:pic>
+        <p:nvPicPr>
+          <p:cNvPr id="7" name="Imagem 6"/>
+          <p:cNvPicPr>
+            <a:picLocks noChangeAspect="1"/>
+          </p:cNvPicPr>
+          <p:nvPr/>
+        </p:nvPicPr>
+        <p:blipFill>
+          <a:blip r:embed="rId3"/>
+          <a:stretch>
+            <a:fillRect/>
+          </a:stretch>
+        </p:blipFill>
+        <p:spPr>
+          <a:xfrm>
+            <a:off x="1965784" y="2116996"/>
+            <a:ext cx="8229952" cy="4289394"/>
+          </a:xfrm>
+          <a:prstGeom prst="rect">
+            <a:avLst/>
+          </a:prstGeom>
+          <a:ln w="28575">
+            <a:solidFill>
+              <a:schemeClr val="tx1"/>
+            </a:solidFill>
+          </a:ln>
+        </p:spPr>
+      </p:pic>
+    </p:spTree>
+    <p:extLst>
+      <p:ext uri="{BB962C8B-B14F-4D97-AF65-F5344CB8AC3E}">
+        <p14:creationId xmlns:p14="http://schemas.microsoft.com/office/powerpoint/2010/main" val="3041658283"/>
       </p:ext>
     </p:extLst>
   </p:cSld>

--- a/Apresentação Wordin'On.pptx
+++ b/Apresentação Wordin'On.pptx
@@ -5,7 +5,7 @@
     <p:sldMasterId id="2147483846" r:id="rId1"/>
   </p:sldMasterIdLst>
   <p:notesMasterIdLst>
-    <p:notesMasterId r:id="rId10"/>
+    <p:notesMasterId r:id="rId18"/>
   </p:notesMasterIdLst>
   <p:sldIdLst>
     <p:sldId id="256" r:id="rId2"/>
@@ -14,8 +14,16 @@
     <p:sldId id="258" r:id="rId5"/>
     <p:sldId id="259" r:id="rId6"/>
     <p:sldId id="260" r:id="rId7"/>
-    <p:sldId id="262" r:id="rId8"/>
-    <p:sldId id="261" r:id="rId9"/>
+    <p:sldId id="264" r:id="rId8"/>
+    <p:sldId id="267" r:id="rId9"/>
+    <p:sldId id="266" r:id="rId10"/>
+    <p:sldId id="265" r:id="rId11"/>
+    <p:sldId id="268" r:id="rId12"/>
+    <p:sldId id="269" r:id="rId13"/>
+    <p:sldId id="270" r:id="rId14"/>
+    <p:sldId id="262" r:id="rId15"/>
+    <p:sldId id="261" r:id="rId16"/>
+    <p:sldId id="271" r:id="rId17"/>
   </p:sldIdLst>
   <p:sldSz cx="12192000" cy="6858000"/>
   <p:notesSz cx="6858000" cy="9144000"/>
@@ -208,7 +216,7 @@
           <a:p>
             <a:fld id="{187016E3-8FE3-42C8-A989-047C3A31122B}" type="datetimeFigureOut">
               <a:rPr lang="pt-BR" smtClean="0"/>
-              <a:t>22/06/2018</a:t>
+              <a:t>24/06/2018</a:t>
             </a:fld>
             <a:endParaRPr lang="pt-BR"/>
           </a:p>
@@ -559,6 +567,510 @@
 </p:notes>
 </file>
 
+<file path=ppt/notesSlides/notesSlide10.xml><?xml version="1.0" encoding="utf-8"?>
+<p:notes xmlns:a="http://schemas.openxmlformats.org/drawingml/2006/main" xmlns:r="http://schemas.openxmlformats.org/officeDocument/2006/relationships" xmlns:p="http://schemas.openxmlformats.org/presentationml/2006/main">
+  <p:cSld>
+    <p:spTree>
+      <p:nvGrpSpPr>
+        <p:cNvPr id="1" name=""/>
+        <p:cNvGrpSpPr/>
+        <p:nvPr/>
+      </p:nvGrpSpPr>
+      <p:grpSpPr>
+        <a:xfrm>
+          <a:off x="0" y="0"/>
+          <a:ext cx="0" cy="0"/>
+          <a:chOff x="0" y="0"/>
+          <a:chExt cx="0" cy="0"/>
+        </a:xfrm>
+      </p:grpSpPr>
+      <p:sp>
+        <p:nvSpPr>
+          <p:cNvPr id="2" name="Espaço Reservado para Imagem de Slide 1"/>
+          <p:cNvSpPr>
+            <a:spLocks noGrp="1" noRot="1" noChangeAspect="1"/>
+          </p:cNvSpPr>
+          <p:nvPr>
+            <p:ph type="sldImg"/>
+          </p:nvPr>
+        </p:nvSpPr>
+        <p:spPr/>
+      </p:sp>
+      <p:sp>
+        <p:nvSpPr>
+          <p:cNvPr id="3" name="Espaço Reservado para Anotações 2"/>
+          <p:cNvSpPr>
+            <a:spLocks noGrp="1"/>
+          </p:cNvSpPr>
+          <p:nvPr>
+            <p:ph type="body" idx="1"/>
+          </p:nvPr>
+        </p:nvSpPr>
+        <p:spPr/>
+        <p:txBody>
+          <a:bodyPr/>
+          <a:lstStyle/>
+          <a:p>
+            <a:endParaRPr lang="pt-BR"/>
+          </a:p>
+        </p:txBody>
+      </p:sp>
+      <p:sp>
+        <p:nvSpPr>
+          <p:cNvPr id="4" name="Espaço Reservado para Número de Slide 3"/>
+          <p:cNvSpPr>
+            <a:spLocks noGrp="1"/>
+          </p:cNvSpPr>
+          <p:nvPr>
+            <p:ph type="sldNum" sz="quarter" idx="10"/>
+          </p:nvPr>
+        </p:nvSpPr>
+        <p:spPr/>
+        <p:txBody>
+          <a:bodyPr/>
+          <a:lstStyle/>
+          <a:p>
+            <a:fld id="{74FDDB7F-9A62-4234-80C9-785C06507C73}" type="slidenum">
+              <a:rPr lang="pt-BR" smtClean="0"/>
+              <a:t>11</a:t>
+            </a:fld>
+            <a:endParaRPr lang="pt-BR"/>
+          </a:p>
+        </p:txBody>
+      </p:sp>
+    </p:spTree>
+    <p:extLst>
+      <p:ext uri="{BB962C8B-B14F-4D97-AF65-F5344CB8AC3E}">
+        <p14:creationId xmlns:p14="http://schemas.microsoft.com/office/powerpoint/2010/main" val="163464617"/>
+      </p:ext>
+    </p:extLst>
+  </p:cSld>
+  <p:clrMapOvr>
+    <a:masterClrMapping/>
+  </p:clrMapOvr>
+</p:notes>
+</file>
+
+<file path=ppt/notesSlides/notesSlide11.xml><?xml version="1.0" encoding="utf-8"?>
+<p:notes xmlns:a="http://schemas.openxmlformats.org/drawingml/2006/main" xmlns:r="http://schemas.openxmlformats.org/officeDocument/2006/relationships" xmlns:p="http://schemas.openxmlformats.org/presentationml/2006/main">
+  <p:cSld>
+    <p:spTree>
+      <p:nvGrpSpPr>
+        <p:cNvPr id="1" name=""/>
+        <p:cNvGrpSpPr/>
+        <p:nvPr/>
+      </p:nvGrpSpPr>
+      <p:grpSpPr>
+        <a:xfrm>
+          <a:off x="0" y="0"/>
+          <a:ext cx="0" cy="0"/>
+          <a:chOff x="0" y="0"/>
+          <a:chExt cx="0" cy="0"/>
+        </a:xfrm>
+      </p:grpSpPr>
+      <p:sp>
+        <p:nvSpPr>
+          <p:cNvPr id="2" name="Espaço Reservado para Imagem de Slide 1"/>
+          <p:cNvSpPr>
+            <a:spLocks noGrp="1" noRot="1" noChangeAspect="1"/>
+          </p:cNvSpPr>
+          <p:nvPr>
+            <p:ph type="sldImg"/>
+          </p:nvPr>
+        </p:nvSpPr>
+        <p:spPr/>
+      </p:sp>
+      <p:sp>
+        <p:nvSpPr>
+          <p:cNvPr id="3" name="Espaço Reservado para Anotações 2"/>
+          <p:cNvSpPr>
+            <a:spLocks noGrp="1"/>
+          </p:cNvSpPr>
+          <p:nvPr>
+            <p:ph type="body" idx="1"/>
+          </p:nvPr>
+        </p:nvSpPr>
+        <p:spPr/>
+        <p:txBody>
+          <a:bodyPr/>
+          <a:lstStyle/>
+          <a:p>
+            <a:endParaRPr lang="pt-BR"/>
+          </a:p>
+        </p:txBody>
+      </p:sp>
+      <p:sp>
+        <p:nvSpPr>
+          <p:cNvPr id="4" name="Espaço Reservado para Número de Slide 3"/>
+          <p:cNvSpPr>
+            <a:spLocks noGrp="1"/>
+          </p:cNvSpPr>
+          <p:nvPr>
+            <p:ph type="sldNum" sz="quarter" idx="10"/>
+          </p:nvPr>
+        </p:nvSpPr>
+        <p:spPr/>
+        <p:txBody>
+          <a:bodyPr/>
+          <a:lstStyle/>
+          <a:p>
+            <a:fld id="{74FDDB7F-9A62-4234-80C9-785C06507C73}" type="slidenum">
+              <a:rPr lang="pt-BR" smtClean="0"/>
+              <a:t>12</a:t>
+            </a:fld>
+            <a:endParaRPr lang="pt-BR"/>
+          </a:p>
+        </p:txBody>
+      </p:sp>
+    </p:spTree>
+    <p:extLst>
+      <p:ext uri="{BB962C8B-B14F-4D97-AF65-F5344CB8AC3E}">
+        <p14:creationId xmlns:p14="http://schemas.microsoft.com/office/powerpoint/2010/main" val="1689257437"/>
+      </p:ext>
+    </p:extLst>
+  </p:cSld>
+  <p:clrMapOvr>
+    <a:masterClrMapping/>
+  </p:clrMapOvr>
+</p:notes>
+</file>
+
+<file path=ppt/notesSlides/notesSlide12.xml><?xml version="1.0" encoding="utf-8"?>
+<p:notes xmlns:a="http://schemas.openxmlformats.org/drawingml/2006/main" xmlns:r="http://schemas.openxmlformats.org/officeDocument/2006/relationships" xmlns:p="http://schemas.openxmlformats.org/presentationml/2006/main">
+  <p:cSld>
+    <p:spTree>
+      <p:nvGrpSpPr>
+        <p:cNvPr id="1" name=""/>
+        <p:cNvGrpSpPr/>
+        <p:nvPr/>
+      </p:nvGrpSpPr>
+      <p:grpSpPr>
+        <a:xfrm>
+          <a:off x="0" y="0"/>
+          <a:ext cx="0" cy="0"/>
+          <a:chOff x="0" y="0"/>
+          <a:chExt cx="0" cy="0"/>
+        </a:xfrm>
+      </p:grpSpPr>
+      <p:sp>
+        <p:nvSpPr>
+          <p:cNvPr id="2" name="Espaço Reservado para Imagem de Slide 1"/>
+          <p:cNvSpPr>
+            <a:spLocks noGrp="1" noRot="1" noChangeAspect="1"/>
+          </p:cNvSpPr>
+          <p:nvPr>
+            <p:ph type="sldImg"/>
+          </p:nvPr>
+        </p:nvSpPr>
+        <p:spPr/>
+      </p:sp>
+      <p:sp>
+        <p:nvSpPr>
+          <p:cNvPr id="3" name="Espaço Reservado para Anotações 2"/>
+          <p:cNvSpPr>
+            <a:spLocks noGrp="1"/>
+          </p:cNvSpPr>
+          <p:nvPr>
+            <p:ph type="body" idx="1"/>
+          </p:nvPr>
+        </p:nvSpPr>
+        <p:spPr/>
+        <p:txBody>
+          <a:bodyPr/>
+          <a:lstStyle/>
+          <a:p>
+            <a:endParaRPr lang="pt-BR"/>
+          </a:p>
+        </p:txBody>
+      </p:sp>
+      <p:sp>
+        <p:nvSpPr>
+          <p:cNvPr id="4" name="Espaço Reservado para Número de Slide 3"/>
+          <p:cNvSpPr>
+            <a:spLocks noGrp="1"/>
+          </p:cNvSpPr>
+          <p:nvPr>
+            <p:ph type="sldNum" sz="quarter" idx="10"/>
+          </p:nvPr>
+        </p:nvSpPr>
+        <p:spPr/>
+        <p:txBody>
+          <a:bodyPr/>
+          <a:lstStyle/>
+          <a:p>
+            <a:fld id="{74FDDB7F-9A62-4234-80C9-785C06507C73}" type="slidenum">
+              <a:rPr lang="pt-BR" smtClean="0"/>
+              <a:t>13</a:t>
+            </a:fld>
+            <a:endParaRPr lang="pt-BR"/>
+          </a:p>
+        </p:txBody>
+      </p:sp>
+    </p:spTree>
+    <p:extLst>
+      <p:ext uri="{BB962C8B-B14F-4D97-AF65-F5344CB8AC3E}">
+        <p14:creationId xmlns:p14="http://schemas.microsoft.com/office/powerpoint/2010/main" val="2515707857"/>
+      </p:ext>
+    </p:extLst>
+  </p:cSld>
+  <p:clrMapOvr>
+    <a:masterClrMapping/>
+  </p:clrMapOvr>
+</p:notes>
+</file>
+
+<file path=ppt/notesSlides/notesSlide13.xml><?xml version="1.0" encoding="utf-8"?>
+<p:notes xmlns:a="http://schemas.openxmlformats.org/drawingml/2006/main" xmlns:r="http://schemas.openxmlformats.org/officeDocument/2006/relationships" xmlns:p="http://schemas.openxmlformats.org/presentationml/2006/main">
+  <p:cSld>
+    <p:spTree>
+      <p:nvGrpSpPr>
+        <p:cNvPr id="1" name=""/>
+        <p:cNvGrpSpPr/>
+        <p:nvPr/>
+      </p:nvGrpSpPr>
+      <p:grpSpPr>
+        <a:xfrm>
+          <a:off x="0" y="0"/>
+          <a:ext cx="0" cy="0"/>
+          <a:chOff x="0" y="0"/>
+          <a:chExt cx="0" cy="0"/>
+        </a:xfrm>
+      </p:grpSpPr>
+      <p:sp>
+        <p:nvSpPr>
+          <p:cNvPr id="2" name="Espaço Reservado para Imagem de Slide 1"/>
+          <p:cNvSpPr>
+            <a:spLocks noGrp="1" noRot="1" noChangeAspect="1"/>
+          </p:cNvSpPr>
+          <p:nvPr>
+            <p:ph type="sldImg"/>
+          </p:nvPr>
+        </p:nvSpPr>
+        <p:spPr/>
+      </p:sp>
+      <p:sp>
+        <p:nvSpPr>
+          <p:cNvPr id="3" name="Espaço Reservado para Anotações 2"/>
+          <p:cNvSpPr>
+            <a:spLocks noGrp="1"/>
+          </p:cNvSpPr>
+          <p:nvPr>
+            <p:ph type="body" idx="1"/>
+          </p:nvPr>
+        </p:nvSpPr>
+        <p:spPr/>
+        <p:txBody>
+          <a:bodyPr/>
+          <a:lstStyle/>
+          <a:p>
+            <a:endParaRPr lang="pt-BR"/>
+          </a:p>
+        </p:txBody>
+      </p:sp>
+      <p:sp>
+        <p:nvSpPr>
+          <p:cNvPr id="4" name="Espaço Reservado para Número de Slide 3"/>
+          <p:cNvSpPr>
+            <a:spLocks noGrp="1"/>
+          </p:cNvSpPr>
+          <p:nvPr>
+            <p:ph type="sldNum" sz="quarter" idx="10"/>
+          </p:nvPr>
+        </p:nvSpPr>
+        <p:spPr/>
+        <p:txBody>
+          <a:bodyPr/>
+          <a:lstStyle/>
+          <a:p>
+            <a:fld id="{74FDDB7F-9A62-4234-80C9-785C06507C73}" type="slidenum">
+              <a:rPr lang="pt-BR" smtClean="0"/>
+              <a:t>14</a:t>
+            </a:fld>
+            <a:endParaRPr lang="pt-BR"/>
+          </a:p>
+        </p:txBody>
+      </p:sp>
+    </p:spTree>
+    <p:extLst>
+      <p:ext uri="{BB962C8B-B14F-4D97-AF65-F5344CB8AC3E}">
+        <p14:creationId xmlns:p14="http://schemas.microsoft.com/office/powerpoint/2010/main" val="885363636"/>
+      </p:ext>
+    </p:extLst>
+  </p:cSld>
+  <p:clrMapOvr>
+    <a:masterClrMapping/>
+  </p:clrMapOvr>
+</p:notes>
+</file>
+
+<file path=ppt/notesSlides/notesSlide14.xml><?xml version="1.0" encoding="utf-8"?>
+<p:notes xmlns:a="http://schemas.openxmlformats.org/drawingml/2006/main" xmlns:r="http://schemas.openxmlformats.org/officeDocument/2006/relationships" xmlns:p="http://schemas.openxmlformats.org/presentationml/2006/main">
+  <p:cSld>
+    <p:spTree>
+      <p:nvGrpSpPr>
+        <p:cNvPr id="1" name=""/>
+        <p:cNvGrpSpPr/>
+        <p:nvPr/>
+      </p:nvGrpSpPr>
+      <p:grpSpPr>
+        <a:xfrm>
+          <a:off x="0" y="0"/>
+          <a:ext cx="0" cy="0"/>
+          <a:chOff x="0" y="0"/>
+          <a:chExt cx="0" cy="0"/>
+        </a:xfrm>
+      </p:grpSpPr>
+      <p:sp>
+        <p:nvSpPr>
+          <p:cNvPr id="2" name="Espaço Reservado para Imagem de Slide 1"/>
+          <p:cNvSpPr>
+            <a:spLocks noGrp="1" noRot="1" noChangeAspect="1"/>
+          </p:cNvSpPr>
+          <p:nvPr>
+            <p:ph type="sldImg"/>
+          </p:nvPr>
+        </p:nvSpPr>
+        <p:spPr/>
+      </p:sp>
+      <p:sp>
+        <p:nvSpPr>
+          <p:cNvPr id="3" name="Espaço Reservado para Anotações 2"/>
+          <p:cNvSpPr>
+            <a:spLocks noGrp="1"/>
+          </p:cNvSpPr>
+          <p:nvPr>
+            <p:ph type="body" idx="1"/>
+          </p:nvPr>
+        </p:nvSpPr>
+        <p:spPr/>
+        <p:txBody>
+          <a:bodyPr/>
+          <a:lstStyle/>
+          <a:p>
+            <a:endParaRPr lang="pt-BR"/>
+          </a:p>
+        </p:txBody>
+      </p:sp>
+      <p:sp>
+        <p:nvSpPr>
+          <p:cNvPr id="4" name="Espaço Reservado para Número de Slide 3"/>
+          <p:cNvSpPr>
+            <a:spLocks noGrp="1"/>
+          </p:cNvSpPr>
+          <p:nvPr>
+            <p:ph type="sldNum" sz="quarter" idx="10"/>
+          </p:nvPr>
+        </p:nvSpPr>
+        <p:spPr/>
+        <p:txBody>
+          <a:bodyPr/>
+          <a:lstStyle/>
+          <a:p>
+            <a:fld id="{74FDDB7F-9A62-4234-80C9-785C06507C73}" type="slidenum">
+              <a:rPr lang="pt-BR" smtClean="0"/>
+              <a:t>15</a:t>
+            </a:fld>
+            <a:endParaRPr lang="pt-BR"/>
+          </a:p>
+        </p:txBody>
+      </p:sp>
+    </p:spTree>
+    <p:extLst>
+      <p:ext uri="{BB962C8B-B14F-4D97-AF65-F5344CB8AC3E}">
+        <p14:creationId xmlns:p14="http://schemas.microsoft.com/office/powerpoint/2010/main" val="2252834286"/>
+      </p:ext>
+    </p:extLst>
+  </p:cSld>
+  <p:clrMapOvr>
+    <a:masterClrMapping/>
+  </p:clrMapOvr>
+</p:notes>
+</file>
+
+<file path=ppt/notesSlides/notesSlide15.xml><?xml version="1.0" encoding="utf-8"?>
+<p:notes xmlns:a="http://schemas.openxmlformats.org/drawingml/2006/main" xmlns:r="http://schemas.openxmlformats.org/officeDocument/2006/relationships" xmlns:p="http://schemas.openxmlformats.org/presentationml/2006/main">
+  <p:cSld>
+    <p:spTree>
+      <p:nvGrpSpPr>
+        <p:cNvPr id="1" name=""/>
+        <p:cNvGrpSpPr/>
+        <p:nvPr/>
+      </p:nvGrpSpPr>
+      <p:grpSpPr>
+        <a:xfrm>
+          <a:off x="0" y="0"/>
+          <a:ext cx="0" cy="0"/>
+          <a:chOff x="0" y="0"/>
+          <a:chExt cx="0" cy="0"/>
+        </a:xfrm>
+      </p:grpSpPr>
+      <p:sp>
+        <p:nvSpPr>
+          <p:cNvPr id="2" name="Espaço Reservado para Imagem de Slide 1"/>
+          <p:cNvSpPr>
+            <a:spLocks noGrp="1" noRot="1" noChangeAspect="1"/>
+          </p:cNvSpPr>
+          <p:nvPr>
+            <p:ph type="sldImg"/>
+          </p:nvPr>
+        </p:nvSpPr>
+        <p:spPr/>
+      </p:sp>
+      <p:sp>
+        <p:nvSpPr>
+          <p:cNvPr id="3" name="Espaço Reservado para Anotações 2"/>
+          <p:cNvSpPr>
+            <a:spLocks noGrp="1"/>
+          </p:cNvSpPr>
+          <p:nvPr>
+            <p:ph type="body" idx="1"/>
+          </p:nvPr>
+        </p:nvSpPr>
+        <p:spPr/>
+        <p:txBody>
+          <a:bodyPr/>
+          <a:lstStyle/>
+          <a:p>
+            <a:endParaRPr lang="pt-BR"/>
+          </a:p>
+        </p:txBody>
+      </p:sp>
+      <p:sp>
+        <p:nvSpPr>
+          <p:cNvPr id="4" name="Espaço Reservado para Número de Slide 3"/>
+          <p:cNvSpPr>
+            <a:spLocks noGrp="1"/>
+          </p:cNvSpPr>
+          <p:nvPr>
+            <p:ph type="sldNum" sz="quarter" idx="10"/>
+          </p:nvPr>
+        </p:nvSpPr>
+        <p:spPr/>
+        <p:txBody>
+          <a:bodyPr/>
+          <a:lstStyle/>
+          <a:p>
+            <a:fld id="{74FDDB7F-9A62-4234-80C9-785C06507C73}" type="slidenum">
+              <a:rPr lang="pt-BR" smtClean="0"/>
+              <a:t>16</a:t>
+            </a:fld>
+            <a:endParaRPr lang="pt-BR"/>
+          </a:p>
+        </p:txBody>
+      </p:sp>
+    </p:spTree>
+    <p:extLst>
+      <p:ext uri="{BB962C8B-B14F-4D97-AF65-F5344CB8AC3E}">
+        <p14:creationId xmlns:p14="http://schemas.microsoft.com/office/powerpoint/2010/main" val="2616247707"/>
+      </p:ext>
+    </p:extLst>
+  </p:cSld>
+  <p:clrMapOvr>
+    <a:masterClrMapping/>
+  </p:clrMapOvr>
+</p:notes>
+</file>
+
 <file path=ppt/notesSlides/notesSlide2.xml><?xml version="1.0" encoding="utf-8"?>
 <p:notes xmlns:a="http://schemas.openxmlformats.org/drawingml/2006/main" xmlns:r="http://schemas.openxmlformats.org/officeDocument/2006/relationships" xmlns:p="http://schemas.openxmlformats.org/presentationml/2006/main">
   <p:cSld>
@@ -969,7 +1481,7 @@
     </p:spTree>
     <p:extLst>
       <p:ext uri="{BB962C8B-B14F-4D97-AF65-F5344CB8AC3E}">
-        <p14:creationId xmlns:p14="http://schemas.microsoft.com/office/powerpoint/2010/main" val="885363636"/>
+        <p14:creationId xmlns:p14="http://schemas.microsoft.com/office/powerpoint/2010/main" val="3602341617"/>
       </p:ext>
     </p:extLst>
   </p:cSld>
@@ -1053,7 +1565,175 @@
     </p:spTree>
     <p:extLst>
       <p:ext uri="{BB962C8B-B14F-4D97-AF65-F5344CB8AC3E}">
-        <p14:creationId xmlns:p14="http://schemas.microsoft.com/office/powerpoint/2010/main" val="2252834286"/>
+        <p14:creationId xmlns:p14="http://schemas.microsoft.com/office/powerpoint/2010/main" val="106301314"/>
+      </p:ext>
+    </p:extLst>
+  </p:cSld>
+  <p:clrMapOvr>
+    <a:masterClrMapping/>
+  </p:clrMapOvr>
+</p:notes>
+</file>
+
+<file path=ppt/notesSlides/notesSlide8.xml><?xml version="1.0" encoding="utf-8"?>
+<p:notes xmlns:a="http://schemas.openxmlformats.org/drawingml/2006/main" xmlns:r="http://schemas.openxmlformats.org/officeDocument/2006/relationships" xmlns:p="http://schemas.openxmlformats.org/presentationml/2006/main">
+  <p:cSld>
+    <p:spTree>
+      <p:nvGrpSpPr>
+        <p:cNvPr id="1" name=""/>
+        <p:cNvGrpSpPr/>
+        <p:nvPr/>
+      </p:nvGrpSpPr>
+      <p:grpSpPr>
+        <a:xfrm>
+          <a:off x="0" y="0"/>
+          <a:ext cx="0" cy="0"/>
+          <a:chOff x="0" y="0"/>
+          <a:chExt cx="0" cy="0"/>
+        </a:xfrm>
+      </p:grpSpPr>
+      <p:sp>
+        <p:nvSpPr>
+          <p:cNvPr id="2" name="Espaço Reservado para Imagem de Slide 1"/>
+          <p:cNvSpPr>
+            <a:spLocks noGrp="1" noRot="1" noChangeAspect="1"/>
+          </p:cNvSpPr>
+          <p:nvPr>
+            <p:ph type="sldImg"/>
+          </p:nvPr>
+        </p:nvSpPr>
+        <p:spPr/>
+      </p:sp>
+      <p:sp>
+        <p:nvSpPr>
+          <p:cNvPr id="3" name="Espaço Reservado para Anotações 2"/>
+          <p:cNvSpPr>
+            <a:spLocks noGrp="1"/>
+          </p:cNvSpPr>
+          <p:nvPr>
+            <p:ph type="body" idx="1"/>
+          </p:nvPr>
+        </p:nvSpPr>
+        <p:spPr/>
+        <p:txBody>
+          <a:bodyPr/>
+          <a:lstStyle/>
+          <a:p>
+            <a:endParaRPr lang="pt-BR"/>
+          </a:p>
+        </p:txBody>
+      </p:sp>
+      <p:sp>
+        <p:nvSpPr>
+          <p:cNvPr id="4" name="Espaço Reservado para Número de Slide 3"/>
+          <p:cNvSpPr>
+            <a:spLocks noGrp="1"/>
+          </p:cNvSpPr>
+          <p:nvPr>
+            <p:ph type="sldNum" sz="quarter" idx="10"/>
+          </p:nvPr>
+        </p:nvSpPr>
+        <p:spPr/>
+        <p:txBody>
+          <a:bodyPr/>
+          <a:lstStyle/>
+          <a:p>
+            <a:fld id="{74FDDB7F-9A62-4234-80C9-785C06507C73}" type="slidenum">
+              <a:rPr lang="pt-BR" smtClean="0"/>
+              <a:t>9</a:t>
+            </a:fld>
+            <a:endParaRPr lang="pt-BR"/>
+          </a:p>
+        </p:txBody>
+      </p:sp>
+    </p:spTree>
+    <p:extLst>
+      <p:ext uri="{BB962C8B-B14F-4D97-AF65-F5344CB8AC3E}">
+        <p14:creationId xmlns:p14="http://schemas.microsoft.com/office/powerpoint/2010/main" val="3391456416"/>
+      </p:ext>
+    </p:extLst>
+  </p:cSld>
+  <p:clrMapOvr>
+    <a:masterClrMapping/>
+  </p:clrMapOvr>
+</p:notes>
+</file>
+
+<file path=ppt/notesSlides/notesSlide9.xml><?xml version="1.0" encoding="utf-8"?>
+<p:notes xmlns:a="http://schemas.openxmlformats.org/drawingml/2006/main" xmlns:r="http://schemas.openxmlformats.org/officeDocument/2006/relationships" xmlns:p="http://schemas.openxmlformats.org/presentationml/2006/main">
+  <p:cSld>
+    <p:spTree>
+      <p:nvGrpSpPr>
+        <p:cNvPr id="1" name=""/>
+        <p:cNvGrpSpPr/>
+        <p:nvPr/>
+      </p:nvGrpSpPr>
+      <p:grpSpPr>
+        <a:xfrm>
+          <a:off x="0" y="0"/>
+          <a:ext cx="0" cy="0"/>
+          <a:chOff x="0" y="0"/>
+          <a:chExt cx="0" cy="0"/>
+        </a:xfrm>
+      </p:grpSpPr>
+      <p:sp>
+        <p:nvSpPr>
+          <p:cNvPr id="2" name="Espaço Reservado para Imagem de Slide 1"/>
+          <p:cNvSpPr>
+            <a:spLocks noGrp="1" noRot="1" noChangeAspect="1"/>
+          </p:cNvSpPr>
+          <p:nvPr>
+            <p:ph type="sldImg"/>
+          </p:nvPr>
+        </p:nvSpPr>
+        <p:spPr/>
+      </p:sp>
+      <p:sp>
+        <p:nvSpPr>
+          <p:cNvPr id="3" name="Espaço Reservado para Anotações 2"/>
+          <p:cNvSpPr>
+            <a:spLocks noGrp="1"/>
+          </p:cNvSpPr>
+          <p:nvPr>
+            <p:ph type="body" idx="1"/>
+          </p:nvPr>
+        </p:nvSpPr>
+        <p:spPr/>
+        <p:txBody>
+          <a:bodyPr/>
+          <a:lstStyle/>
+          <a:p>
+            <a:endParaRPr lang="pt-BR"/>
+          </a:p>
+        </p:txBody>
+      </p:sp>
+      <p:sp>
+        <p:nvSpPr>
+          <p:cNvPr id="4" name="Espaço Reservado para Número de Slide 3"/>
+          <p:cNvSpPr>
+            <a:spLocks noGrp="1"/>
+          </p:cNvSpPr>
+          <p:nvPr>
+            <p:ph type="sldNum" sz="quarter" idx="10"/>
+          </p:nvPr>
+        </p:nvSpPr>
+        <p:spPr/>
+        <p:txBody>
+          <a:bodyPr/>
+          <a:lstStyle/>
+          <a:p>
+            <a:fld id="{74FDDB7F-9A62-4234-80C9-785C06507C73}" type="slidenum">
+              <a:rPr lang="pt-BR" smtClean="0"/>
+              <a:t>10</a:t>
+            </a:fld>
+            <a:endParaRPr lang="pt-BR"/>
+          </a:p>
+        </p:txBody>
+      </p:sp>
+    </p:spTree>
+    <p:extLst>
+      <p:ext uri="{BB962C8B-B14F-4D97-AF65-F5344CB8AC3E}">
+        <p14:creationId xmlns:p14="http://schemas.microsoft.com/office/powerpoint/2010/main" val="1002227189"/>
       </p:ext>
     </p:extLst>
   </p:cSld>
@@ -1259,7 +1939,7 @@
           <a:p>
             <a:fld id="{17B55978-8CFA-4D58-A7CA-977091AB850B}" type="datetime1">
               <a:rPr lang="pt-BR" smtClean="0"/>
-              <a:t>22/06/2018</a:t>
+              <a:t>24/06/2018</a:t>
             </a:fld>
             <a:endParaRPr lang="pt-BR"/>
           </a:p>
@@ -1480,7 +2160,7 @@
           <a:p>
             <a:fld id="{9D595EB8-7368-43D1-ABFF-1DBCEEB888E8}" type="datetime1">
               <a:rPr lang="pt-BR" smtClean="0"/>
-              <a:t>22/06/2018</a:t>
+              <a:t>24/06/2018</a:t>
             </a:fld>
             <a:endParaRPr lang="pt-BR"/>
           </a:p>
@@ -1660,7 +2340,7 @@
           <a:p>
             <a:fld id="{647EE1C5-9666-44F8-96EF-AE7D294E0D7E}" type="datetime1">
               <a:rPr lang="pt-BR" smtClean="0"/>
-              <a:t>22/06/2018</a:t>
+              <a:t>24/06/2018</a:t>
             </a:fld>
             <a:endParaRPr lang="pt-BR"/>
           </a:p>
@@ -1830,7 +2510,7 @@
           <a:p>
             <a:fld id="{5B5D1F3C-7573-4809-B83D-E0DB31C3D6A6}" type="datetime1">
               <a:rPr lang="pt-BR" smtClean="0"/>
-              <a:t>22/06/2018</a:t>
+              <a:t>24/06/2018</a:t>
             </a:fld>
             <a:endParaRPr lang="pt-BR"/>
           </a:p>
@@ -2081,7 +2761,7 @@
           <a:p>
             <a:fld id="{0CF9168C-23D7-487E-9AEB-06F963A5FEB3}" type="datetime1">
               <a:rPr lang="pt-BR" smtClean="0"/>
-              <a:t>22/06/2018</a:t>
+              <a:t>24/06/2018</a:t>
             </a:fld>
             <a:endParaRPr lang="pt-BR"/>
           </a:p>
@@ -2404,7 +3084,7 @@
           <a:p>
             <a:fld id="{43295F28-90D8-4DB3-9951-A17FCB4966B8}" type="datetime1">
               <a:rPr lang="pt-BR" smtClean="0"/>
-              <a:t>22/06/2018</a:t>
+              <a:t>24/06/2018</a:t>
             </a:fld>
             <a:endParaRPr lang="pt-BR"/>
           </a:p>
@@ -2828,7 +3508,7 @@
           <a:p>
             <a:fld id="{ADABD4F4-0A5C-4E1E-A0C0-61FD8B04D3B3}" type="datetime1">
               <a:rPr lang="pt-BR" smtClean="0"/>
-              <a:t>22/06/2018</a:t>
+              <a:t>24/06/2018</a:t>
             </a:fld>
             <a:endParaRPr lang="pt-BR"/>
           </a:p>
@@ -2946,7 +3626,7 @@
           <a:p>
             <a:fld id="{E5D9B3C4-A75F-40E6-965F-9841183E88AA}" type="datetime1">
               <a:rPr lang="pt-BR" smtClean="0"/>
-              <a:t>22/06/2018</a:t>
+              <a:t>24/06/2018</a:t>
             </a:fld>
             <a:endParaRPr lang="pt-BR"/>
           </a:p>
@@ -3041,7 +3721,7 @@
           <a:p>
             <a:fld id="{4AF4440F-3387-499A-B845-6E57613D8F67}" type="datetime1">
               <a:rPr lang="pt-BR" smtClean="0"/>
-              <a:t>22/06/2018</a:t>
+              <a:t>24/06/2018</a:t>
             </a:fld>
             <a:endParaRPr lang="pt-BR"/>
           </a:p>
@@ -3331,7 +4011,7 @@
           <a:p>
             <a:fld id="{AC49F9B1-4F0A-4D76-B039-07E905EFB92F}" type="datetime1">
               <a:rPr lang="pt-BR" smtClean="0"/>
-              <a:t>22/06/2018</a:t>
+              <a:t>24/06/2018</a:t>
             </a:fld>
             <a:endParaRPr lang="pt-BR"/>
           </a:p>
@@ -3603,7 +4283,7 @@
           <a:p>
             <a:fld id="{CC7908D8-169F-441D-994A-484536FE7E9C}" type="datetime1">
               <a:rPr lang="pt-BR" smtClean="0"/>
-              <a:t>22/06/2018</a:t>
+              <a:t>24/06/2018</a:t>
             </a:fld>
             <a:endParaRPr lang="pt-BR"/>
           </a:p>
@@ -3856,7 +4536,7 @@
           <a:p>
             <a:fld id="{E4FBDC7F-2859-46C6-844F-882530C52049}" type="datetime1">
               <a:rPr lang="pt-BR" smtClean="0"/>
-              <a:t>22/06/2018</a:t>
+              <a:t>24/06/2018</a:t>
             </a:fld>
             <a:endParaRPr lang="pt-BR"/>
           </a:p>
@@ -4800,10 +5480,188 @@
   <p:clrMapOvr>
     <a:masterClrMapping/>
   </p:clrMapOvr>
+  <p:timing>
+    <p:tnLst>
+      <p:par>
+        <p:cTn id="1" dur="indefinite" restart="never" nodeType="tmRoot"/>
+      </p:par>
+    </p:tnLst>
+  </p:timing>
 </p:sld>
 </file>
 
-<file path=ppt/slides/slide2.xml><?xml version="1.0" encoding="utf-8"?>
+<file path=ppt/slides/slide10.xml><?xml version="1.0" encoding="utf-8"?>
+<p:sld xmlns:a="http://schemas.openxmlformats.org/drawingml/2006/main" xmlns:r="http://schemas.openxmlformats.org/officeDocument/2006/relationships" xmlns:p="http://schemas.openxmlformats.org/presentationml/2006/main">
+  <p:cSld>
+    <p:spTree>
+      <p:nvGrpSpPr>
+        <p:cNvPr id="1" name=""/>
+        <p:cNvGrpSpPr/>
+        <p:nvPr/>
+      </p:nvGrpSpPr>
+      <p:grpSpPr>
+        <a:xfrm>
+          <a:off x="0" y="0"/>
+          <a:ext cx="0" cy="0"/>
+          <a:chOff x="0" y="0"/>
+          <a:chExt cx="0" cy="0"/>
+        </a:xfrm>
+      </p:grpSpPr>
+      <p:sp>
+        <p:nvSpPr>
+          <p:cNvPr id="6" name="Retângulo de cantos arredondados 5"/>
+          <p:cNvSpPr/>
+          <p:nvPr/>
+        </p:nvSpPr>
+        <p:spPr>
+          <a:xfrm>
+            <a:off x="1143000" y="431074"/>
+            <a:ext cx="9892747" cy="1685109"/>
+          </a:xfrm>
+          <a:prstGeom prst="roundRect">
+            <a:avLst/>
+          </a:prstGeom>
+          <a:solidFill>
+            <a:schemeClr val="bg2"/>
+          </a:solidFill>
+          <a:ln w="28575">
+            <a:solidFill>
+              <a:schemeClr val="tx1"/>
+            </a:solidFill>
+          </a:ln>
+        </p:spPr>
+        <p:style>
+          <a:lnRef idx="2">
+            <a:schemeClr val="accent1">
+              <a:shade val="50000"/>
+            </a:schemeClr>
+          </a:lnRef>
+          <a:fillRef idx="1">
+            <a:schemeClr val="accent1"/>
+          </a:fillRef>
+          <a:effectRef idx="0">
+            <a:schemeClr val="accent1"/>
+          </a:effectRef>
+          <a:fontRef idx="minor">
+            <a:schemeClr val="lt1"/>
+          </a:fontRef>
+        </p:style>
+        <p:txBody>
+          <a:bodyPr rtlCol="0" anchor="ctr"/>
+          <a:lstStyle/>
+          <a:p>
+            <a:pPr algn="ctr"/>
+            <a:endParaRPr lang="pt-BR"/>
+          </a:p>
+        </p:txBody>
+      </p:sp>
+      <p:sp>
+        <p:nvSpPr>
+          <p:cNvPr id="2" name="Título 1"/>
+          <p:cNvSpPr>
+            <a:spLocks noGrp="1"/>
+          </p:cNvSpPr>
+          <p:nvPr>
+            <p:ph type="title"/>
+          </p:nvPr>
+        </p:nvSpPr>
+        <p:spPr/>
+        <p:txBody>
+          <a:bodyPr>
+            <a:noAutofit/>
+          </a:bodyPr>
+          <a:lstStyle/>
+          <a:p>
+            <a:pPr algn="ctr"/>
+            <a:r>
+              <a:rPr lang="pt-BR" sz="5400" dirty="0">
+                <a:latin typeface="Arial" panose="020B0604020202020204" pitchFamily="34" charset="0"/>
+                <a:cs typeface="Arial" panose="020B0604020202020204" pitchFamily="34" charset="0"/>
+              </a:rPr>
+              <a:t>Principais requisitos não funcionais</a:t>
+            </a:r>
+          </a:p>
+        </p:txBody>
+      </p:sp>
+      <p:sp>
+        <p:nvSpPr>
+          <p:cNvPr id="4" name="Espaço Reservado para Número de Slide 3"/>
+          <p:cNvSpPr>
+            <a:spLocks noGrp="1"/>
+          </p:cNvSpPr>
+          <p:nvPr>
+            <p:ph type="sldNum" sz="quarter" idx="12"/>
+          </p:nvPr>
+        </p:nvSpPr>
+        <p:spPr/>
+        <p:txBody>
+          <a:bodyPr/>
+          <a:lstStyle/>
+          <a:p>
+            <a:fld id="{1BD48EA3-C02C-492B-BD6A-60F12EB1471E}" type="slidenum">
+              <a:rPr lang="pt-BR" sz="2800" smtClean="0">
+                <a:latin typeface="Arial" panose="020B0604020202020204" pitchFamily="34" charset="0"/>
+                <a:cs typeface="Arial" panose="020B0604020202020204" pitchFamily="34" charset="0"/>
+              </a:rPr>
+              <a:t>10</a:t>
+            </a:fld>
+            <a:endParaRPr lang="pt-BR" sz="2800" dirty="0">
+              <a:latin typeface="Arial" panose="020B0604020202020204" pitchFamily="34" charset="0"/>
+              <a:cs typeface="Arial" panose="020B0604020202020204" pitchFamily="34" charset="0"/>
+            </a:endParaRPr>
+          </a:p>
+        </p:txBody>
+      </p:sp>
+      <p:pic>
+        <p:nvPicPr>
+          <p:cNvPr id="3" name="Imagem 2"/>
+          <p:cNvPicPr>
+            <a:picLocks noChangeAspect="1"/>
+          </p:cNvPicPr>
+          <p:nvPr/>
+        </p:nvPicPr>
+        <p:blipFill>
+          <a:blip r:embed="rId3"/>
+          <a:stretch>
+            <a:fillRect/>
+          </a:stretch>
+        </p:blipFill>
+        <p:spPr>
+          <a:xfrm>
+            <a:off x="1991706" y="2369882"/>
+            <a:ext cx="8195334" cy="4036508"/>
+          </a:xfrm>
+          <a:prstGeom prst="rect">
+            <a:avLst/>
+          </a:prstGeom>
+          <a:ln w="28575">
+            <a:solidFill>
+              <a:schemeClr val="tx1"/>
+            </a:solidFill>
+          </a:ln>
+        </p:spPr>
+      </p:pic>
+    </p:spTree>
+    <p:extLst>
+      <p:ext uri="{BB962C8B-B14F-4D97-AF65-F5344CB8AC3E}">
+        <p14:creationId xmlns:p14="http://schemas.microsoft.com/office/powerpoint/2010/main" val="1434550892"/>
+      </p:ext>
+    </p:extLst>
+  </p:cSld>
+  <p:clrMapOvr>
+    <a:masterClrMapping/>
+  </p:clrMapOvr>
+  <p:timing>
+    <p:tnLst>
+      <p:par>
+        <p:cTn id="1" dur="indefinite" restart="never" nodeType="tmRoot"/>
+      </p:par>
+    </p:tnLst>
+  </p:timing>
+</p:sld>
+</file>
+
+<file path=ppt/slides/slide11.xml><?xml version="1.0" encoding="utf-8"?>
 <p:sld xmlns:a="http://schemas.openxmlformats.org/drawingml/2006/main" xmlns:r="http://schemas.openxmlformats.org/officeDocument/2006/relationships" xmlns:p="http://schemas.openxmlformats.org/presentationml/2006/main">
   <p:cSld>
     <p:spTree>
@@ -4885,60 +5743,25 @@
           </a:bodyPr>
           <a:lstStyle/>
           <a:p>
+            <a:pPr algn="ctr"/>
+            <a:r>
+              <a:rPr lang="pt-BR" sz="5400" dirty="0">
+                <a:latin typeface="Arial" panose="020B0604020202020204" pitchFamily="34" charset="0"/>
+                <a:cs typeface="Arial" panose="020B0604020202020204" pitchFamily="34" charset="0"/>
+              </a:rPr>
+              <a:t>Principais </a:t>
+            </a:r>
             <a:r>
               <a:rPr lang="pt-BR" sz="5400" dirty="0" smtClean="0">
                 <a:latin typeface="Arial" panose="020B0604020202020204" pitchFamily="34" charset="0"/>
                 <a:cs typeface="Arial" panose="020B0604020202020204" pitchFamily="34" charset="0"/>
               </a:rPr>
-              <a:t>Problematização e justificativa</a:t>
+              <a:t>regras de negócio</a:t>
             </a:r>
             <a:endParaRPr lang="pt-BR" sz="5400" dirty="0">
               <a:latin typeface="Arial" panose="020B0604020202020204" pitchFamily="34" charset="0"/>
               <a:cs typeface="Arial" panose="020B0604020202020204" pitchFamily="34" charset="0"/>
             </a:endParaRPr>
-          </a:p>
-        </p:txBody>
-      </p:sp>
-      <p:sp>
-        <p:nvSpPr>
-          <p:cNvPr id="3" name="Espaço Reservado para Conteúdo 2"/>
-          <p:cNvSpPr>
-            <a:spLocks noGrp="1"/>
-          </p:cNvSpPr>
-          <p:nvPr>
-            <p:ph idx="1"/>
-          </p:nvPr>
-        </p:nvSpPr>
-        <p:spPr>
-          <a:xfrm>
-            <a:off x="1143000" y="3105664"/>
-            <a:ext cx="9872871" cy="2990335"/>
-          </a:xfrm>
-        </p:spPr>
-        <p:txBody>
-          <a:bodyPr>
-            <a:normAutofit/>
-          </a:bodyPr>
-          <a:lstStyle/>
-          <a:p>
-            <a:r>
-              <a:rPr lang="pt-BR" sz="3200" dirty="0" smtClean="0">
-                <a:latin typeface="Arial" panose="020B0604020202020204" pitchFamily="34" charset="0"/>
-                <a:cs typeface="Arial" panose="020B0604020202020204" pitchFamily="34" charset="0"/>
-                <a:sym typeface="Wingdings" panose="05000000000000000000" pitchFamily="2" charset="2"/>
-              </a:rPr>
-              <a:t>Problema  Estudantes têm dificuldade na realização de redações no estilo ENEM.</a:t>
-            </a:r>
-          </a:p>
-          <a:p>
-            <a:r>
-              <a:rPr lang="pt-BR" sz="3200" dirty="0" smtClean="0">
-                <a:latin typeface="Arial" panose="020B0604020202020204" pitchFamily="34" charset="0"/>
-                <a:cs typeface="Arial" panose="020B0604020202020204" pitchFamily="34" charset="0"/>
-                <a:sym typeface="Wingdings" panose="05000000000000000000" pitchFamily="2" charset="2"/>
-              </a:rPr>
-              <a:t>Justificativa  Com mais prática dos Estudantes na realização das redações, as dificuldades diminuem.</a:t>
-            </a:r>
           </a:p>
         </p:txBody>
       </p:sp>
@@ -4962,7 +5785,7 @@
                 <a:latin typeface="Arial" panose="020B0604020202020204" pitchFamily="34" charset="0"/>
                 <a:cs typeface="Arial" panose="020B0604020202020204" pitchFamily="34" charset="0"/>
               </a:rPr>
-              <a:t>2</a:t>
+              <a:t>11</a:t>
             </a:fld>
             <a:endParaRPr lang="pt-BR" sz="2800" dirty="0">
               <a:latin typeface="Arial" panose="020B0604020202020204" pitchFamily="34" charset="0"/>
@@ -4971,20 +5794,56 @@
           </a:p>
         </p:txBody>
       </p:sp>
+      <p:pic>
+        <p:nvPicPr>
+          <p:cNvPr id="3" name="Imagem 2"/>
+          <p:cNvPicPr>
+            <a:picLocks noChangeAspect="1"/>
+          </p:cNvPicPr>
+          <p:nvPr/>
+        </p:nvPicPr>
+        <p:blipFill>
+          <a:blip r:embed="rId3"/>
+          <a:stretch>
+            <a:fillRect/>
+          </a:stretch>
+        </p:blipFill>
+        <p:spPr>
+          <a:xfrm>
+            <a:off x="2137682" y="2156414"/>
+            <a:ext cx="7882429" cy="4244385"/>
+          </a:xfrm>
+          <a:prstGeom prst="rect">
+            <a:avLst/>
+          </a:prstGeom>
+          <a:ln w="28575">
+            <a:solidFill>
+              <a:schemeClr val="tx1"/>
+            </a:solidFill>
+          </a:ln>
+        </p:spPr>
+      </p:pic>
     </p:spTree>
     <p:extLst>
       <p:ext uri="{BB962C8B-B14F-4D97-AF65-F5344CB8AC3E}">
-        <p14:creationId xmlns:p14="http://schemas.microsoft.com/office/powerpoint/2010/main" val="1654649249"/>
+        <p14:creationId xmlns:p14="http://schemas.microsoft.com/office/powerpoint/2010/main" val="2031787905"/>
       </p:ext>
     </p:extLst>
   </p:cSld>
   <p:clrMapOvr>
     <a:masterClrMapping/>
   </p:clrMapOvr>
+  <p:timing>
+    <p:tnLst>
+      <p:par>
+        <p:cTn id="1" dur="indefinite" restart="never" nodeType="tmRoot"/>
+      </p:par>
+    </p:tnLst>
+  </p:timing>
 </p:sld>
 </file>
 
-<file path=ppt/slides/slide3.xml><?xml version="1.0" encoding="utf-8"?>
+<file path=ppt/slides/slide12.xml><?xml version="1.0" encoding="utf-8"?>
 <p:sld xmlns:a="http://schemas.openxmlformats.org/drawingml/2006/main" xmlns:r="http://schemas.openxmlformats.org/officeDocument/2006/relationships" xmlns:p="http://schemas.openxmlformats.org/presentationml/2006/main">
   <p:cSld>
     <p:spTree>
@@ -5066,124 +5925,25 @@
           </a:bodyPr>
           <a:lstStyle/>
           <a:p>
+            <a:pPr algn="ctr"/>
+            <a:r>
+              <a:rPr lang="pt-BR" sz="5400" dirty="0">
+                <a:latin typeface="Arial" panose="020B0604020202020204" pitchFamily="34" charset="0"/>
+                <a:cs typeface="Arial" panose="020B0604020202020204" pitchFamily="34" charset="0"/>
+              </a:rPr>
+              <a:t>Principais </a:t>
+            </a:r>
             <a:r>
               <a:rPr lang="pt-BR" sz="5400" dirty="0" smtClean="0">
                 <a:latin typeface="Arial" panose="020B0604020202020204" pitchFamily="34" charset="0"/>
                 <a:cs typeface="Arial" panose="020B0604020202020204" pitchFamily="34" charset="0"/>
               </a:rPr>
-              <a:t>Por que o nome </a:t>
-            </a:r>
-            <a:r>
-              <a:rPr lang="pt-BR" sz="5400" dirty="0" err="1" smtClean="0">
-                <a:latin typeface="Arial" panose="020B0604020202020204" pitchFamily="34" charset="0"/>
-                <a:cs typeface="Arial" panose="020B0604020202020204" pitchFamily="34" charset="0"/>
-              </a:rPr>
-              <a:t>Wordin’On</a:t>
-            </a:r>
-            <a:r>
-              <a:rPr lang="pt-BR" sz="5400" dirty="0" smtClean="0">
-                <a:latin typeface="Arial" panose="020B0604020202020204" pitchFamily="34" charset="0"/>
-                <a:cs typeface="Arial" panose="020B0604020202020204" pitchFamily="34" charset="0"/>
-              </a:rPr>
-              <a:t>?</a:t>
+              <a:t>regras de negócio</a:t>
             </a:r>
             <a:endParaRPr lang="pt-BR" sz="5400" dirty="0">
               <a:latin typeface="Arial" panose="020B0604020202020204" pitchFamily="34" charset="0"/>
               <a:cs typeface="Arial" panose="020B0604020202020204" pitchFamily="34" charset="0"/>
             </a:endParaRPr>
-          </a:p>
-        </p:txBody>
-      </p:sp>
-      <p:sp>
-        <p:nvSpPr>
-          <p:cNvPr id="3" name="Espaço Reservado para Conteúdo 2"/>
-          <p:cNvSpPr>
-            <a:spLocks noGrp="1"/>
-          </p:cNvSpPr>
-          <p:nvPr>
-            <p:ph idx="1"/>
-          </p:nvPr>
-        </p:nvSpPr>
-        <p:spPr>
-          <a:xfrm>
-            <a:off x="1143000" y="2413686"/>
-            <a:ext cx="9872871" cy="3682314"/>
-          </a:xfrm>
-        </p:spPr>
-        <p:txBody>
-          <a:bodyPr>
-            <a:normAutofit/>
-          </a:bodyPr>
-          <a:lstStyle/>
-          <a:p>
-            <a:r>
-              <a:rPr lang="pt-BR" sz="3200" dirty="0" err="1" smtClean="0">
-                <a:latin typeface="Arial" panose="020B0604020202020204" pitchFamily="34" charset="0"/>
-                <a:cs typeface="Arial" panose="020B0604020202020204" pitchFamily="34" charset="0"/>
-              </a:rPr>
-              <a:t>Wordin</a:t>
-            </a:r>
-            <a:r>
-              <a:rPr lang="pt-BR" sz="3200" dirty="0" smtClean="0">
-                <a:latin typeface="Arial" panose="020B0604020202020204" pitchFamily="34" charset="0"/>
-                <a:cs typeface="Arial" panose="020B0604020202020204" pitchFamily="34" charset="0"/>
-              </a:rPr>
-              <a:t> </a:t>
-            </a:r>
-            <a:r>
-              <a:rPr lang="pt-BR" sz="3200" dirty="0" smtClean="0">
-                <a:latin typeface="Arial" panose="020B0604020202020204" pitchFamily="34" charset="0"/>
-                <a:cs typeface="Arial" panose="020B0604020202020204" pitchFamily="34" charset="0"/>
-                <a:sym typeface="Wingdings" panose="05000000000000000000" pitchFamily="2" charset="2"/>
-              </a:rPr>
-              <a:t> </a:t>
-            </a:r>
-            <a:r>
-              <a:rPr lang="pt-BR" sz="3200" dirty="0" smtClean="0">
-                <a:latin typeface="Arial" panose="020B0604020202020204" pitchFamily="34" charset="0"/>
-                <a:cs typeface="Arial" panose="020B0604020202020204" pitchFamily="34" charset="0"/>
-                <a:sym typeface="Wingdings" panose="05000000000000000000" pitchFamily="2" charset="2"/>
-              </a:rPr>
-              <a:t>Redação.</a:t>
-            </a:r>
-          </a:p>
-          <a:p>
-            <a:r>
-              <a:rPr lang="pt-BR" sz="3200" dirty="0" err="1" smtClean="0">
-                <a:latin typeface="Arial" panose="020B0604020202020204" pitchFamily="34" charset="0"/>
-                <a:cs typeface="Arial" panose="020B0604020202020204" pitchFamily="34" charset="0"/>
-                <a:sym typeface="Wingdings" panose="05000000000000000000" pitchFamily="2" charset="2"/>
-              </a:rPr>
-              <a:t>On</a:t>
-            </a:r>
-            <a:r>
-              <a:rPr lang="pt-BR" sz="3200" dirty="0" smtClean="0">
-                <a:latin typeface="Arial" panose="020B0604020202020204" pitchFamily="34" charset="0"/>
-                <a:cs typeface="Arial" panose="020B0604020202020204" pitchFamily="34" charset="0"/>
-                <a:sym typeface="Wingdings" panose="05000000000000000000" pitchFamily="2" charset="2"/>
-              </a:rPr>
-              <a:t>  Online.</a:t>
-            </a:r>
-          </a:p>
-          <a:p>
-            <a:r>
-              <a:rPr lang="pt-BR" sz="3200" dirty="0" smtClean="0">
-                <a:latin typeface="Arial" panose="020B0604020202020204" pitchFamily="34" charset="0"/>
-                <a:cs typeface="Arial" panose="020B0604020202020204" pitchFamily="34" charset="0"/>
-                <a:sym typeface="Wingdings" panose="05000000000000000000" pitchFamily="2" charset="2"/>
-              </a:rPr>
-              <a:t>Ou seja, o site tem a finalidade de possibilitar a realização da escrita de redações de forma online.</a:t>
-            </a:r>
-          </a:p>
-          <a:p>
-            <a:r>
-              <a:rPr lang="pt-BR" sz="3200" dirty="0" smtClean="0">
-                <a:latin typeface="Arial" panose="020B0604020202020204" pitchFamily="34" charset="0"/>
-                <a:cs typeface="Arial" panose="020B0604020202020204" pitchFamily="34" charset="0"/>
-                <a:sym typeface="Wingdings" panose="05000000000000000000" pitchFamily="2" charset="2"/>
-              </a:rPr>
-              <a:t>Essas redações serão no modelo do ENEM (dissertativas argumentativas).</a:t>
-            </a:r>
           </a:p>
         </p:txBody>
       </p:sp>
@@ -5207,7 +5967,7 @@
                 <a:latin typeface="Arial" panose="020B0604020202020204" pitchFamily="34" charset="0"/>
                 <a:cs typeface="Arial" panose="020B0604020202020204" pitchFamily="34" charset="0"/>
               </a:rPr>
-              <a:t>3</a:t>
+              <a:t>12</a:t>
             </a:fld>
             <a:endParaRPr lang="pt-BR" sz="2800" dirty="0">
               <a:latin typeface="Arial" panose="020B0604020202020204" pitchFamily="34" charset="0"/>
@@ -5216,153 +5976,24 @@
           </a:p>
         </p:txBody>
       </p:sp>
-    </p:spTree>
-    <p:extLst>
-      <p:ext uri="{BB962C8B-B14F-4D97-AF65-F5344CB8AC3E}">
-        <p14:creationId xmlns:p14="http://schemas.microsoft.com/office/powerpoint/2010/main" val="1547414760"/>
-      </p:ext>
-    </p:extLst>
-  </p:cSld>
-  <p:clrMapOvr>
-    <a:masterClrMapping/>
-  </p:clrMapOvr>
-</p:sld>
-</file>
-
-<file path=ppt/slides/slide4.xml><?xml version="1.0" encoding="utf-8"?>
-<p:sld xmlns:a="http://schemas.openxmlformats.org/drawingml/2006/main" xmlns:r="http://schemas.openxmlformats.org/officeDocument/2006/relationships" xmlns:p="http://schemas.openxmlformats.org/presentationml/2006/main">
-  <p:cSld>
-    <p:spTree>
-      <p:nvGrpSpPr>
-        <p:cNvPr id="1" name=""/>
-        <p:cNvGrpSpPr/>
-        <p:nvPr/>
-      </p:nvGrpSpPr>
-      <p:grpSpPr>
-        <a:xfrm>
-          <a:off x="0" y="0"/>
-          <a:ext cx="0" cy="0"/>
-          <a:chOff x="0" y="0"/>
-          <a:chExt cx="0" cy="0"/>
-        </a:xfrm>
-      </p:grpSpPr>
-      <p:sp>
-        <p:nvSpPr>
-          <p:cNvPr id="5" name="Retângulo de cantos arredondados 4"/>
-          <p:cNvSpPr/>
+      <p:pic>
+        <p:nvPicPr>
+          <p:cNvPr id="5" name="Imagem 4"/>
+          <p:cNvPicPr>
+            <a:picLocks noChangeAspect="1"/>
+          </p:cNvPicPr>
           <p:nvPr/>
-        </p:nvSpPr>
+        </p:nvPicPr>
+        <p:blipFill>
+          <a:blip r:embed="rId3"/>
+          <a:stretch>
+            <a:fillRect/>
+          </a:stretch>
+        </p:blipFill>
         <p:spPr>
           <a:xfrm>
-            <a:off x="1143000" y="609600"/>
-            <a:ext cx="9892747" cy="1356360"/>
-          </a:xfrm>
-          <a:prstGeom prst="roundRect">
-            <a:avLst/>
-          </a:prstGeom>
-          <a:solidFill>
-            <a:schemeClr val="bg2"/>
-          </a:solidFill>
-          <a:ln w="28575">
-            <a:solidFill>
-              <a:schemeClr val="tx1"/>
-            </a:solidFill>
-          </a:ln>
-        </p:spPr>
-        <p:style>
-          <a:lnRef idx="2">
-            <a:schemeClr val="accent1">
-              <a:shade val="50000"/>
-            </a:schemeClr>
-          </a:lnRef>
-          <a:fillRef idx="1">
-            <a:schemeClr val="accent1"/>
-          </a:fillRef>
-          <a:effectRef idx="0">
-            <a:schemeClr val="accent1"/>
-          </a:effectRef>
-          <a:fontRef idx="minor">
-            <a:schemeClr val="lt1"/>
-          </a:fontRef>
-        </p:style>
-        <p:txBody>
-          <a:bodyPr rtlCol="0" anchor="ctr"/>
-          <a:lstStyle/>
-          <a:p>
-            <a:pPr algn="ctr"/>
-            <a:endParaRPr lang="pt-BR"/>
-          </a:p>
-        </p:txBody>
-      </p:sp>
-      <p:sp>
-        <p:nvSpPr>
-          <p:cNvPr id="2" name="Título 1"/>
-          <p:cNvSpPr>
-            <a:spLocks noGrp="1"/>
-          </p:cNvSpPr>
-          <p:nvPr>
-            <p:ph type="title"/>
-          </p:nvPr>
-        </p:nvSpPr>
-        <p:spPr/>
-        <p:txBody>
-          <a:bodyPr>
-            <a:normAutofit/>
-          </a:bodyPr>
-          <a:lstStyle/>
-          <a:p>
-            <a:r>
-              <a:rPr lang="pt-BR" sz="5400" dirty="0" smtClean="0">
-                <a:latin typeface="Arial" panose="020B0604020202020204" pitchFamily="34" charset="0"/>
-                <a:cs typeface="Arial" panose="020B0604020202020204" pitchFamily="34" charset="0"/>
-              </a:rPr>
-              <a:t>Funcionalidades do site</a:t>
-            </a:r>
-            <a:endParaRPr lang="pt-BR" sz="5400" dirty="0">
-              <a:latin typeface="Arial" panose="020B0604020202020204" pitchFamily="34" charset="0"/>
-              <a:cs typeface="Arial" panose="020B0604020202020204" pitchFamily="34" charset="0"/>
-            </a:endParaRPr>
-          </a:p>
-        </p:txBody>
-      </p:sp>
-      <p:sp>
-        <p:nvSpPr>
-          <p:cNvPr id="4" name="Espaço Reservado para Número de Slide 3"/>
-          <p:cNvSpPr>
-            <a:spLocks noGrp="1"/>
-          </p:cNvSpPr>
-          <p:nvPr>
-            <p:ph type="sldNum" sz="quarter" idx="12"/>
-          </p:nvPr>
-        </p:nvSpPr>
-        <p:spPr/>
-        <p:txBody>
-          <a:bodyPr/>
-          <a:lstStyle/>
-          <a:p>
-            <a:fld id="{1BD48EA3-C02C-492B-BD6A-60F12EB1471E}" type="slidenum">
-              <a:rPr lang="pt-BR" sz="2800" smtClean="0"/>
-              <a:t>4</a:t>
-            </a:fld>
-            <a:endParaRPr lang="pt-BR" sz="2800" dirty="0"/>
-          </a:p>
-        </p:txBody>
-      </p:sp>
-      <p:pic>
-        <p:nvPicPr>
-          <p:cNvPr id="7" name="Imagem 6"/>
-          <p:cNvPicPr/>
-          <p:nvPr/>
-        </p:nvPicPr>
-        <p:blipFill rotWithShape="1">
-          <a:blip r:embed="rId2"/>
-          <a:srcRect l="27615" t="24108" r="40470" b="32380"/>
-          <a:stretch/>
-        </p:blipFill>
-        <p:spPr bwMode="auto">
-          <a:xfrm>
-            <a:off x="3101463" y="2265797"/>
-            <a:ext cx="5958594" cy="4140593"/>
+            <a:off x="1910240" y="2318260"/>
+            <a:ext cx="8358266" cy="4088130"/>
           </a:xfrm>
           <a:prstGeom prst="rect">
             <a:avLst/>
@@ -5372,28 +6003,29 @@
               <a:schemeClr val="tx1"/>
             </a:solidFill>
           </a:ln>
-          <a:effectLst/>
-          <a:extLst>
-            <a:ext uri="{53640926-AAD7-44D8-BBD7-CCE9431645EC}">
-              <a14:shadowObscured xmlns:a14="http://schemas.microsoft.com/office/drawing/2010/main"/>
-            </a:ext>
-          </a:extLst>
         </p:spPr>
       </p:pic>
     </p:spTree>
     <p:extLst>
       <p:ext uri="{BB962C8B-B14F-4D97-AF65-F5344CB8AC3E}">
-        <p14:creationId xmlns:p14="http://schemas.microsoft.com/office/powerpoint/2010/main" val="3753599207"/>
+        <p14:creationId xmlns:p14="http://schemas.microsoft.com/office/powerpoint/2010/main" val="348617133"/>
       </p:ext>
     </p:extLst>
   </p:cSld>
   <p:clrMapOvr>
     <a:masterClrMapping/>
   </p:clrMapOvr>
+  <p:timing>
+    <p:tnLst>
+      <p:par>
+        <p:cTn id="1" dur="indefinite" restart="never" nodeType="tmRoot"/>
+      </p:par>
+    </p:tnLst>
+  </p:timing>
 </p:sld>
 </file>
 
-<file path=ppt/slides/slide5.xml><?xml version="1.0" encoding="utf-8"?>
+<file path=ppt/slides/slide13.xml><?xml version="1.0" encoding="utf-8"?>
 <p:sld xmlns:a="http://schemas.openxmlformats.org/drawingml/2006/main" xmlns:r="http://schemas.openxmlformats.org/officeDocument/2006/relationships" xmlns:p="http://schemas.openxmlformats.org/presentationml/2006/main">
   <p:cSld>
     <p:spTree>
@@ -5475,12 +6107,20 @@
           </a:bodyPr>
           <a:lstStyle/>
           <a:p>
+            <a:pPr algn="ctr"/>
+            <a:r>
+              <a:rPr lang="pt-BR" sz="5400" dirty="0">
+                <a:latin typeface="Arial" panose="020B0604020202020204" pitchFamily="34" charset="0"/>
+                <a:cs typeface="Arial" panose="020B0604020202020204" pitchFamily="34" charset="0"/>
+              </a:rPr>
+              <a:t>Principais </a:t>
+            </a:r>
             <a:r>
               <a:rPr lang="pt-BR" sz="5400" dirty="0" smtClean="0">
                 <a:latin typeface="Arial" panose="020B0604020202020204" pitchFamily="34" charset="0"/>
                 <a:cs typeface="Arial" panose="020B0604020202020204" pitchFamily="34" charset="0"/>
               </a:rPr>
-              <a:t>Principais requisitos funcionais</a:t>
+              <a:t>regras de negócio</a:t>
             </a:r>
             <a:endParaRPr lang="pt-BR" sz="5400" dirty="0">
               <a:latin typeface="Arial" panose="020B0604020202020204" pitchFamily="34" charset="0"/>
@@ -5509,173 +6149,7 @@
                 <a:latin typeface="Arial" panose="020B0604020202020204" pitchFamily="34" charset="0"/>
                 <a:cs typeface="Arial" panose="020B0604020202020204" pitchFamily="34" charset="0"/>
               </a:rPr>
-              <a:t>5</a:t>
-            </a:fld>
-            <a:endParaRPr lang="pt-BR" sz="2800" dirty="0">
-              <a:latin typeface="Arial" panose="020B0604020202020204" pitchFamily="34" charset="0"/>
-              <a:cs typeface="Arial" panose="020B0604020202020204" pitchFamily="34" charset="0"/>
-            </a:endParaRPr>
-          </a:p>
-        </p:txBody>
-      </p:sp>
-      <p:pic>
-        <p:nvPicPr>
-          <p:cNvPr id="8" name="Imagem 7"/>
-          <p:cNvPicPr>
-            <a:picLocks noChangeAspect="1"/>
-          </p:cNvPicPr>
-          <p:nvPr/>
-        </p:nvPicPr>
-        <p:blipFill rotWithShape="1">
-          <a:blip r:embed="rId3"/>
-          <a:srcRect l="41308" t="18407" r="27189" b="48430"/>
-          <a:stretch/>
-        </p:blipFill>
-        <p:spPr>
-          <a:xfrm>
-            <a:off x="2489373" y="2142861"/>
-            <a:ext cx="7200000" cy="4263529"/>
-          </a:xfrm>
-          <a:prstGeom prst="rect">
-            <a:avLst/>
-          </a:prstGeom>
-          <a:ln w="28575">
-            <a:solidFill>
-              <a:schemeClr val="tx1"/>
-            </a:solidFill>
-          </a:ln>
-        </p:spPr>
-      </p:pic>
-    </p:spTree>
-    <p:extLst>
-      <p:ext uri="{BB962C8B-B14F-4D97-AF65-F5344CB8AC3E}">
-        <p14:creationId xmlns:p14="http://schemas.microsoft.com/office/powerpoint/2010/main" val="3596411727"/>
-      </p:ext>
-    </p:extLst>
-  </p:cSld>
-  <p:clrMapOvr>
-    <a:masterClrMapping/>
-  </p:clrMapOvr>
-</p:sld>
-</file>
-
-<file path=ppt/slides/slide6.xml><?xml version="1.0" encoding="utf-8"?>
-<p:sld xmlns:a="http://schemas.openxmlformats.org/drawingml/2006/main" xmlns:r="http://schemas.openxmlformats.org/officeDocument/2006/relationships" xmlns:p="http://schemas.openxmlformats.org/presentationml/2006/main">
-  <p:cSld>
-    <p:spTree>
-      <p:nvGrpSpPr>
-        <p:cNvPr id="1" name=""/>
-        <p:cNvGrpSpPr/>
-        <p:nvPr/>
-      </p:nvGrpSpPr>
-      <p:grpSpPr>
-        <a:xfrm>
-          <a:off x="0" y="0"/>
-          <a:ext cx="0" cy="0"/>
-          <a:chOff x="0" y="0"/>
-          <a:chExt cx="0" cy="0"/>
-        </a:xfrm>
-      </p:grpSpPr>
-      <p:sp>
-        <p:nvSpPr>
-          <p:cNvPr id="6" name="Retângulo de cantos arredondados 5"/>
-          <p:cNvSpPr/>
-          <p:nvPr/>
-        </p:nvSpPr>
-        <p:spPr>
-          <a:xfrm>
-            <a:off x="1143000" y="609601"/>
-            <a:ext cx="9892747" cy="1356360"/>
-          </a:xfrm>
-          <a:prstGeom prst="roundRect">
-            <a:avLst/>
-          </a:prstGeom>
-          <a:solidFill>
-            <a:schemeClr val="bg2"/>
-          </a:solidFill>
-          <a:ln w="28575">
-            <a:solidFill>
-              <a:schemeClr val="tx1"/>
-            </a:solidFill>
-          </a:ln>
-        </p:spPr>
-        <p:style>
-          <a:lnRef idx="2">
-            <a:schemeClr val="accent1">
-              <a:shade val="50000"/>
-            </a:schemeClr>
-          </a:lnRef>
-          <a:fillRef idx="1">
-            <a:schemeClr val="accent1"/>
-          </a:fillRef>
-          <a:effectRef idx="0">
-            <a:schemeClr val="accent1"/>
-          </a:effectRef>
-          <a:fontRef idx="minor">
-            <a:schemeClr val="lt1"/>
-          </a:fontRef>
-        </p:style>
-        <p:txBody>
-          <a:bodyPr rtlCol="0" anchor="ctr"/>
-          <a:lstStyle/>
-          <a:p>
-            <a:pPr algn="ctr"/>
-            <a:endParaRPr lang="pt-BR"/>
-          </a:p>
-        </p:txBody>
-      </p:sp>
-      <p:sp>
-        <p:nvSpPr>
-          <p:cNvPr id="2" name="Título 1"/>
-          <p:cNvSpPr>
-            <a:spLocks noGrp="1"/>
-          </p:cNvSpPr>
-          <p:nvPr>
-            <p:ph type="title"/>
-          </p:nvPr>
-        </p:nvSpPr>
-        <p:spPr/>
-        <p:txBody>
-          <a:bodyPr>
-            <a:noAutofit/>
-          </a:bodyPr>
-          <a:lstStyle/>
-          <a:p>
-            <a:r>
-              <a:rPr lang="pt-BR" sz="5400" dirty="0" smtClean="0">
-                <a:latin typeface="Arial" panose="020B0604020202020204" pitchFamily="34" charset="0"/>
-                <a:cs typeface="Arial" panose="020B0604020202020204" pitchFamily="34" charset="0"/>
-              </a:rPr>
-              <a:t>Principais requisitos funcionais</a:t>
-            </a:r>
-            <a:endParaRPr lang="pt-BR" sz="5400" dirty="0">
-              <a:latin typeface="Arial" panose="020B0604020202020204" pitchFamily="34" charset="0"/>
-              <a:cs typeface="Arial" panose="020B0604020202020204" pitchFamily="34" charset="0"/>
-            </a:endParaRPr>
-          </a:p>
-        </p:txBody>
-      </p:sp>
-      <p:sp>
-        <p:nvSpPr>
-          <p:cNvPr id="4" name="Espaço Reservado para Número de Slide 3"/>
-          <p:cNvSpPr>
-            <a:spLocks noGrp="1"/>
-          </p:cNvSpPr>
-          <p:nvPr>
-            <p:ph type="sldNum" sz="quarter" idx="12"/>
-          </p:nvPr>
-        </p:nvSpPr>
-        <p:spPr/>
-        <p:txBody>
-          <a:bodyPr/>
-          <a:lstStyle/>
-          <a:p>
-            <a:fld id="{1BD48EA3-C02C-492B-BD6A-60F12EB1471E}" type="slidenum">
-              <a:rPr lang="pt-BR" sz="2800" smtClean="0">
-                <a:latin typeface="Arial" panose="020B0604020202020204" pitchFamily="34" charset="0"/>
-                <a:cs typeface="Arial" panose="020B0604020202020204" pitchFamily="34" charset="0"/>
-              </a:rPr>
-              <a:t>6</a:t>
+              <a:t>13</a:t>
             </a:fld>
             <a:endParaRPr lang="pt-BR" sz="2800" dirty="0">
               <a:latin typeface="Arial" panose="020B0604020202020204" pitchFamily="34" charset="0"/>
@@ -5700,8 +6174,8 @@
         </p:blipFill>
         <p:spPr>
           <a:xfrm>
-            <a:off x="1711190" y="2152293"/>
-            <a:ext cx="8756365" cy="4320000"/>
+            <a:off x="2193471" y="2252300"/>
+            <a:ext cx="7778623" cy="4161563"/>
           </a:xfrm>
           <a:prstGeom prst="rect">
             <a:avLst/>
@@ -5716,17 +6190,24 @@
     </p:spTree>
     <p:extLst>
       <p:ext uri="{BB962C8B-B14F-4D97-AF65-F5344CB8AC3E}">
-        <p14:creationId xmlns:p14="http://schemas.microsoft.com/office/powerpoint/2010/main" val="691192622"/>
+        <p14:creationId xmlns:p14="http://schemas.microsoft.com/office/powerpoint/2010/main" val="4226504996"/>
       </p:ext>
     </p:extLst>
   </p:cSld>
   <p:clrMapOvr>
     <a:masterClrMapping/>
   </p:clrMapOvr>
+  <p:timing>
+    <p:tnLst>
+      <p:par>
+        <p:cTn id="1" dur="indefinite" restart="never" nodeType="tmRoot"/>
+      </p:par>
+    </p:tnLst>
+  </p:timing>
 </p:sld>
 </file>
 
-<file path=ppt/slides/slide7.xml><?xml version="1.0" encoding="utf-8"?>
+<file path=ppt/slides/slide14.xml><?xml version="1.0" encoding="utf-8"?>
 <p:sld xmlns:a="http://schemas.openxmlformats.org/drawingml/2006/main" xmlns:r="http://schemas.openxmlformats.org/officeDocument/2006/relationships" xmlns:p="http://schemas.openxmlformats.org/presentationml/2006/main">
   <p:cSld>
     <p:spTree>
@@ -5787,7 +6268,7 @@
                 <a:latin typeface="Arial" panose="020B0604020202020204" pitchFamily="34" charset="0"/>
                 <a:cs typeface="Arial" panose="020B0604020202020204" pitchFamily="34" charset="0"/>
               </a:rPr>
-              <a:t>7</a:t>
+              <a:t>14</a:t>
             </a:fld>
             <a:endParaRPr lang="pt-BR" sz="2800" dirty="0">
               <a:latin typeface="Arial" panose="020B0604020202020204" pitchFamily="34" charset="0"/>
@@ -5842,10 +6323,17 @@
   <p:clrMapOvr>
     <a:masterClrMapping/>
   </p:clrMapOvr>
+  <p:timing>
+    <p:tnLst>
+      <p:par>
+        <p:cTn id="1" dur="indefinite" restart="never" nodeType="tmRoot"/>
+      </p:par>
+    </p:tnLst>
+  </p:timing>
 </p:sld>
 </file>
 
-<file path=ppt/slides/slide8.xml><?xml version="1.0" encoding="utf-8"?>
+<file path=ppt/slides/slide15.xml><?xml version="1.0" encoding="utf-8"?>
 <p:sld xmlns:a="http://schemas.openxmlformats.org/drawingml/2006/main" xmlns:r="http://schemas.openxmlformats.org/officeDocument/2006/relationships" xmlns:p="http://schemas.openxmlformats.org/presentationml/2006/main">
   <p:cSld>
     <p:spTree>
@@ -5927,6 +6415,7 @@
           </a:bodyPr>
           <a:lstStyle/>
           <a:p>
+            <a:pPr algn="r"/>
             <a:r>
               <a:rPr lang="pt-BR" sz="5400" dirty="0" smtClean="0">
                 <a:latin typeface="Arial" panose="020B0604020202020204" pitchFamily="34" charset="0"/>
@@ -5961,7 +6450,7 @@
                 <a:latin typeface="Arial" panose="020B0604020202020204" pitchFamily="34" charset="0"/>
                 <a:cs typeface="Arial" panose="020B0604020202020204" pitchFamily="34" charset="0"/>
               </a:rPr>
-              <a:t>8</a:t>
+              <a:t>15</a:t>
             </a:fld>
             <a:endParaRPr lang="pt-BR" sz="2800" dirty="0">
               <a:latin typeface="Arial" panose="020B0604020202020204" pitchFamily="34" charset="0"/>
@@ -6009,6 +6498,1669 @@
   <p:clrMapOvr>
     <a:masterClrMapping/>
   </p:clrMapOvr>
+  <p:timing>
+    <p:tnLst>
+      <p:par>
+        <p:cTn id="1" dur="indefinite" restart="never" nodeType="tmRoot"/>
+      </p:par>
+    </p:tnLst>
+  </p:timing>
+</p:sld>
+</file>
+
+<file path=ppt/slides/slide16.xml><?xml version="1.0" encoding="utf-8"?>
+<p:sld xmlns:a="http://schemas.openxmlformats.org/drawingml/2006/main" xmlns:r="http://schemas.openxmlformats.org/officeDocument/2006/relationships" xmlns:p="http://schemas.openxmlformats.org/presentationml/2006/main">
+  <p:cSld>
+    <p:spTree>
+      <p:nvGrpSpPr>
+        <p:cNvPr id="1" name=""/>
+        <p:cNvGrpSpPr/>
+        <p:nvPr/>
+      </p:nvGrpSpPr>
+      <p:grpSpPr>
+        <a:xfrm>
+          <a:off x="0" y="0"/>
+          <a:ext cx="0" cy="0"/>
+          <a:chOff x="0" y="0"/>
+          <a:chExt cx="0" cy="0"/>
+        </a:xfrm>
+      </p:grpSpPr>
+      <p:sp>
+        <p:nvSpPr>
+          <p:cNvPr id="6" name="Retângulo de cantos arredondados 5"/>
+          <p:cNvSpPr/>
+          <p:nvPr/>
+        </p:nvSpPr>
+        <p:spPr>
+          <a:xfrm>
+            <a:off x="1143000" y="609601"/>
+            <a:ext cx="9892747" cy="1356360"/>
+          </a:xfrm>
+          <a:prstGeom prst="roundRect">
+            <a:avLst/>
+          </a:prstGeom>
+          <a:solidFill>
+            <a:schemeClr val="bg2"/>
+          </a:solidFill>
+          <a:ln w="28575">
+            <a:solidFill>
+              <a:schemeClr val="tx1"/>
+            </a:solidFill>
+          </a:ln>
+        </p:spPr>
+        <p:style>
+          <a:lnRef idx="2">
+            <a:schemeClr val="accent1">
+              <a:shade val="50000"/>
+            </a:schemeClr>
+          </a:lnRef>
+          <a:fillRef idx="1">
+            <a:schemeClr val="accent1"/>
+          </a:fillRef>
+          <a:effectRef idx="0">
+            <a:schemeClr val="accent1"/>
+          </a:effectRef>
+          <a:fontRef idx="minor">
+            <a:schemeClr val="lt1"/>
+          </a:fontRef>
+        </p:style>
+        <p:txBody>
+          <a:bodyPr rtlCol="0" anchor="ctr"/>
+          <a:lstStyle/>
+          <a:p>
+            <a:pPr algn="ctr"/>
+            <a:endParaRPr lang="pt-BR"/>
+          </a:p>
+        </p:txBody>
+      </p:sp>
+      <p:sp>
+        <p:nvSpPr>
+          <p:cNvPr id="2" name="Título 1"/>
+          <p:cNvSpPr>
+            <a:spLocks noGrp="1"/>
+          </p:cNvSpPr>
+          <p:nvPr>
+            <p:ph type="title"/>
+          </p:nvPr>
+        </p:nvSpPr>
+        <p:spPr/>
+        <p:txBody>
+          <a:bodyPr>
+            <a:noAutofit/>
+          </a:bodyPr>
+          <a:lstStyle/>
+          <a:p>
+            <a:pPr algn="ctr"/>
+            <a:r>
+              <a:rPr lang="pt-BR" sz="5400" dirty="0" smtClean="0">
+                <a:latin typeface="Arial" panose="020B0604020202020204" pitchFamily="34" charset="0"/>
+                <a:cs typeface="Arial" panose="020B0604020202020204" pitchFamily="34" charset="0"/>
+              </a:rPr>
+              <a:t>Agradecimentos</a:t>
+            </a:r>
+            <a:endParaRPr lang="pt-BR" sz="5400" dirty="0">
+              <a:latin typeface="Arial" panose="020B0604020202020204" pitchFamily="34" charset="0"/>
+              <a:cs typeface="Arial" panose="020B0604020202020204" pitchFamily="34" charset="0"/>
+            </a:endParaRPr>
+          </a:p>
+        </p:txBody>
+      </p:sp>
+      <p:sp>
+        <p:nvSpPr>
+          <p:cNvPr id="3" name="Espaço Reservado para Conteúdo 2"/>
+          <p:cNvSpPr>
+            <a:spLocks noGrp="1"/>
+          </p:cNvSpPr>
+          <p:nvPr>
+            <p:ph idx="1"/>
+          </p:nvPr>
+        </p:nvSpPr>
+        <p:spPr>
+          <a:xfrm>
+            <a:off x="1143000" y="2860766"/>
+            <a:ext cx="9872871" cy="3235234"/>
+          </a:xfrm>
+        </p:spPr>
+        <p:txBody>
+          <a:bodyPr>
+            <a:normAutofit/>
+          </a:bodyPr>
+          <a:lstStyle/>
+          <a:p>
+            <a:r>
+              <a:rPr lang="pt-BR" sz="3200" dirty="0" smtClean="0">
+                <a:latin typeface="Arial" panose="020B0604020202020204" pitchFamily="34" charset="0"/>
+                <a:cs typeface="Arial" panose="020B0604020202020204" pitchFamily="34" charset="0"/>
+              </a:rPr>
+              <a:t>Primeiramente aos nossos familiares;</a:t>
+            </a:r>
+          </a:p>
+          <a:p>
+            <a:r>
+              <a:rPr lang="pt-BR" sz="3200" dirty="0" smtClean="0">
+                <a:latin typeface="Arial" panose="020B0604020202020204" pitchFamily="34" charset="0"/>
+                <a:cs typeface="Arial" panose="020B0604020202020204" pitchFamily="34" charset="0"/>
+                <a:sym typeface="Wingdings" panose="05000000000000000000" pitchFamily="2" charset="2"/>
+              </a:rPr>
+              <a:t>Também à coordenação e ao corpo docente do curso;</a:t>
+            </a:r>
+          </a:p>
+          <a:p>
+            <a:r>
+              <a:rPr lang="pt-BR" sz="3200" dirty="0" smtClean="0">
+                <a:latin typeface="Arial" panose="020B0604020202020204" pitchFamily="34" charset="0"/>
+                <a:cs typeface="Arial" panose="020B0604020202020204" pitchFamily="34" charset="0"/>
+                <a:sym typeface="Wingdings" panose="05000000000000000000" pitchFamily="2" charset="2"/>
+              </a:rPr>
+              <a:t>Por fim aos amigos, que estiveram ao nosso lado durante o desenvolvimento do projeto.</a:t>
+            </a:r>
+          </a:p>
+        </p:txBody>
+      </p:sp>
+      <p:sp>
+        <p:nvSpPr>
+          <p:cNvPr id="4" name="Espaço Reservado para Número de Slide 3"/>
+          <p:cNvSpPr>
+            <a:spLocks noGrp="1"/>
+          </p:cNvSpPr>
+          <p:nvPr>
+            <p:ph type="sldNum" sz="quarter" idx="12"/>
+          </p:nvPr>
+        </p:nvSpPr>
+        <p:spPr/>
+        <p:txBody>
+          <a:bodyPr/>
+          <a:lstStyle/>
+          <a:p>
+            <a:fld id="{1BD48EA3-C02C-492B-BD6A-60F12EB1471E}" type="slidenum">
+              <a:rPr lang="pt-BR" sz="2800" smtClean="0">
+                <a:latin typeface="Arial" panose="020B0604020202020204" pitchFamily="34" charset="0"/>
+                <a:cs typeface="Arial" panose="020B0604020202020204" pitchFamily="34" charset="0"/>
+              </a:rPr>
+              <a:t>16</a:t>
+            </a:fld>
+            <a:endParaRPr lang="pt-BR" sz="2800" dirty="0">
+              <a:latin typeface="Arial" panose="020B0604020202020204" pitchFamily="34" charset="0"/>
+              <a:cs typeface="Arial" panose="020B0604020202020204" pitchFamily="34" charset="0"/>
+            </a:endParaRPr>
+          </a:p>
+        </p:txBody>
+      </p:sp>
+    </p:spTree>
+    <p:extLst>
+      <p:ext uri="{BB962C8B-B14F-4D97-AF65-F5344CB8AC3E}">
+        <p14:creationId xmlns:p14="http://schemas.microsoft.com/office/powerpoint/2010/main" val="1884196468"/>
+      </p:ext>
+    </p:extLst>
+  </p:cSld>
+  <p:clrMapOvr>
+    <a:masterClrMapping/>
+  </p:clrMapOvr>
+  <p:timing>
+    <p:tnLst>
+      <p:par>
+        <p:cTn id="1" dur="indefinite" restart="never" nodeType="tmRoot"/>
+      </p:par>
+    </p:tnLst>
+  </p:timing>
+</p:sld>
+</file>
+
+<file path=ppt/slides/slide2.xml><?xml version="1.0" encoding="utf-8"?>
+<p:sld xmlns:a="http://schemas.openxmlformats.org/drawingml/2006/main" xmlns:r="http://schemas.openxmlformats.org/officeDocument/2006/relationships" xmlns:p="http://schemas.openxmlformats.org/presentationml/2006/main">
+  <p:cSld>
+    <p:spTree>
+      <p:nvGrpSpPr>
+        <p:cNvPr id="1" name=""/>
+        <p:cNvGrpSpPr/>
+        <p:nvPr/>
+      </p:nvGrpSpPr>
+      <p:grpSpPr>
+        <a:xfrm>
+          <a:off x="0" y="0"/>
+          <a:ext cx="0" cy="0"/>
+          <a:chOff x="0" y="0"/>
+          <a:chExt cx="0" cy="0"/>
+        </a:xfrm>
+      </p:grpSpPr>
+      <p:sp>
+        <p:nvSpPr>
+          <p:cNvPr id="6" name="Retângulo de cantos arredondados 5"/>
+          <p:cNvSpPr/>
+          <p:nvPr/>
+        </p:nvSpPr>
+        <p:spPr>
+          <a:xfrm>
+            <a:off x="1143000" y="609601"/>
+            <a:ext cx="9892747" cy="1356360"/>
+          </a:xfrm>
+          <a:prstGeom prst="roundRect">
+            <a:avLst/>
+          </a:prstGeom>
+          <a:solidFill>
+            <a:schemeClr val="bg2"/>
+          </a:solidFill>
+          <a:ln w="28575">
+            <a:solidFill>
+              <a:schemeClr val="tx1"/>
+            </a:solidFill>
+          </a:ln>
+        </p:spPr>
+        <p:style>
+          <a:lnRef idx="2">
+            <a:schemeClr val="accent1">
+              <a:shade val="50000"/>
+            </a:schemeClr>
+          </a:lnRef>
+          <a:fillRef idx="1">
+            <a:schemeClr val="accent1"/>
+          </a:fillRef>
+          <a:effectRef idx="0">
+            <a:schemeClr val="accent1"/>
+          </a:effectRef>
+          <a:fontRef idx="minor">
+            <a:schemeClr val="lt1"/>
+          </a:fontRef>
+        </p:style>
+        <p:txBody>
+          <a:bodyPr rtlCol="0" anchor="ctr"/>
+          <a:lstStyle/>
+          <a:p>
+            <a:pPr algn="ctr"/>
+            <a:endParaRPr lang="pt-BR"/>
+          </a:p>
+        </p:txBody>
+      </p:sp>
+      <p:sp>
+        <p:nvSpPr>
+          <p:cNvPr id="2" name="Título 1"/>
+          <p:cNvSpPr>
+            <a:spLocks noGrp="1"/>
+          </p:cNvSpPr>
+          <p:nvPr>
+            <p:ph type="title"/>
+          </p:nvPr>
+        </p:nvSpPr>
+        <p:spPr/>
+        <p:txBody>
+          <a:bodyPr>
+            <a:noAutofit/>
+          </a:bodyPr>
+          <a:lstStyle/>
+          <a:p>
+            <a:pPr algn="ctr"/>
+            <a:r>
+              <a:rPr lang="pt-BR" sz="5400" dirty="0" smtClean="0">
+                <a:latin typeface="Arial" panose="020B0604020202020204" pitchFamily="34" charset="0"/>
+                <a:cs typeface="Arial" panose="020B0604020202020204" pitchFamily="34" charset="0"/>
+              </a:rPr>
+              <a:t>Problematização e justificativa</a:t>
+            </a:r>
+            <a:endParaRPr lang="pt-BR" sz="5400" dirty="0">
+              <a:latin typeface="Arial" panose="020B0604020202020204" pitchFamily="34" charset="0"/>
+              <a:cs typeface="Arial" panose="020B0604020202020204" pitchFamily="34" charset="0"/>
+            </a:endParaRPr>
+          </a:p>
+        </p:txBody>
+      </p:sp>
+      <p:sp>
+        <p:nvSpPr>
+          <p:cNvPr id="3" name="Espaço Reservado para Conteúdo 2"/>
+          <p:cNvSpPr>
+            <a:spLocks noGrp="1"/>
+          </p:cNvSpPr>
+          <p:nvPr>
+            <p:ph idx="1"/>
+          </p:nvPr>
+        </p:nvSpPr>
+        <p:spPr>
+          <a:xfrm>
+            <a:off x="1143000" y="3105664"/>
+            <a:ext cx="9872871" cy="2990335"/>
+          </a:xfrm>
+        </p:spPr>
+        <p:txBody>
+          <a:bodyPr>
+            <a:normAutofit/>
+          </a:bodyPr>
+          <a:lstStyle/>
+          <a:p>
+            <a:r>
+              <a:rPr lang="pt-BR" sz="3200" dirty="0" smtClean="0">
+                <a:latin typeface="Arial" panose="020B0604020202020204" pitchFamily="34" charset="0"/>
+                <a:cs typeface="Arial" panose="020B0604020202020204" pitchFamily="34" charset="0"/>
+                <a:sym typeface="Wingdings" panose="05000000000000000000" pitchFamily="2" charset="2"/>
+              </a:rPr>
+              <a:t>Problema  Estudantes têm dificuldade na realização de redações no estilo ENEM.</a:t>
+            </a:r>
+          </a:p>
+          <a:p>
+            <a:r>
+              <a:rPr lang="pt-BR" sz="3200" dirty="0" smtClean="0">
+                <a:latin typeface="Arial" panose="020B0604020202020204" pitchFamily="34" charset="0"/>
+                <a:cs typeface="Arial" panose="020B0604020202020204" pitchFamily="34" charset="0"/>
+                <a:sym typeface="Wingdings" panose="05000000000000000000" pitchFamily="2" charset="2"/>
+              </a:rPr>
+              <a:t>Justificativa  Com mais prática dos Estudantes na realização das redações, as dificuldades diminuem.</a:t>
+            </a:r>
+          </a:p>
+        </p:txBody>
+      </p:sp>
+      <p:sp>
+        <p:nvSpPr>
+          <p:cNvPr id="4" name="Espaço Reservado para Número de Slide 3"/>
+          <p:cNvSpPr>
+            <a:spLocks noGrp="1"/>
+          </p:cNvSpPr>
+          <p:nvPr>
+            <p:ph type="sldNum" sz="quarter" idx="12"/>
+          </p:nvPr>
+        </p:nvSpPr>
+        <p:spPr/>
+        <p:txBody>
+          <a:bodyPr/>
+          <a:lstStyle/>
+          <a:p>
+            <a:fld id="{1BD48EA3-C02C-492B-BD6A-60F12EB1471E}" type="slidenum">
+              <a:rPr lang="pt-BR" sz="2800" smtClean="0">
+                <a:latin typeface="Arial" panose="020B0604020202020204" pitchFamily="34" charset="0"/>
+                <a:cs typeface="Arial" panose="020B0604020202020204" pitchFamily="34" charset="0"/>
+              </a:rPr>
+              <a:t>2</a:t>
+            </a:fld>
+            <a:endParaRPr lang="pt-BR" sz="2800" dirty="0">
+              <a:latin typeface="Arial" panose="020B0604020202020204" pitchFamily="34" charset="0"/>
+              <a:cs typeface="Arial" panose="020B0604020202020204" pitchFamily="34" charset="0"/>
+            </a:endParaRPr>
+          </a:p>
+        </p:txBody>
+      </p:sp>
+    </p:spTree>
+    <p:extLst>
+      <p:ext uri="{BB962C8B-B14F-4D97-AF65-F5344CB8AC3E}">
+        <p14:creationId xmlns:p14="http://schemas.microsoft.com/office/powerpoint/2010/main" val="1654649249"/>
+      </p:ext>
+    </p:extLst>
+  </p:cSld>
+  <p:clrMapOvr>
+    <a:masterClrMapping/>
+  </p:clrMapOvr>
+  <p:timing>
+    <p:tnLst>
+      <p:par>
+        <p:cTn id="1" dur="indefinite" restart="never" nodeType="tmRoot"/>
+      </p:par>
+    </p:tnLst>
+  </p:timing>
+</p:sld>
+</file>
+
+<file path=ppt/slides/slide3.xml><?xml version="1.0" encoding="utf-8"?>
+<p:sld xmlns:a="http://schemas.openxmlformats.org/drawingml/2006/main" xmlns:r="http://schemas.openxmlformats.org/officeDocument/2006/relationships" xmlns:p="http://schemas.openxmlformats.org/presentationml/2006/main">
+  <p:cSld>
+    <p:spTree>
+      <p:nvGrpSpPr>
+        <p:cNvPr id="1" name=""/>
+        <p:cNvGrpSpPr/>
+        <p:nvPr/>
+      </p:nvGrpSpPr>
+      <p:grpSpPr>
+        <a:xfrm>
+          <a:off x="0" y="0"/>
+          <a:ext cx="0" cy="0"/>
+          <a:chOff x="0" y="0"/>
+          <a:chExt cx="0" cy="0"/>
+        </a:xfrm>
+      </p:grpSpPr>
+      <p:sp>
+        <p:nvSpPr>
+          <p:cNvPr id="6" name="Retângulo de cantos arredondados 5"/>
+          <p:cNvSpPr/>
+          <p:nvPr/>
+        </p:nvSpPr>
+        <p:spPr>
+          <a:xfrm>
+            <a:off x="1143000" y="609601"/>
+            <a:ext cx="9892747" cy="1356360"/>
+          </a:xfrm>
+          <a:prstGeom prst="roundRect">
+            <a:avLst/>
+          </a:prstGeom>
+          <a:solidFill>
+            <a:schemeClr val="bg2"/>
+          </a:solidFill>
+          <a:ln w="28575">
+            <a:solidFill>
+              <a:schemeClr val="tx1"/>
+            </a:solidFill>
+          </a:ln>
+        </p:spPr>
+        <p:style>
+          <a:lnRef idx="2">
+            <a:schemeClr val="accent1">
+              <a:shade val="50000"/>
+            </a:schemeClr>
+          </a:lnRef>
+          <a:fillRef idx="1">
+            <a:schemeClr val="accent1"/>
+          </a:fillRef>
+          <a:effectRef idx="0">
+            <a:schemeClr val="accent1"/>
+          </a:effectRef>
+          <a:fontRef idx="minor">
+            <a:schemeClr val="lt1"/>
+          </a:fontRef>
+        </p:style>
+        <p:txBody>
+          <a:bodyPr rtlCol="0" anchor="ctr"/>
+          <a:lstStyle/>
+          <a:p>
+            <a:pPr algn="ctr"/>
+            <a:endParaRPr lang="pt-BR"/>
+          </a:p>
+        </p:txBody>
+      </p:sp>
+      <p:sp>
+        <p:nvSpPr>
+          <p:cNvPr id="2" name="Título 1"/>
+          <p:cNvSpPr>
+            <a:spLocks noGrp="1"/>
+          </p:cNvSpPr>
+          <p:nvPr>
+            <p:ph type="title"/>
+          </p:nvPr>
+        </p:nvSpPr>
+        <p:spPr/>
+        <p:txBody>
+          <a:bodyPr>
+            <a:noAutofit/>
+          </a:bodyPr>
+          <a:lstStyle/>
+          <a:p>
+            <a:pPr algn="ctr"/>
+            <a:r>
+              <a:rPr lang="pt-BR" sz="5400" dirty="0">
+                <a:latin typeface="Arial" panose="020B0604020202020204" pitchFamily="34" charset="0"/>
+                <a:cs typeface="Arial" panose="020B0604020202020204" pitchFamily="34" charset="0"/>
+              </a:rPr>
+              <a:t>Por que o nome </a:t>
+            </a:r>
+            <a:r>
+              <a:rPr lang="pt-BR" sz="5400" dirty="0" err="1">
+                <a:latin typeface="Arial" panose="020B0604020202020204" pitchFamily="34" charset="0"/>
+                <a:cs typeface="Arial" panose="020B0604020202020204" pitchFamily="34" charset="0"/>
+              </a:rPr>
+              <a:t>Wordin’On</a:t>
+            </a:r>
+            <a:r>
+              <a:rPr lang="pt-BR" sz="5400" dirty="0">
+                <a:latin typeface="Arial" panose="020B0604020202020204" pitchFamily="34" charset="0"/>
+                <a:cs typeface="Arial" panose="020B0604020202020204" pitchFamily="34" charset="0"/>
+              </a:rPr>
+              <a:t>?</a:t>
+            </a:r>
+          </a:p>
+        </p:txBody>
+      </p:sp>
+      <p:sp>
+        <p:nvSpPr>
+          <p:cNvPr id="3" name="Espaço Reservado para Conteúdo 2"/>
+          <p:cNvSpPr>
+            <a:spLocks noGrp="1"/>
+          </p:cNvSpPr>
+          <p:nvPr>
+            <p:ph idx="1"/>
+          </p:nvPr>
+        </p:nvSpPr>
+        <p:spPr>
+          <a:xfrm>
+            <a:off x="1143000" y="2413686"/>
+            <a:ext cx="9872871" cy="3682314"/>
+          </a:xfrm>
+        </p:spPr>
+        <p:txBody>
+          <a:bodyPr>
+            <a:normAutofit/>
+          </a:bodyPr>
+          <a:lstStyle/>
+          <a:p>
+            <a:r>
+              <a:rPr lang="pt-BR" sz="3200" dirty="0" err="1" smtClean="0">
+                <a:latin typeface="Arial" panose="020B0604020202020204" pitchFamily="34" charset="0"/>
+                <a:cs typeface="Arial" panose="020B0604020202020204" pitchFamily="34" charset="0"/>
+              </a:rPr>
+              <a:t>Wordin</a:t>
+            </a:r>
+            <a:r>
+              <a:rPr lang="pt-BR" sz="3200" dirty="0" smtClean="0">
+                <a:latin typeface="Arial" panose="020B0604020202020204" pitchFamily="34" charset="0"/>
+                <a:cs typeface="Arial" panose="020B0604020202020204" pitchFamily="34" charset="0"/>
+              </a:rPr>
+              <a:t> </a:t>
+            </a:r>
+            <a:r>
+              <a:rPr lang="pt-BR" sz="3200" dirty="0" smtClean="0">
+                <a:latin typeface="Arial" panose="020B0604020202020204" pitchFamily="34" charset="0"/>
+                <a:cs typeface="Arial" panose="020B0604020202020204" pitchFamily="34" charset="0"/>
+                <a:sym typeface="Wingdings" panose="05000000000000000000" pitchFamily="2" charset="2"/>
+              </a:rPr>
+              <a:t> Redação.</a:t>
+            </a:r>
+          </a:p>
+          <a:p>
+            <a:r>
+              <a:rPr lang="pt-BR" sz="3200" dirty="0" err="1" smtClean="0">
+                <a:latin typeface="Arial" panose="020B0604020202020204" pitchFamily="34" charset="0"/>
+                <a:cs typeface="Arial" panose="020B0604020202020204" pitchFamily="34" charset="0"/>
+                <a:sym typeface="Wingdings" panose="05000000000000000000" pitchFamily="2" charset="2"/>
+              </a:rPr>
+              <a:t>On</a:t>
+            </a:r>
+            <a:r>
+              <a:rPr lang="pt-BR" sz="3200" dirty="0" smtClean="0">
+                <a:latin typeface="Arial" panose="020B0604020202020204" pitchFamily="34" charset="0"/>
+                <a:cs typeface="Arial" panose="020B0604020202020204" pitchFamily="34" charset="0"/>
+                <a:sym typeface="Wingdings" panose="05000000000000000000" pitchFamily="2" charset="2"/>
+              </a:rPr>
+              <a:t>  Online.</a:t>
+            </a:r>
+          </a:p>
+          <a:p>
+            <a:r>
+              <a:rPr lang="pt-BR" sz="3200" dirty="0" smtClean="0">
+                <a:latin typeface="Arial" panose="020B0604020202020204" pitchFamily="34" charset="0"/>
+                <a:cs typeface="Arial" panose="020B0604020202020204" pitchFamily="34" charset="0"/>
+                <a:sym typeface="Wingdings" panose="05000000000000000000" pitchFamily="2" charset="2"/>
+              </a:rPr>
+              <a:t>Ou seja, o site tem a finalidade de possibilitar a realização da escrita de redações de forma online.</a:t>
+            </a:r>
+          </a:p>
+          <a:p>
+            <a:r>
+              <a:rPr lang="pt-BR" sz="3200" dirty="0" smtClean="0">
+                <a:latin typeface="Arial" panose="020B0604020202020204" pitchFamily="34" charset="0"/>
+                <a:cs typeface="Arial" panose="020B0604020202020204" pitchFamily="34" charset="0"/>
+                <a:sym typeface="Wingdings" panose="05000000000000000000" pitchFamily="2" charset="2"/>
+              </a:rPr>
+              <a:t>Essas redações serão no modelo do ENEM (dissertativas argumentativas).</a:t>
+            </a:r>
+          </a:p>
+        </p:txBody>
+      </p:sp>
+      <p:sp>
+        <p:nvSpPr>
+          <p:cNvPr id="4" name="Espaço Reservado para Número de Slide 3"/>
+          <p:cNvSpPr>
+            <a:spLocks noGrp="1"/>
+          </p:cNvSpPr>
+          <p:nvPr>
+            <p:ph type="sldNum" sz="quarter" idx="12"/>
+          </p:nvPr>
+        </p:nvSpPr>
+        <p:spPr/>
+        <p:txBody>
+          <a:bodyPr/>
+          <a:lstStyle/>
+          <a:p>
+            <a:fld id="{1BD48EA3-C02C-492B-BD6A-60F12EB1471E}" type="slidenum">
+              <a:rPr lang="pt-BR" sz="2800" smtClean="0">
+                <a:latin typeface="Arial" panose="020B0604020202020204" pitchFamily="34" charset="0"/>
+                <a:cs typeface="Arial" panose="020B0604020202020204" pitchFamily="34" charset="0"/>
+              </a:rPr>
+              <a:t>3</a:t>
+            </a:fld>
+            <a:endParaRPr lang="pt-BR" sz="2800" dirty="0">
+              <a:latin typeface="Arial" panose="020B0604020202020204" pitchFamily="34" charset="0"/>
+              <a:cs typeface="Arial" panose="020B0604020202020204" pitchFamily="34" charset="0"/>
+            </a:endParaRPr>
+          </a:p>
+        </p:txBody>
+      </p:sp>
+    </p:spTree>
+    <p:extLst>
+      <p:ext uri="{BB962C8B-B14F-4D97-AF65-F5344CB8AC3E}">
+        <p14:creationId xmlns:p14="http://schemas.microsoft.com/office/powerpoint/2010/main" val="1547414760"/>
+      </p:ext>
+    </p:extLst>
+  </p:cSld>
+  <p:clrMapOvr>
+    <a:masterClrMapping/>
+  </p:clrMapOvr>
+  <p:timing>
+    <p:tnLst>
+      <p:par>
+        <p:cTn id="1" dur="indefinite" restart="never" nodeType="tmRoot"/>
+      </p:par>
+    </p:tnLst>
+  </p:timing>
+</p:sld>
+</file>
+
+<file path=ppt/slides/slide4.xml><?xml version="1.0" encoding="utf-8"?>
+<p:sld xmlns:a="http://schemas.openxmlformats.org/drawingml/2006/main" xmlns:r="http://schemas.openxmlformats.org/officeDocument/2006/relationships" xmlns:p="http://schemas.openxmlformats.org/presentationml/2006/main">
+  <p:cSld>
+    <p:spTree>
+      <p:nvGrpSpPr>
+        <p:cNvPr id="1" name=""/>
+        <p:cNvGrpSpPr/>
+        <p:nvPr/>
+      </p:nvGrpSpPr>
+      <p:grpSpPr>
+        <a:xfrm>
+          <a:off x="0" y="0"/>
+          <a:ext cx="0" cy="0"/>
+          <a:chOff x="0" y="0"/>
+          <a:chExt cx="0" cy="0"/>
+        </a:xfrm>
+      </p:grpSpPr>
+      <p:sp>
+        <p:nvSpPr>
+          <p:cNvPr id="5" name="Retângulo de cantos arredondados 4"/>
+          <p:cNvSpPr/>
+          <p:nvPr/>
+        </p:nvSpPr>
+        <p:spPr>
+          <a:xfrm>
+            <a:off x="1143000" y="609600"/>
+            <a:ext cx="9892747" cy="1356360"/>
+          </a:xfrm>
+          <a:prstGeom prst="roundRect">
+            <a:avLst/>
+          </a:prstGeom>
+          <a:solidFill>
+            <a:schemeClr val="bg2"/>
+          </a:solidFill>
+          <a:ln w="28575">
+            <a:solidFill>
+              <a:schemeClr val="tx1"/>
+            </a:solidFill>
+          </a:ln>
+        </p:spPr>
+        <p:style>
+          <a:lnRef idx="2">
+            <a:schemeClr val="accent1">
+              <a:shade val="50000"/>
+            </a:schemeClr>
+          </a:lnRef>
+          <a:fillRef idx="1">
+            <a:schemeClr val="accent1"/>
+          </a:fillRef>
+          <a:effectRef idx="0">
+            <a:schemeClr val="accent1"/>
+          </a:effectRef>
+          <a:fontRef idx="minor">
+            <a:schemeClr val="lt1"/>
+          </a:fontRef>
+        </p:style>
+        <p:txBody>
+          <a:bodyPr rtlCol="0" anchor="ctr"/>
+          <a:lstStyle/>
+          <a:p>
+            <a:pPr algn="ctr"/>
+            <a:endParaRPr lang="pt-BR"/>
+          </a:p>
+        </p:txBody>
+      </p:sp>
+      <p:sp>
+        <p:nvSpPr>
+          <p:cNvPr id="2" name="Título 1"/>
+          <p:cNvSpPr>
+            <a:spLocks noGrp="1"/>
+          </p:cNvSpPr>
+          <p:nvPr>
+            <p:ph type="title"/>
+          </p:nvPr>
+        </p:nvSpPr>
+        <p:spPr/>
+        <p:txBody>
+          <a:bodyPr>
+            <a:normAutofit/>
+          </a:bodyPr>
+          <a:lstStyle/>
+          <a:p>
+            <a:pPr algn="ctr"/>
+            <a:r>
+              <a:rPr lang="pt-BR" sz="5400" dirty="0">
+                <a:latin typeface="Arial" panose="020B0604020202020204" pitchFamily="34" charset="0"/>
+                <a:cs typeface="Arial" panose="020B0604020202020204" pitchFamily="34" charset="0"/>
+              </a:rPr>
+              <a:t>Funcionalidades do site</a:t>
+            </a:r>
+          </a:p>
+        </p:txBody>
+      </p:sp>
+      <p:sp>
+        <p:nvSpPr>
+          <p:cNvPr id="4" name="Espaço Reservado para Número de Slide 3"/>
+          <p:cNvSpPr>
+            <a:spLocks noGrp="1"/>
+          </p:cNvSpPr>
+          <p:nvPr>
+            <p:ph type="sldNum" sz="quarter" idx="12"/>
+          </p:nvPr>
+        </p:nvSpPr>
+        <p:spPr/>
+        <p:txBody>
+          <a:bodyPr/>
+          <a:lstStyle/>
+          <a:p>
+            <a:fld id="{1BD48EA3-C02C-492B-BD6A-60F12EB1471E}" type="slidenum">
+              <a:rPr lang="pt-BR" sz="2800" smtClean="0">
+                <a:latin typeface="Arial" panose="020B0604020202020204" pitchFamily="34" charset="0"/>
+                <a:cs typeface="Arial" panose="020B0604020202020204" pitchFamily="34" charset="0"/>
+              </a:rPr>
+              <a:t>4</a:t>
+            </a:fld>
+            <a:endParaRPr lang="pt-BR" sz="2800" dirty="0">
+              <a:latin typeface="Arial" panose="020B0604020202020204" pitchFamily="34" charset="0"/>
+              <a:cs typeface="Arial" panose="020B0604020202020204" pitchFamily="34" charset="0"/>
+            </a:endParaRPr>
+          </a:p>
+        </p:txBody>
+      </p:sp>
+      <p:pic>
+        <p:nvPicPr>
+          <p:cNvPr id="7" name="Imagem 6"/>
+          <p:cNvPicPr/>
+          <p:nvPr/>
+        </p:nvPicPr>
+        <p:blipFill rotWithShape="1">
+          <a:blip r:embed="rId2"/>
+          <a:srcRect l="27615" t="24108" r="40470" b="32380"/>
+          <a:stretch/>
+        </p:blipFill>
+        <p:spPr bwMode="auto">
+          <a:xfrm>
+            <a:off x="2843954" y="2142309"/>
+            <a:ext cx="6473611" cy="4323805"/>
+          </a:xfrm>
+          <a:prstGeom prst="rect">
+            <a:avLst/>
+          </a:prstGeom>
+          <a:ln w="28575">
+            <a:solidFill>
+              <a:schemeClr val="tx1"/>
+            </a:solidFill>
+          </a:ln>
+          <a:effectLst/>
+          <a:extLst>
+            <a:ext uri="{53640926-AAD7-44D8-BBD7-CCE9431645EC}">
+              <a14:shadowObscured xmlns:a14="http://schemas.microsoft.com/office/drawing/2010/main"/>
+            </a:ext>
+          </a:extLst>
+        </p:spPr>
+      </p:pic>
+    </p:spTree>
+    <p:extLst>
+      <p:ext uri="{BB962C8B-B14F-4D97-AF65-F5344CB8AC3E}">
+        <p14:creationId xmlns:p14="http://schemas.microsoft.com/office/powerpoint/2010/main" val="3753599207"/>
+      </p:ext>
+    </p:extLst>
+  </p:cSld>
+  <p:clrMapOvr>
+    <a:masterClrMapping/>
+  </p:clrMapOvr>
+  <p:timing>
+    <p:tnLst>
+      <p:par>
+        <p:cTn id="1" dur="indefinite" restart="never" nodeType="tmRoot"/>
+      </p:par>
+    </p:tnLst>
+  </p:timing>
+</p:sld>
+</file>
+
+<file path=ppt/slides/slide5.xml><?xml version="1.0" encoding="utf-8"?>
+<p:sld xmlns:a="http://schemas.openxmlformats.org/drawingml/2006/main" xmlns:r="http://schemas.openxmlformats.org/officeDocument/2006/relationships" xmlns:p="http://schemas.openxmlformats.org/presentationml/2006/main">
+  <p:cSld>
+    <p:spTree>
+      <p:nvGrpSpPr>
+        <p:cNvPr id="1" name=""/>
+        <p:cNvGrpSpPr/>
+        <p:nvPr/>
+      </p:nvGrpSpPr>
+      <p:grpSpPr>
+        <a:xfrm>
+          <a:off x="0" y="0"/>
+          <a:ext cx="0" cy="0"/>
+          <a:chOff x="0" y="0"/>
+          <a:chExt cx="0" cy="0"/>
+        </a:xfrm>
+      </p:grpSpPr>
+      <p:sp>
+        <p:nvSpPr>
+          <p:cNvPr id="6" name="Retângulo de cantos arredondados 5"/>
+          <p:cNvSpPr/>
+          <p:nvPr/>
+        </p:nvSpPr>
+        <p:spPr>
+          <a:xfrm>
+            <a:off x="1143000" y="609601"/>
+            <a:ext cx="9892747" cy="1356360"/>
+          </a:xfrm>
+          <a:prstGeom prst="roundRect">
+            <a:avLst/>
+          </a:prstGeom>
+          <a:solidFill>
+            <a:schemeClr val="bg2"/>
+          </a:solidFill>
+          <a:ln w="28575">
+            <a:solidFill>
+              <a:schemeClr val="tx1"/>
+            </a:solidFill>
+          </a:ln>
+        </p:spPr>
+        <p:style>
+          <a:lnRef idx="2">
+            <a:schemeClr val="accent1">
+              <a:shade val="50000"/>
+            </a:schemeClr>
+          </a:lnRef>
+          <a:fillRef idx="1">
+            <a:schemeClr val="accent1"/>
+          </a:fillRef>
+          <a:effectRef idx="0">
+            <a:schemeClr val="accent1"/>
+          </a:effectRef>
+          <a:fontRef idx="minor">
+            <a:schemeClr val="lt1"/>
+          </a:fontRef>
+        </p:style>
+        <p:txBody>
+          <a:bodyPr rtlCol="0" anchor="ctr"/>
+          <a:lstStyle/>
+          <a:p>
+            <a:pPr algn="ctr"/>
+            <a:endParaRPr lang="pt-BR"/>
+          </a:p>
+        </p:txBody>
+      </p:sp>
+      <p:sp>
+        <p:nvSpPr>
+          <p:cNvPr id="2" name="Título 1"/>
+          <p:cNvSpPr>
+            <a:spLocks noGrp="1"/>
+          </p:cNvSpPr>
+          <p:nvPr>
+            <p:ph type="title"/>
+          </p:nvPr>
+        </p:nvSpPr>
+        <p:spPr/>
+        <p:txBody>
+          <a:bodyPr>
+            <a:noAutofit/>
+          </a:bodyPr>
+          <a:lstStyle/>
+          <a:p>
+            <a:pPr algn="ctr"/>
+            <a:r>
+              <a:rPr lang="pt-BR" sz="5400" dirty="0">
+                <a:latin typeface="Arial" panose="020B0604020202020204" pitchFamily="34" charset="0"/>
+                <a:cs typeface="Arial" panose="020B0604020202020204" pitchFamily="34" charset="0"/>
+              </a:rPr>
+              <a:t>Principais requisitos funcionais</a:t>
+            </a:r>
+          </a:p>
+        </p:txBody>
+      </p:sp>
+      <p:sp>
+        <p:nvSpPr>
+          <p:cNvPr id="4" name="Espaço Reservado para Número de Slide 3"/>
+          <p:cNvSpPr>
+            <a:spLocks noGrp="1"/>
+          </p:cNvSpPr>
+          <p:nvPr>
+            <p:ph type="sldNum" sz="quarter" idx="12"/>
+          </p:nvPr>
+        </p:nvSpPr>
+        <p:spPr/>
+        <p:txBody>
+          <a:bodyPr/>
+          <a:lstStyle/>
+          <a:p>
+            <a:fld id="{1BD48EA3-C02C-492B-BD6A-60F12EB1471E}" type="slidenum">
+              <a:rPr lang="pt-BR" sz="2800" smtClean="0">
+                <a:latin typeface="Arial" panose="020B0604020202020204" pitchFamily="34" charset="0"/>
+                <a:cs typeface="Arial" panose="020B0604020202020204" pitchFamily="34" charset="0"/>
+              </a:rPr>
+              <a:t>5</a:t>
+            </a:fld>
+            <a:endParaRPr lang="pt-BR" sz="2800" dirty="0">
+              <a:latin typeface="Arial" panose="020B0604020202020204" pitchFamily="34" charset="0"/>
+              <a:cs typeface="Arial" panose="020B0604020202020204" pitchFamily="34" charset="0"/>
+            </a:endParaRPr>
+          </a:p>
+        </p:txBody>
+      </p:sp>
+      <p:pic>
+        <p:nvPicPr>
+          <p:cNvPr id="8" name="Imagem 7"/>
+          <p:cNvPicPr>
+            <a:picLocks noChangeAspect="1"/>
+          </p:cNvPicPr>
+          <p:nvPr/>
+        </p:nvPicPr>
+        <p:blipFill rotWithShape="1">
+          <a:blip r:embed="rId3"/>
+          <a:srcRect l="41308" t="18407" r="27189" b="48430"/>
+          <a:stretch/>
+        </p:blipFill>
+        <p:spPr>
+          <a:xfrm>
+            <a:off x="2489373" y="2142861"/>
+            <a:ext cx="7200000" cy="4263529"/>
+          </a:xfrm>
+          <a:prstGeom prst="rect">
+            <a:avLst/>
+          </a:prstGeom>
+          <a:ln w="28575">
+            <a:solidFill>
+              <a:schemeClr val="tx1"/>
+            </a:solidFill>
+          </a:ln>
+        </p:spPr>
+      </p:pic>
+    </p:spTree>
+    <p:extLst>
+      <p:ext uri="{BB962C8B-B14F-4D97-AF65-F5344CB8AC3E}">
+        <p14:creationId xmlns:p14="http://schemas.microsoft.com/office/powerpoint/2010/main" val="3596411727"/>
+      </p:ext>
+    </p:extLst>
+  </p:cSld>
+  <p:clrMapOvr>
+    <a:masterClrMapping/>
+  </p:clrMapOvr>
+  <p:timing>
+    <p:tnLst>
+      <p:par>
+        <p:cTn id="1" dur="indefinite" restart="never" nodeType="tmRoot"/>
+      </p:par>
+    </p:tnLst>
+  </p:timing>
+</p:sld>
+</file>
+
+<file path=ppt/slides/slide6.xml><?xml version="1.0" encoding="utf-8"?>
+<p:sld xmlns:a="http://schemas.openxmlformats.org/drawingml/2006/main" xmlns:r="http://schemas.openxmlformats.org/officeDocument/2006/relationships" xmlns:p="http://schemas.openxmlformats.org/presentationml/2006/main">
+  <p:cSld>
+    <p:spTree>
+      <p:nvGrpSpPr>
+        <p:cNvPr id="1" name=""/>
+        <p:cNvGrpSpPr/>
+        <p:nvPr/>
+      </p:nvGrpSpPr>
+      <p:grpSpPr>
+        <a:xfrm>
+          <a:off x="0" y="0"/>
+          <a:ext cx="0" cy="0"/>
+          <a:chOff x="0" y="0"/>
+          <a:chExt cx="0" cy="0"/>
+        </a:xfrm>
+      </p:grpSpPr>
+      <p:sp>
+        <p:nvSpPr>
+          <p:cNvPr id="6" name="Retângulo de cantos arredondados 5"/>
+          <p:cNvSpPr/>
+          <p:nvPr/>
+        </p:nvSpPr>
+        <p:spPr>
+          <a:xfrm>
+            <a:off x="1143000" y="609601"/>
+            <a:ext cx="9892747" cy="1356360"/>
+          </a:xfrm>
+          <a:prstGeom prst="roundRect">
+            <a:avLst/>
+          </a:prstGeom>
+          <a:solidFill>
+            <a:schemeClr val="bg2"/>
+          </a:solidFill>
+          <a:ln w="28575">
+            <a:solidFill>
+              <a:schemeClr val="tx1"/>
+            </a:solidFill>
+          </a:ln>
+        </p:spPr>
+        <p:style>
+          <a:lnRef idx="2">
+            <a:schemeClr val="accent1">
+              <a:shade val="50000"/>
+            </a:schemeClr>
+          </a:lnRef>
+          <a:fillRef idx="1">
+            <a:schemeClr val="accent1"/>
+          </a:fillRef>
+          <a:effectRef idx="0">
+            <a:schemeClr val="accent1"/>
+          </a:effectRef>
+          <a:fontRef idx="minor">
+            <a:schemeClr val="lt1"/>
+          </a:fontRef>
+        </p:style>
+        <p:txBody>
+          <a:bodyPr rtlCol="0" anchor="ctr"/>
+          <a:lstStyle/>
+          <a:p>
+            <a:pPr algn="ctr"/>
+            <a:endParaRPr lang="pt-BR"/>
+          </a:p>
+        </p:txBody>
+      </p:sp>
+      <p:sp>
+        <p:nvSpPr>
+          <p:cNvPr id="2" name="Título 1"/>
+          <p:cNvSpPr>
+            <a:spLocks noGrp="1"/>
+          </p:cNvSpPr>
+          <p:nvPr>
+            <p:ph type="title"/>
+          </p:nvPr>
+        </p:nvSpPr>
+        <p:spPr/>
+        <p:txBody>
+          <a:bodyPr>
+            <a:noAutofit/>
+          </a:bodyPr>
+          <a:lstStyle/>
+          <a:p>
+            <a:pPr algn="ctr"/>
+            <a:r>
+              <a:rPr lang="pt-BR" sz="5400" dirty="0">
+                <a:latin typeface="Arial" panose="020B0604020202020204" pitchFamily="34" charset="0"/>
+                <a:cs typeface="Arial" panose="020B0604020202020204" pitchFamily="34" charset="0"/>
+              </a:rPr>
+              <a:t>Principais requisitos funcionais</a:t>
+            </a:r>
+          </a:p>
+        </p:txBody>
+      </p:sp>
+      <p:sp>
+        <p:nvSpPr>
+          <p:cNvPr id="4" name="Espaço Reservado para Número de Slide 3"/>
+          <p:cNvSpPr>
+            <a:spLocks noGrp="1"/>
+          </p:cNvSpPr>
+          <p:nvPr>
+            <p:ph type="sldNum" sz="quarter" idx="12"/>
+          </p:nvPr>
+        </p:nvSpPr>
+        <p:spPr/>
+        <p:txBody>
+          <a:bodyPr/>
+          <a:lstStyle/>
+          <a:p>
+            <a:fld id="{1BD48EA3-C02C-492B-BD6A-60F12EB1471E}" type="slidenum">
+              <a:rPr lang="pt-BR" sz="2800" smtClean="0">
+                <a:latin typeface="Arial" panose="020B0604020202020204" pitchFamily="34" charset="0"/>
+                <a:cs typeface="Arial" panose="020B0604020202020204" pitchFamily="34" charset="0"/>
+              </a:rPr>
+              <a:t>6</a:t>
+            </a:fld>
+            <a:endParaRPr lang="pt-BR" sz="2800" dirty="0">
+              <a:latin typeface="Arial" panose="020B0604020202020204" pitchFamily="34" charset="0"/>
+              <a:cs typeface="Arial" panose="020B0604020202020204" pitchFamily="34" charset="0"/>
+            </a:endParaRPr>
+          </a:p>
+        </p:txBody>
+      </p:sp>
+      <p:pic>
+        <p:nvPicPr>
+          <p:cNvPr id="3" name="Imagem 2"/>
+          <p:cNvPicPr>
+            <a:picLocks noChangeAspect="1"/>
+          </p:cNvPicPr>
+          <p:nvPr/>
+        </p:nvPicPr>
+        <p:blipFill>
+          <a:blip r:embed="rId3"/>
+          <a:stretch>
+            <a:fillRect/>
+          </a:stretch>
+        </p:blipFill>
+        <p:spPr>
+          <a:xfrm>
+            <a:off x="1711190" y="2152293"/>
+            <a:ext cx="8756365" cy="4320000"/>
+          </a:xfrm>
+          <a:prstGeom prst="rect">
+            <a:avLst/>
+          </a:prstGeom>
+          <a:ln w="28575">
+            <a:solidFill>
+              <a:schemeClr val="tx1"/>
+            </a:solidFill>
+          </a:ln>
+        </p:spPr>
+      </p:pic>
+    </p:spTree>
+    <p:extLst>
+      <p:ext uri="{BB962C8B-B14F-4D97-AF65-F5344CB8AC3E}">
+        <p14:creationId xmlns:p14="http://schemas.microsoft.com/office/powerpoint/2010/main" val="691192622"/>
+      </p:ext>
+    </p:extLst>
+  </p:cSld>
+  <p:clrMapOvr>
+    <a:masterClrMapping/>
+  </p:clrMapOvr>
+  <p:timing>
+    <p:tnLst>
+      <p:par>
+        <p:cTn id="1" dur="indefinite" restart="never" nodeType="tmRoot"/>
+      </p:par>
+    </p:tnLst>
+  </p:timing>
+</p:sld>
+</file>
+
+<file path=ppt/slides/slide7.xml><?xml version="1.0" encoding="utf-8"?>
+<p:sld xmlns:a="http://schemas.openxmlformats.org/drawingml/2006/main" xmlns:r="http://schemas.openxmlformats.org/officeDocument/2006/relationships" xmlns:p="http://schemas.openxmlformats.org/presentationml/2006/main">
+  <p:cSld>
+    <p:spTree>
+      <p:nvGrpSpPr>
+        <p:cNvPr id="1" name=""/>
+        <p:cNvGrpSpPr/>
+        <p:nvPr/>
+      </p:nvGrpSpPr>
+      <p:grpSpPr>
+        <a:xfrm>
+          <a:off x="0" y="0"/>
+          <a:ext cx="0" cy="0"/>
+          <a:chOff x="0" y="0"/>
+          <a:chExt cx="0" cy="0"/>
+        </a:xfrm>
+      </p:grpSpPr>
+      <p:sp>
+        <p:nvSpPr>
+          <p:cNvPr id="6" name="Retângulo de cantos arredondados 5"/>
+          <p:cNvSpPr/>
+          <p:nvPr/>
+        </p:nvSpPr>
+        <p:spPr>
+          <a:xfrm>
+            <a:off x="1143000" y="609601"/>
+            <a:ext cx="9892747" cy="1356360"/>
+          </a:xfrm>
+          <a:prstGeom prst="roundRect">
+            <a:avLst/>
+          </a:prstGeom>
+          <a:solidFill>
+            <a:schemeClr val="bg2"/>
+          </a:solidFill>
+          <a:ln w="28575">
+            <a:solidFill>
+              <a:schemeClr val="tx1"/>
+            </a:solidFill>
+          </a:ln>
+        </p:spPr>
+        <p:style>
+          <a:lnRef idx="2">
+            <a:schemeClr val="accent1">
+              <a:shade val="50000"/>
+            </a:schemeClr>
+          </a:lnRef>
+          <a:fillRef idx="1">
+            <a:schemeClr val="accent1"/>
+          </a:fillRef>
+          <a:effectRef idx="0">
+            <a:schemeClr val="accent1"/>
+          </a:effectRef>
+          <a:fontRef idx="minor">
+            <a:schemeClr val="lt1"/>
+          </a:fontRef>
+        </p:style>
+        <p:txBody>
+          <a:bodyPr rtlCol="0" anchor="ctr"/>
+          <a:lstStyle/>
+          <a:p>
+            <a:pPr algn="ctr"/>
+            <a:endParaRPr lang="pt-BR"/>
+          </a:p>
+        </p:txBody>
+      </p:sp>
+      <p:sp>
+        <p:nvSpPr>
+          <p:cNvPr id="2" name="Título 1"/>
+          <p:cNvSpPr>
+            <a:spLocks noGrp="1"/>
+          </p:cNvSpPr>
+          <p:nvPr>
+            <p:ph type="title"/>
+          </p:nvPr>
+        </p:nvSpPr>
+        <p:spPr/>
+        <p:txBody>
+          <a:bodyPr>
+            <a:noAutofit/>
+          </a:bodyPr>
+          <a:lstStyle/>
+          <a:p>
+            <a:pPr algn="ctr"/>
+            <a:r>
+              <a:rPr lang="pt-BR" sz="5400" dirty="0">
+                <a:latin typeface="Arial" panose="020B0604020202020204" pitchFamily="34" charset="0"/>
+                <a:cs typeface="Arial" panose="020B0604020202020204" pitchFamily="34" charset="0"/>
+              </a:rPr>
+              <a:t>Principais requisitos funcionais</a:t>
+            </a:r>
+          </a:p>
+        </p:txBody>
+      </p:sp>
+      <p:sp>
+        <p:nvSpPr>
+          <p:cNvPr id="4" name="Espaço Reservado para Número de Slide 3"/>
+          <p:cNvSpPr>
+            <a:spLocks noGrp="1"/>
+          </p:cNvSpPr>
+          <p:nvPr>
+            <p:ph type="sldNum" sz="quarter" idx="12"/>
+          </p:nvPr>
+        </p:nvSpPr>
+        <p:spPr/>
+        <p:txBody>
+          <a:bodyPr/>
+          <a:lstStyle/>
+          <a:p>
+            <a:fld id="{1BD48EA3-C02C-492B-BD6A-60F12EB1471E}" type="slidenum">
+              <a:rPr lang="pt-BR" sz="2800" smtClean="0">
+                <a:latin typeface="Arial" panose="020B0604020202020204" pitchFamily="34" charset="0"/>
+                <a:cs typeface="Arial" panose="020B0604020202020204" pitchFamily="34" charset="0"/>
+              </a:rPr>
+              <a:t>7</a:t>
+            </a:fld>
+            <a:endParaRPr lang="pt-BR" sz="2800" dirty="0">
+              <a:latin typeface="Arial" panose="020B0604020202020204" pitchFamily="34" charset="0"/>
+              <a:cs typeface="Arial" panose="020B0604020202020204" pitchFamily="34" charset="0"/>
+            </a:endParaRPr>
+          </a:p>
+        </p:txBody>
+      </p:sp>
+      <p:pic>
+        <p:nvPicPr>
+          <p:cNvPr id="5" name="Imagem 4"/>
+          <p:cNvPicPr>
+            <a:picLocks noChangeAspect="1"/>
+          </p:cNvPicPr>
+          <p:nvPr/>
+        </p:nvPicPr>
+        <p:blipFill>
+          <a:blip r:embed="rId3"/>
+          <a:stretch>
+            <a:fillRect/>
+          </a:stretch>
+        </p:blipFill>
+        <p:spPr>
+          <a:xfrm>
+            <a:off x="2147534" y="2184399"/>
+            <a:ext cx="7888810" cy="4229463"/>
+          </a:xfrm>
+          <a:prstGeom prst="rect">
+            <a:avLst/>
+          </a:prstGeom>
+          <a:ln w="28575">
+            <a:solidFill>
+              <a:schemeClr val="tx1"/>
+            </a:solidFill>
+          </a:ln>
+        </p:spPr>
+      </p:pic>
+    </p:spTree>
+    <p:extLst>
+      <p:ext uri="{BB962C8B-B14F-4D97-AF65-F5344CB8AC3E}">
+        <p14:creationId xmlns:p14="http://schemas.microsoft.com/office/powerpoint/2010/main" val="1461318707"/>
+      </p:ext>
+    </p:extLst>
+  </p:cSld>
+  <p:clrMapOvr>
+    <a:masterClrMapping/>
+  </p:clrMapOvr>
+  <p:timing>
+    <p:tnLst>
+      <p:par>
+        <p:cTn id="1" dur="indefinite" restart="never" nodeType="tmRoot"/>
+      </p:par>
+    </p:tnLst>
+  </p:timing>
+</p:sld>
+</file>
+
+<file path=ppt/slides/slide8.xml><?xml version="1.0" encoding="utf-8"?>
+<p:sld xmlns:a="http://schemas.openxmlformats.org/drawingml/2006/main" xmlns:r="http://schemas.openxmlformats.org/officeDocument/2006/relationships" xmlns:p="http://schemas.openxmlformats.org/presentationml/2006/main">
+  <p:cSld>
+    <p:spTree>
+      <p:nvGrpSpPr>
+        <p:cNvPr id="1" name=""/>
+        <p:cNvGrpSpPr/>
+        <p:nvPr/>
+      </p:nvGrpSpPr>
+      <p:grpSpPr>
+        <a:xfrm>
+          <a:off x="0" y="0"/>
+          <a:ext cx="0" cy="0"/>
+          <a:chOff x="0" y="0"/>
+          <a:chExt cx="0" cy="0"/>
+        </a:xfrm>
+      </p:grpSpPr>
+      <p:sp>
+        <p:nvSpPr>
+          <p:cNvPr id="6" name="Retângulo de cantos arredondados 5"/>
+          <p:cNvSpPr/>
+          <p:nvPr/>
+        </p:nvSpPr>
+        <p:spPr>
+          <a:xfrm>
+            <a:off x="1143000" y="431074"/>
+            <a:ext cx="9892747" cy="1685109"/>
+          </a:xfrm>
+          <a:prstGeom prst="roundRect">
+            <a:avLst/>
+          </a:prstGeom>
+          <a:solidFill>
+            <a:schemeClr val="bg2"/>
+          </a:solidFill>
+          <a:ln w="28575">
+            <a:solidFill>
+              <a:schemeClr val="tx1"/>
+            </a:solidFill>
+          </a:ln>
+        </p:spPr>
+        <p:style>
+          <a:lnRef idx="2">
+            <a:schemeClr val="accent1">
+              <a:shade val="50000"/>
+            </a:schemeClr>
+          </a:lnRef>
+          <a:fillRef idx="1">
+            <a:schemeClr val="accent1"/>
+          </a:fillRef>
+          <a:effectRef idx="0">
+            <a:schemeClr val="accent1"/>
+          </a:effectRef>
+          <a:fontRef idx="minor">
+            <a:schemeClr val="lt1"/>
+          </a:fontRef>
+        </p:style>
+        <p:txBody>
+          <a:bodyPr rtlCol="0" anchor="ctr"/>
+          <a:lstStyle/>
+          <a:p>
+            <a:pPr algn="ctr"/>
+            <a:endParaRPr lang="pt-BR"/>
+          </a:p>
+        </p:txBody>
+      </p:sp>
+      <p:sp>
+        <p:nvSpPr>
+          <p:cNvPr id="2" name="Título 1"/>
+          <p:cNvSpPr>
+            <a:spLocks noGrp="1"/>
+          </p:cNvSpPr>
+          <p:nvPr>
+            <p:ph type="title"/>
+          </p:nvPr>
+        </p:nvSpPr>
+        <p:spPr/>
+        <p:txBody>
+          <a:bodyPr>
+            <a:noAutofit/>
+          </a:bodyPr>
+          <a:lstStyle/>
+          <a:p>
+            <a:pPr algn="ctr"/>
+            <a:r>
+              <a:rPr lang="pt-BR" sz="5400" dirty="0">
+                <a:latin typeface="Arial" panose="020B0604020202020204" pitchFamily="34" charset="0"/>
+                <a:cs typeface="Arial" panose="020B0604020202020204" pitchFamily="34" charset="0"/>
+              </a:rPr>
+              <a:t>Principais requisitos não funcionais</a:t>
+            </a:r>
+          </a:p>
+        </p:txBody>
+      </p:sp>
+      <p:sp>
+        <p:nvSpPr>
+          <p:cNvPr id="4" name="Espaço Reservado para Número de Slide 3"/>
+          <p:cNvSpPr>
+            <a:spLocks noGrp="1"/>
+          </p:cNvSpPr>
+          <p:nvPr>
+            <p:ph type="sldNum" sz="quarter" idx="12"/>
+          </p:nvPr>
+        </p:nvSpPr>
+        <p:spPr/>
+        <p:txBody>
+          <a:bodyPr/>
+          <a:lstStyle/>
+          <a:p>
+            <a:fld id="{1BD48EA3-C02C-492B-BD6A-60F12EB1471E}" type="slidenum">
+              <a:rPr lang="pt-BR" sz="2800" smtClean="0">
+                <a:latin typeface="Arial" panose="020B0604020202020204" pitchFamily="34" charset="0"/>
+                <a:cs typeface="Arial" panose="020B0604020202020204" pitchFamily="34" charset="0"/>
+              </a:rPr>
+              <a:t>8</a:t>
+            </a:fld>
+            <a:endParaRPr lang="pt-BR" sz="2800" dirty="0">
+              <a:latin typeface="Arial" panose="020B0604020202020204" pitchFamily="34" charset="0"/>
+              <a:cs typeface="Arial" panose="020B0604020202020204" pitchFamily="34" charset="0"/>
+            </a:endParaRPr>
+          </a:p>
+        </p:txBody>
+      </p:sp>
+      <p:pic>
+        <p:nvPicPr>
+          <p:cNvPr id="5" name="Imagem 4"/>
+          <p:cNvPicPr>
+            <a:picLocks noChangeAspect="1"/>
+          </p:cNvPicPr>
+          <p:nvPr/>
+        </p:nvPicPr>
+        <p:blipFill>
+          <a:blip r:embed="rId3"/>
+          <a:stretch>
+            <a:fillRect/>
+          </a:stretch>
+        </p:blipFill>
+        <p:spPr>
+          <a:xfrm>
+            <a:off x="1999055" y="2386206"/>
+            <a:ext cx="8189459" cy="4053782"/>
+          </a:xfrm>
+          <a:prstGeom prst="rect">
+            <a:avLst/>
+          </a:prstGeom>
+          <a:ln w="28575">
+            <a:solidFill>
+              <a:schemeClr val="tx1"/>
+            </a:solidFill>
+          </a:ln>
+        </p:spPr>
+      </p:pic>
+    </p:spTree>
+    <p:extLst>
+      <p:ext uri="{BB962C8B-B14F-4D97-AF65-F5344CB8AC3E}">
+        <p14:creationId xmlns:p14="http://schemas.microsoft.com/office/powerpoint/2010/main" val="2990655424"/>
+      </p:ext>
+    </p:extLst>
+  </p:cSld>
+  <p:clrMapOvr>
+    <a:masterClrMapping/>
+  </p:clrMapOvr>
+  <p:timing>
+    <p:tnLst>
+      <p:par>
+        <p:cTn id="1" dur="indefinite" restart="never" nodeType="tmRoot"/>
+      </p:par>
+    </p:tnLst>
+  </p:timing>
+</p:sld>
+</file>
+
+<file path=ppt/slides/slide9.xml><?xml version="1.0" encoding="utf-8"?>
+<p:sld xmlns:a="http://schemas.openxmlformats.org/drawingml/2006/main" xmlns:r="http://schemas.openxmlformats.org/officeDocument/2006/relationships" xmlns:p="http://schemas.openxmlformats.org/presentationml/2006/main">
+  <p:cSld>
+    <p:spTree>
+      <p:nvGrpSpPr>
+        <p:cNvPr id="1" name=""/>
+        <p:cNvGrpSpPr/>
+        <p:nvPr/>
+      </p:nvGrpSpPr>
+      <p:grpSpPr>
+        <a:xfrm>
+          <a:off x="0" y="0"/>
+          <a:ext cx="0" cy="0"/>
+          <a:chOff x="0" y="0"/>
+          <a:chExt cx="0" cy="0"/>
+        </a:xfrm>
+      </p:grpSpPr>
+      <p:sp>
+        <p:nvSpPr>
+          <p:cNvPr id="6" name="Retângulo de cantos arredondados 5"/>
+          <p:cNvSpPr/>
+          <p:nvPr/>
+        </p:nvSpPr>
+        <p:spPr>
+          <a:xfrm>
+            <a:off x="1143000" y="431074"/>
+            <a:ext cx="9892747" cy="1685109"/>
+          </a:xfrm>
+          <a:prstGeom prst="roundRect">
+            <a:avLst/>
+          </a:prstGeom>
+          <a:solidFill>
+            <a:schemeClr val="bg2"/>
+          </a:solidFill>
+          <a:ln w="28575">
+            <a:solidFill>
+              <a:schemeClr val="tx1"/>
+            </a:solidFill>
+          </a:ln>
+        </p:spPr>
+        <p:style>
+          <a:lnRef idx="2">
+            <a:schemeClr val="accent1">
+              <a:shade val="50000"/>
+            </a:schemeClr>
+          </a:lnRef>
+          <a:fillRef idx="1">
+            <a:schemeClr val="accent1"/>
+          </a:fillRef>
+          <a:effectRef idx="0">
+            <a:schemeClr val="accent1"/>
+          </a:effectRef>
+          <a:fontRef idx="minor">
+            <a:schemeClr val="lt1"/>
+          </a:fontRef>
+        </p:style>
+        <p:txBody>
+          <a:bodyPr rtlCol="0" anchor="ctr"/>
+          <a:lstStyle/>
+          <a:p>
+            <a:pPr algn="ctr"/>
+            <a:endParaRPr lang="pt-BR"/>
+          </a:p>
+        </p:txBody>
+      </p:sp>
+      <p:sp>
+        <p:nvSpPr>
+          <p:cNvPr id="2" name="Título 1"/>
+          <p:cNvSpPr>
+            <a:spLocks noGrp="1"/>
+          </p:cNvSpPr>
+          <p:nvPr>
+            <p:ph type="title"/>
+          </p:nvPr>
+        </p:nvSpPr>
+        <p:spPr/>
+        <p:txBody>
+          <a:bodyPr>
+            <a:noAutofit/>
+          </a:bodyPr>
+          <a:lstStyle/>
+          <a:p>
+            <a:pPr algn="ctr"/>
+            <a:r>
+              <a:rPr lang="pt-BR" sz="5400" dirty="0">
+                <a:latin typeface="Arial" panose="020B0604020202020204" pitchFamily="34" charset="0"/>
+                <a:cs typeface="Arial" panose="020B0604020202020204" pitchFamily="34" charset="0"/>
+              </a:rPr>
+              <a:t>Principais requisitos não funcionais</a:t>
+            </a:r>
+          </a:p>
+        </p:txBody>
+      </p:sp>
+      <p:sp>
+        <p:nvSpPr>
+          <p:cNvPr id="4" name="Espaço Reservado para Número de Slide 3"/>
+          <p:cNvSpPr>
+            <a:spLocks noGrp="1"/>
+          </p:cNvSpPr>
+          <p:nvPr>
+            <p:ph type="sldNum" sz="quarter" idx="12"/>
+          </p:nvPr>
+        </p:nvSpPr>
+        <p:spPr/>
+        <p:txBody>
+          <a:bodyPr/>
+          <a:lstStyle/>
+          <a:p>
+            <a:fld id="{1BD48EA3-C02C-492B-BD6A-60F12EB1471E}" type="slidenum">
+              <a:rPr lang="pt-BR" sz="2800" smtClean="0">
+                <a:latin typeface="Arial" panose="020B0604020202020204" pitchFamily="34" charset="0"/>
+                <a:cs typeface="Arial" panose="020B0604020202020204" pitchFamily="34" charset="0"/>
+              </a:rPr>
+              <a:t>9</a:t>
+            </a:fld>
+            <a:endParaRPr lang="pt-BR" sz="2800" dirty="0">
+              <a:latin typeface="Arial" panose="020B0604020202020204" pitchFamily="34" charset="0"/>
+              <a:cs typeface="Arial" panose="020B0604020202020204" pitchFamily="34" charset="0"/>
+            </a:endParaRPr>
+          </a:p>
+        </p:txBody>
+      </p:sp>
+      <p:pic>
+        <p:nvPicPr>
+          <p:cNvPr id="5" name="Imagem 4"/>
+          <p:cNvPicPr>
+            <a:picLocks noChangeAspect="1"/>
+          </p:cNvPicPr>
+          <p:nvPr/>
+        </p:nvPicPr>
+        <p:blipFill>
+          <a:blip r:embed="rId3"/>
+          <a:stretch>
+            <a:fillRect/>
+          </a:stretch>
+        </p:blipFill>
+        <p:spPr>
+          <a:xfrm>
+            <a:off x="1947804" y="2327048"/>
+            <a:ext cx="8283138" cy="4079342"/>
+          </a:xfrm>
+          <a:prstGeom prst="rect">
+            <a:avLst/>
+          </a:prstGeom>
+          <a:ln w="28575">
+            <a:solidFill>
+              <a:schemeClr val="tx1"/>
+            </a:solidFill>
+          </a:ln>
+        </p:spPr>
+      </p:pic>
+    </p:spTree>
+    <p:extLst>
+      <p:ext uri="{BB962C8B-B14F-4D97-AF65-F5344CB8AC3E}">
+        <p14:creationId xmlns:p14="http://schemas.microsoft.com/office/powerpoint/2010/main" val="2662169515"/>
+      </p:ext>
+    </p:extLst>
+  </p:cSld>
+  <p:clrMapOvr>
+    <a:masterClrMapping/>
+  </p:clrMapOvr>
+  <p:timing>
+    <p:tnLst>
+      <p:par>
+        <p:cTn id="1" dur="indefinite" restart="never" nodeType="tmRoot"/>
+      </p:par>
+    </p:tnLst>
+  </p:timing>
 </p:sld>
 </file>
 

--- a/Apresentação Wordin'On.pptx
+++ b/Apresentação Wordin'On.pptx
@@ -5072,18 +5072,11 @@
           <a:lstStyle/>
           <a:p>
             <a:r>
-              <a:rPr lang="pt-BR" sz="2800" b="0" dirty="0" err="1">
+              <a:rPr lang="pt-BR" sz="2800" b="0" dirty="0" smtClean="0">
                 <a:latin typeface="Arial" panose="020B0604020202020204" pitchFamily="34" charset="0"/>
                 <a:cs typeface="Arial" panose="020B0604020202020204" pitchFamily="34" charset="0"/>
               </a:rPr>
-              <a:t>Pré</a:t>
-            </a:r>
-            <a:r>
-              <a:rPr lang="pt-BR" sz="2800" b="0" dirty="0">
-                <a:latin typeface="Arial" panose="020B0604020202020204" pitchFamily="34" charset="0"/>
-                <a:cs typeface="Arial" panose="020B0604020202020204" pitchFamily="34" charset="0"/>
-              </a:rPr>
-              <a:t> projeto</a:t>
+              <a:t>projeto</a:t>
             </a:r>
             <a:r>
               <a:rPr lang="pt-BR" sz="6600" b="0" dirty="0">

--- a/Apresentação Wordin'On.pptx
+++ b/Apresentação Wordin'On.pptx
@@ -216,7 +216,7 @@
           <a:p>
             <a:fld id="{187016E3-8FE3-42C8-A989-047C3A31122B}" type="datetimeFigureOut">
               <a:rPr lang="pt-BR" smtClean="0"/>
-              <a:t>24/06/2018</a:t>
+              <a:t>25/06/2018</a:t>
             </a:fld>
             <a:endParaRPr lang="pt-BR"/>
           </a:p>
@@ -1939,7 +1939,7 @@
           <a:p>
             <a:fld id="{17B55978-8CFA-4D58-A7CA-977091AB850B}" type="datetime1">
               <a:rPr lang="pt-BR" smtClean="0"/>
-              <a:t>24/06/2018</a:t>
+              <a:t>25/06/2018</a:t>
             </a:fld>
             <a:endParaRPr lang="pt-BR"/>
           </a:p>
@@ -2160,7 +2160,7 @@
           <a:p>
             <a:fld id="{9D595EB8-7368-43D1-ABFF-1DBCEEB888E8}" type="datetime1">
               <a:rPr lang="pt-BR" smtClean="0"/>
-              <a:t>24/06/2018</a:t>
+              <a:t>25/06/2018</a:t>
             </a:fld>
             <a:endParaRPr lang="pt-BR"/>
           </a:p>
@@ -2340,7 +2340,7 @@
           <a:p>
             <a:fld id="{647EE1C5-9666-44F8-96EF-AE7D294E0D7E}" type="datetime1">
               <a:rPr lang="pt-BR" smtClean="0"/>
-              <a:t>24/06/2018</a:t>
+              <a:t>25/06/2018</a:t>
             </a:fld>
             <a:endParaRPr lang="pt-BR"/>
           </a:p>
@@ -2510,7 +2510,7 @@
           <a:p>
             <a:fld id="{5B5D1F3C-7573-4809-B83D-E0DB31C3D6A6}" type="datetime1">
               <a:rPr lang="pt-BR" smtClean="0"/>
-              <a:t>24/06/2018</a:t>
+              <a:t>25/06/2018</a:t>
             </a:fld>
             <a:endParaRPr lang="pt-BR"/>
           </a:p>
@@ -2761,7 +2761,7 @@
           <a:p>
             <a:fld id="{0CF9168C-23D7-487E-9AEB-06F963A5FEB3}" type="datetime1">
               <a:rPr lang="pt-BR" smtClean="0"/>
-              <a:t>24/06/2018</a:t>
+              <a:t>25/06/2018</a:t>
             </a:fld>
             <a:endParaRPr lang="pt-BR"/>
           </a:p>
@@ -3084,7 +3084,7 @@
           <a:p>
             <a:fld id="{43295F28-90D8-4DB3-9951-A17FCB4966B8}" type="datetime1">
               <a:rPr lang="pt-BR" smtClean="0"/>
-              <a:t>24/06/2018</a:t>
+              <a:t>25/06/2018</a:t>
             </a:fld>
             <a:endParaRPr lang="pt-BR"/>
           </a:p>
@@ -3508,7 +3508,7 @@
           <a:p>
             <a:fld id="{ADABD4F4-0A5C-4E1E-A0C0-61FD8B04D3B3}" type="datetime1">
               <a:rPr lang="pt-BR" smtClean="0"/>
-              <a:t>24/06/2018</a:t>
+              <a:t>25/06/2018</a:t>
             </a:fld>
             <a:endParaRPr lang="pt-BR"/>
           </a:p>
@@ -3626,7 +3626,7 @@
           <a:p>
             <a:fld id="{E5D9B3C4-A75F-40E6-965F-9841183E88AA}" type="datetime1">
               <a:rPr lang="pt-BR" smtClean="0"/>
-              <a:t>24/06/2018</a:t>
+              <a:t>25/06/2018</a:t>
             </a:fld>
             <a:endParaRPr lang="pt-BR"/>
           </a:p>
@@ -3721,7 +3721,7 @@
           <a:p>
             <a:fld id="{4AF4440F-3387-499A-B845-6E57613D8F67}" type="datetime1">
               <a:rPr lang="pt-BR" smtClean="0"/>
-              <a:t>24/06/2018</a:t>
+              <a:t>25/06/2018</a:t>
             </a:fld>
             <a:endParaRPr lang="pt-BR"/>
           </a:p>
@@ -4011,7 +4011,7 @@
           <a:p>
             <a:fld id="{AC49F9B1-4F0A-4D76-B039-07E905EFB92F}" type="datetime1">
               <a:rPr lang="pt-BR" smtClean="0"/>
-              <a:t>24/06/2018</a:t>
+              <a:t>25/06/2018</a:t>
             </a:fld>
             <a:endParaRPr lang="pt-BR"/>
           </a:p>
@@ -4283,7 +4283,7 @@
           <a:p>
             <a:fld id="{CC7908D8-169F-441D-994A-484536FE7E9C}" type="datetime1">
               <a:rPr lang="pt-BR" smtClean="0"/>
-              <a:t>24/06/2018</a:t>
+              <a:t>25/06/2018</a:t>
             </a:fld>
             <a:endParaRPr lang="pt-BR"/>
           </a:p>
@@ -4536,7 +4536,7 @@
           <a:p>
             <a:fld id="{E4FBDC7F-2859-46C6-844F-882530C52049}" type="datetime1">
               <a:rPr lang="pt-BR" smtClean="0"/>
-              <a:t>24/06/2018</a:t>
+              <a:t>25/06/2018</a:t>
             </a:fld>
             <a:endParaRPr lang="pt-BR"/>
           </a:p>
@@ -6219,7 +6219,7 @@
       </p:grpSpPr>
       <p:pic>
         <p:nvPicPr>
-          <p:cNvPr id="5" name="Imagem 4"/>
+          <p:cNvPr id="2" name="Imagem 1"/>
           <p:cNvPicPr>
             <a:picLocks noChangeAspect="1"/>
           </p:cNvPicPr>
@@ -6233,8 +6233,8 @@
         </p:blipFill>
         <p:spPr>
           <a:xfrm>
-            <a:off x="248733" y="261267"/>
-            <a:ext cx="11694455" cy="6327685"/>
+            <a:off x="248733" y="264383"/>
+            <a:ext cx="11638467" cy="6324570"/>
           </a:xfrm>
           <a:prstGeom prst="rect">
             <a:avLst/>
